--- a/slides/asiaccs_socialwatch.pptx
+++ b/slides/asiaccs_socialwatch.pptx
@@ -5,7 +5,7 @@
     <p:sldMasterId id="2147483726" r:id="rId1"/>
   </p:sldMasterIdLst>
   <p:notesMasterIdLst>
-    <p:notesMasterId r:id="rId16"/>
+    <p:notesMasterId r:id="rId18"/>
   </p:notesMasterIdLst>
   <p:sldIdLst>
     <p:sldId id="256" r:id="rId2"/>
@@ -15,13 +15,15 @@
     <p:sldId id="262" r:id="rId6"/>
     <p:sldId id="260" r:id="rId7"/>
     <p:sldId id="272" r:id="rId8"/>
-    <p:sldId id="264" r:id="rId9"/>
-    <p:sldId id="257" r:id="rId10"/>
-    <p:sldId id="265" r:id="rId11"/>
-    <p:sldId id="266" r:id="rId12"/>
-    <p:sldId id="267" r:id="rId13"/>
-    <p:sldId id="268" r:id="rId14"/>
-    <p:sldId id="270" r:id="rId15"/>
+    <p:sldId id="273" r:id="rId9"/>
+    <p:sldId id="264" r:id="rId10"/>
+    <p:sldId id="257" r:id="rId11"/>
+    <p:sldId id="265" r:id="rId12"/>
+    <p:sldId id="274" r:id="rId13"/>
+    <p:sldId id="266" r:id="rId14"/>
+    <p:sldId id="267" r:id="rId15"/>
+    <p:sldId id="268" r:id="rId16"/>
+    <p:sldId id="270" r:id="rId17"/>
   </p:sldIdLst>
   <p:sldSz cx="9144000" cy="6858000" type="screen4x3"/>
   <p:notesSz cx="6858000" cy="9144000"/>
@@ -519,11 +521,39 @@
           <a:p>
             <a:r>
               <a:rPr lang="en-US" dirty="0" smtClean="0"/>
-              <a:t>Zero-conversation</a:t>
+              <a:t>Hello, everyone, my name is Junxian Huang</a:t>
             </a:r>
             <a:r>
               <a:rPr lang="en-US" baseline="0" dirty="0" smtClean="0"/>
-              <a:t> policy	</a:t>
+              <a:t> and I’m from University of Michigan</a:t>
+            </a:r>
+            <a:endParaRPr lang="en-US" dirty="0" smtClean="0"/>
+          </a:p>
+          <a:p>
+            <a:endParaRPr lang="en-US" dirty="0" smtClean="0"/>
+          </a:p>
+          <a:p>
+            <a:r>
+              <a:rPr lang="en-US" dirty="0" smtClean="0"/>
+              <a:t>Today I’m very happy to present our work “SocialWatch: detection of online</a:t>
+            </a:r>
+            <a:r>
+              <a:rPr lang="en-US" baseline="0" dirty="0" smtClean="0"/>
+              <a:t> service abuse via large-scale social graphs”.</a:t>
+            </a:r>
+          </a:p>
+          <a:p>
+            <a:r>
+              <a:rPr lang="en-US" baseline="0" dirty="0" smtClean="0"/>
+              <a:t>This work was joint work with my mentors Yinglian </a:t>
+            </a:r>
+            <a:r>
+              <a:rPr lang="en-US" baseline="0" dirty="0" err="1" smtClean="0"/>
+              <a:t>Xie</a:t>
+            </a:r>
+            <a:r>
+              <a:rPr lang="en-US" baseline="0" dirty="0" smtClean="0"/>
+              <a:t> and Fang Yu in Microsoft Research Silicon Valley and my advisor Prof. Morley Mao, etc.</a:t>
             </a:r>
             <a:endParaRPr lang="en-US" dirty="0"/>
           </a:p>
@@ -544,19 +574,825 @@
           <a:bodyPr/>
           <a:lstStyle/>
           <a:p>
-            <a:fld id="{8300F8BC-3A7C-4840-BF05-D2F7D01F9C22}" type="slidenum">
+            <a:fld id="{7A37CF07-54D0-2344-BBEC-B7F2188A097A}" type="slidenum">
               <a:rPr lang="en-US" smtClean="0"/>
-              <a:pPr/>
-              <a:t>2</a:t>
+              <a:t>1</a:t>
             </a:fld>
-            <a:endParaRPr lang="en-US" dirty="0"/>
+            <a:endParaRPr lang="en-US"/>
           </a:p>
         </p:txBody>
       </p:sp>
     </p:spTree>
     <p:extLst>
       <p:ext uri="{BB962C8B-B14F-4D97-AF65-F5344CB8AC3E}">
-        <p14:creationId xmlns:p14="http://schemas.microsoft.com/office/powerpoint/2010/main" val="2329919502"/>
+        <p14:creationId xmlns:p14="http://schemas.microsoft.com/office/powerpoint/2010/main" val="2919402759"/>
+      </p:ext>
+    </p:extLst>
+  </p:cSld>
+  <p:clrMapOvr>
+    <a:masterClrMapping/>
+  </p:clrMapOvr>
+</p:notes>
+</file>
+
+<file path=ppt/notesSlides/notesSlide10.xml><?xml version="1.0" encoding="utf-8"?>
+<p:notes xmlns:a="http://schemas.openxmlformats.org/drawingml/2006/main" xmlns:r="http://schemas.openxmlformats.org/officeDocument/2006/relationships" xmlns:p="http://schemas.openxmlformats.org/presentationml/2006/main">
+  <p:cSld>
+    <p:spTree>
+      <p:nvGrpSpPr>
+        <p:cNvPr id="1" name=""/>
+        <p:cNvGrpSpPr/>
+        <p:nvPr/>
+      </p:nvGrpSpPr>
+      <p:grpSpPr>
+        <a:xfrm>
+          <a:off x="0" y="0"/>
+          <a:ext cx="0" cy="0"/>
+          <a:chOff x="0" y="0"/>
+          <a:chExt cx="0" cy="0"/>
+        </a:xfrm>
+      </p:grpSpPr>
+      <p:sp>
+        <p:nvSpPr>
+          <p:cNvPr id="2" name="Slide Image Placeholder 1"/>
+          <p:cNvSpPr>
+            <a:spLocks noGrp="1" noRot="1" noChangeAspect="1"/>
+          </p:cNvSpPr>
+          <p:nvPr>
+            <p:ph type="sldImg"/>
+          </p:nvPr>
+        </p:nvSpPr>
+        <p:spPr/>
+      </p:sp>
+      <p:sp>
+        <p:nvSpPr>
+          <p:cNvPr id="3" name="Notes Placeholder 2"/>
+          <p:cNvSpPr>
+            <a:spLocks noGrp="1"/>
+          </p:cNvSpPr>
+          <p:nvPr>
+            <p:ph type="body" idx="1"/>
+          </p:nvPr>
+        </p:nvSpPr>
+        <p:spPr/>
+        <p:txBody>
+          <a:bodyPr/>
+          <a:lstStyle/>
+          <a:p>
+            <a:r>
+              <a:rPr lang="en-US" dirty="0" smtClean="0"/>
+              <a:t>In order to detect attacker-created</a:t>
+            </a:r>
+            <a:r>
+              <a:rPr lang="en-US" baseline="0" dirty="0" smtClean="0"/>
+              <a:t> accounts, SocialWatch first uses two graph features.</a:t>
+            </a:r>
+          </a:p>
+          <a:p>
+            <a:r>
+              <a:rPr lang="en-US" baseline="0" dirty="0" smtClean="0"/>
+              <a:t>Degree is a local graph feature which captures the sending/receiving of an account.</a:t>
+            </a:r>
+          </a:p>
+          <a:p>
+            <a:r>
+              <a:rPr lang="en-US" baseline="0" dirty="0" smtClean="0"/>
+              <a:t>SocialWatch also uses the aforementioned </a:t>
+            </a:r>
+            <a:r>
+              <a:rPr lang="en-US" baseline="0" dirty="0" err="1" smtClean="0"/>
+              <a:t>pagerank</a:t>
+            </a:r>
+            <a:r>
+              <a:rPr lang="en-US" baseline="0" dirty="0" smtClean="0"/>
+              <a:t> scores to capture the global weight of a node in the overall graph.</a:t>
+            </a:r>
+          </a:p>
+          <a:p>
+            <a:endParaRPr lang="en-US" baseline="0" dirty="0" smtClean="0"/>
+          </a:p>
+          <a:p>
+            <a:r>
+              <a:rPr lang="en-US" baseline="0" dirty="0" smtClean="0"/>
+              <a:t>SocialWatch will first identify the more aggressive spamming accounts with high out degree and low response rates.</a:t>
+            </a:r>
+          </a:p>
+          <a:p>
+            <a:r>
+              <a:rPr lang="en-US" baseline="0" dirty="0" smtClean="0"/>
+              <a:t>And then detect </a:t>
+            </a:r>
+            <a:r>
+              <a:rPr lang="en-US" baseline="0" dirty="0" err="1" smtClean="0"/>
+              <a:t>elss</a:t>
+            </a:r>
+            <a:r>
+              <a:rPr lang="en-US" baseline="0" dirty="0" smtClean="0"/>
+              <a:t> aggressive spamming accounts using the badness-goodness ratio</a:t>
+            </a:r>
+            <a:endParaRPr lang="en-US" dirty="0"/>
+          </a:p>
+        </p:txBody>
+      </p:sp>
+      <p:sp>
+        <p:nvSpPr>
+          <p:cNvPr id="4" name="Slide Number Placeholder 3"/>
+          <p:cNvSpPr>
+            <a:spLocks noGrp="1"/>
+          </p:cNvSpPr>
+          <p:nvPr>
+            <p:ph type="sldNum" sz="quarter" idx="10"/>
+          </p:nvPr>
+        </p:nvSpPr>
+        <p:spPr/>
+        <p:txBody>
+          <a:bodyPr/>
+          <a:lstStyle/>
+          <a:p>
+            <a:fld id="{7A37CF07-54D0-2344-BBEC-B7F2188A097A}" type="slidenum">
+              <a:rPr lang="en-US" smtClean="0"/>
+              <a:t>10</a:t>
+            </a:fld>
+            <a:endParaRPr lang="en-US"/>
+          </a:p>
+        </p:txBody>
+      </p:sp>
+    </p:spTree>
+    <p:extLst>
+      <p:ext uri="{BB962C8B-B14F-4D97-AF65-F5344CB8AC3E}">
+        <p14:creationId xmlns:p14="http://schemas.microsoft.com/office/powerpoint/2010/main" val="2661222862"/>
+      </p:ext>
+    </p:extLst>
+  </p:cSld>
+  <p:clrMapOvr>
+    <a:masterClrMapping/>
+  </p:clrMapOvr>
+</p:notes>
+</file>
+
+<file path=ppt/notesSlides/notesSlide11.xml><?xml version="1.0" encoding="utf-8"?>
+<p:notes xmlns:a="http://schemas.openxmlformats.org/drawingml/2006/main" xmlns:r="http://schemas.openxmlformats.org/officeDocument/2006/relationships" xmlns:p="http://schemas.openxmlformats.org/presentationml/2006/main">
+  <p:cSld>
+    <p:spTree>
+      <p:nvGrpSpPr>
+        <p:cNvPr id="1" name=""/>
+        <p:cNvGrpSpPr/>
+        <p:nvPr/>
+      </p:nvGrpSpPr>
+      <p:grpSpPr>
+        <a:xfrm>
+          <a:off x="0" y="0"/>
+          <a:ext cx="0" cy="0"/>
+          <a:chOff x="0" y="0"/>
+          <a:chExt cx="0" cy="0"/>
+        </a:xfrm>
+      </p:grpSpPr>
+      <p:sp>
+        <p:nvSpPr>
+          <p:cNvPr id="2" name="Slide Image Placeholder 1"/>
+          <p:cNvSpPr>
+            <a:spLocks noGrp="1" noRot="1" noChangeAspect="1"/>
+          </p:cNvSpPr>
+          <p:nvPr>
+            <p:ph type="sldImg"/>
+          </p:nvPr>
+        </p:nvSpPr>
+        <p:spPr/>
+      </p:sp>
+      <p:sp>
+        <p:nvSpPr>
+          <p:cNvPr id="3" name="Notes Placeholder 2"/>
+          <p:cNvSpPr>
+            <a:spLocks noGrp="1"/>
+          </p:cNvSpPr>
+          <p:nvPr>
+            <p:ph type="body" idx="1"/>
+          </p:nvPr>
+        </p:nvSpPr>
+        <p:spPr/>
+        <p:txBody>
+          <a:bodyPr/>
+          <a:lstStyle/>
+          <a:p>
+            <a:r>
+              <a:rPr lang="en-US" dirty="0" smtClean="0"/>
+              <a:t>In</a:t>
+            </a:r>
+            <a:r>
+              <a:rPr lang="en-US" baseline="0" dirty="0" smtClean="0"/>
+              <a:t> order to detect hijacked accounts, SocialWatch users fine-grained social-affinity features.</a:t>
+            </a:r>
+          </a:p>
+          <a:p>
+            <a:r>
+              <a:rPr lang="en-US" baseline="0" dirty="0" smtClean="0"/>
+              <a:t>We observe that recipients of legitimate users tend to have more direct connectivity and we use the recipient connectivity r to quantify this connectivity.</a:t>
+            </a:r>
+          </a:p>
+          <a:p>
+            <a:r>
+              <a:rPr lang="en-US" baseline="0" dirty="0" smtClean="0"/>
+              <a:t>Recipient connectivity is the fraction of socially connected recipients and in this figure, with blue curve representing good users and red curve representing bad users, we can see a clear separation.</a:t>
+            </a:r>
+            <a:endParaRPr lang="en-US" dirty="0"/>
+          </a:p>
+        </p:txBody>
+      </p:sp>
+      <p:sp>
+        <p:nvSpPr>
+          <p:cNvPr id="4" name="Slide Number Placeholder 3"/>
+          <p:cNvSpPr>
+            <a:spLocks noGrp="1"/>
+          </p:cNvSpPr>
+          <p:nvPr>
+            <p:ph type="sldNum" sz="quarter" idx="10"/>
+          </p:nvPr>
+        </p:nvSpPr>
+        <p:spPr/>
+        <p:txBody>
+          <a:bodyPr/>
+          <a:lstStyle/>
+          <a:p>
+            <a:fld id="{7A37CF07-54D0-2344-BBEC-B7F2188A097A}" type="slidenum">
+              <a:rPr lang="en-US" smtClean="0"/>
+              <a:t>11</a:t>
+            </a:fld>
+            <a:endParaRPr lang="en-US"/>
+          </a:p>
+        </p:txBody>
+      </p:sp>
+    </p:spTree>
+    <p:extLst>
+      <p:ext uri="{BB962C8B-B14F-4D97-AF65-F5344CB8AC3E}">
+        <p14:creationId xmlns:p14="http://schemas.microsoft.com/office/powerpoint/2010/main" val="944452059"/>
+      </p:ext>
+    </p:extLst>
+  </p:cSld>
+  <p:clrMapOvr>
+    <a:masterClrMapping/>
+  </p:clrMapOvr>
+</p:notes>
+</file>
+
+<file path=ppt/notesSlides/notesSlide12.xml><?xml version="1.0" encoding="utf-8"?>
+<p:notes xmlns:a="http://schemas.openxmlformats.org/drawingml/2006/main" xmlns:r="http://schemas.openxmlformats.org/officeDocument/2006/relationships" xmlns:p="http://schemas.openxmlformats.org/presentationml/2006/main">
+  <p:cSld>
+    <p:spTree>
+      <p:nvGrpSpPr>
+        <p:cNvPr id="1" name=""/>
+        <p:cNvGrpSpPr/>
+        <p:nvPr/>
+      </p:nvGrpSpPr>
+      <p:grpSpPr>
+        <a:xfrm>
+          <a:off x="0" y="0"/>
+          <a:ext cx="0" cy="0"/>
+          <a:chOff x="0" y="0"/>
+          <a:chExt cx="0" cy="0"/>
+        </a:xfrm>
+      </p:grpSpPr>
+      <p:sp>
+        <p:nvSpPr>
+          <p:cNvPr id="2" name="Slide Image Placeholder 1"/>
+          <p:cNvSpPr>
+            <a:spLocks noGrp="1" noRot="1" noChangeAspect="1"/>
+          </p:cNvSpPr>
+          <p:nvPr>
+            <p:ph type="sldImg"/>
+          </p:nvPr>
+        </p:nvSpPr>
+        <p:spPr/>
+      </p:sp>
+      <p:sp>
+        <p:nvSpPr>
+          <p:cNvPr id="3" name="Notes Placeholder 2"/>
+          <p:cNvSpPr>
+            <a:spLocks noGrp="1"/>
+          </p:cNvSpPr>
+          <p:nvPr>
+            <p:ph type="body" idx="1"/>
+          </p:nvPr>
+        </p:nvSpPr>
+        <p:spPr/>
+        <p:txBody>
+          <a:bodyPr/>
+          <a:lstStyle/>
+          <a:p>
+            <a:r>
+              <a:rPr lang="en-US" dirty="0" smtClean="0"/>
+              <a:t>SocialWatch uses</a:t>
+            </a:r>
+            <a:r>
+              <a:rPr lang="en-US" baseline="0" dirty="0" smtClean="0"/>
+              <a:t> another social-affinity feature for detecting hijacked accounts.</a:t>
+            </a:r>
+          </a:p>
+          <a:p>
+            <a:r>
+              <a:rPr lang="en-US" baseline="0" dirty="0" smtClean="0"/>
+              <a:t>Different from the previous feature, this feature quantifies the indirect social connectivity among the recipient set.</a:t>
+            </a:r>
+          </a:p>
+          <a:p>
+            <a:r>
+              <a:rPr lang="en-US" baseline="0" dirty="0" smtClean="0"/>
+              <a:t>Specifically, we use social distance l, which is the mean of all pairwise social distances between any two users in the recipient set.</a:t>
+            </a:r>
+          </a:p>
+          <a:p>
+            <a:r>
+              <a:rPr lang="en-US" baseline="0" dirty="0" smtClean="0"/>
+              <a:t>From this figure, we can also see very different signature between good user set and hijacked user set.</a:t>
+            </a:r>
+          </a:p>
+          <a:p>
+            <a:endParaRPr lang="en-US" baseline="0" dirty="0" smtClean="0"/>
+          </a:p>
+          <a:p>
+            <a:r>
+              <a:rPr lang="en-US" baseline="0" dirty="0" smtClean="0"/>
+              <a:t>Notice that computing all pair-wise shortest paths for large-scale graphs is very challenging and in the paper, we talked about how we calculate it with the help of an approximation algorithms.</a:t>
+            </a:r>
+            <a:endParaRPr lang="en-US" dirty="0"/>
+          </a:p>
+        </p:txBody>
+      </p:sp>
+      <p:sp>
+        <p:nvSpPr>
+          <p:cNvPr id="4" name="Slide Number Placeholder 3"/>
+          <p:cNvSpPr>
+            <a:spLocks noGrp="1"/>
+          </p:cNvSpPr>
+          <p:nvPr>
+            <p:ph type="sldNum" sz="quarter" idx="10"/>
+          </p:nvPr>
+        </p:nvSpPr>
+        <p:spPr/>
+        <p:txBody>
+          <a:bodyPr/>
+          <a:lstStyle/>
+          <a:p>
+            <a:fld id="{7A37CF07-54D0-2344-BBEC-B7F2188A097A}" type="slidenum">
+              <a:rPr lang="en-US" smtClean="0"/>
+              <a:t>12</a:t>
+            </a:fld>
+            <a:endParaRPr lang="en-US"/>
+          </a:p>
+        </p:txBody>
+      </p:sp>
+    </p:spTree>
+    <p:extLst>
+      <p:ext uri="{BB962C8B-B14F-4D97-AF65-F5344CB8AC3E}">
+        <p14:creationId xmlns:p14="http://schemas.microsoft.com/office/powerpoint/2010/main" val="2975779147"/>
+      </p:ext>
+    </p:extLst>
+  </p:cSld>
+  <p:clrMapOvr>
+    <a:masterClrMapping/>
+  </p:clrMapOvr>
+</p:notes>
+</file>
+
+<file path=ppt/notesSlides/notesSlide13.xml><?xml version="1.0" encoding="utf-8"?>
+<p:notes xmlns:a="http://schemas.openxmlformats.org/drawingml/2006/main" xmlns:r="http://schemas.openxmlformats.org/officeDocument/2006/relationships" xmlns:p="http://schemas.openxmlformats.org/presentationml/2006/main">
+  <p:cSld>
+    <p:spTree>
+      <p:nvGrpSpPr>
+        <p:cNvPr id="1" name=""/>
+        <p:cNvGrpSpPr/>
+        <p:nvPr/>
+      </p:nvGrpSpPr>
+      <p:grpSpPr>
+        <a:xfrm>
+          <a:off x="0" y="0"/>
+          <a:ext cx="0" cy="0"/>
+          <a:chOff x="0" y="0"/>
+          <a:chExt cx="0" cy="0"/>
+        </a:xfrm>
+      </p:grpSpPr>
+      <p:sp>
+        <p:nvSpPr>
+          <p:cNvPr id="2" name="Slide Image Placeholder 1"/>
+          <p:cNvSpPr>
+            <a:spLocks noGrp="1" noRot="1" noChangeAspect="1"/>
+          </p:cNvSpPr>
+          <p:nvPr>
+            <p:ph type="sldImg"/>
+          </p:nvPr>
+        </p:nvSpPr>
+        <p:spPr/>
+      </p:sp>
+      <p:sp>
+        <p:nvSpPr>
+          <p:cNvPr id="3" name="Notes Placeholder 2"/>
+          <p:cNvSpPr>
+            <a:spLocks noGrp="1"/>
+          </p:cNvSpPr>
+          <p:nvPr>
+            <p:ph type="body" idx="1"/>
+          </p:nvPr>
+        </p:nvSpPr>
+        <p:spPr/>
+        <p:txBody>
+          <a:bodyPr/>
+          <a:lstStyle/>
+          <a:p>
+            <a:r>
+              <a:rPr lang="en-US" dirty="0" smtClean="0"/>
+              <a:t>SocialWatch detects hijacked accounts using two assumptions,</a:t>
+            </a:r>
+            <a:r>
+              <a:rPr lang="en-US" baseline="0" dirty="0" smtClean="0"/>
+              <a:t> one with and one without known hijacked accounts.</a:t>
+            </a:r>
+          </a:p>
+          <a:p>
+            <a:endParaRPr lang="en-US" baseline="0" dirty="0" smtClean="0"/>
+          </a:p>
+          <a:p>
+            <a:r>
+              <a:rPr lang="en-US" baseline="0" dirty="0" smtClean="0"/>
+              <a:t>If there is not known hijacked accounts, we use one-tailed hypothesis testing for detection.</a:t>
+            </a:r>
+          </a:p>
+          <a:p>
+            <a:r>
+              <a:rPr lang="en-US" baseline="0" dirty="0" smtClean="0"/>
+              <a:t>This is a standard approach in statistics that given a significance level, we can compute a threshold along each feature dimension based on the data, and with these thresholds, we can classify an account to be hijacked if one of its feature values violates the computed threshold.</a:t>
+            </a:r>
+          </a:p>
+          <a:p>
+            <a:endParaRPr lang="en-US" baseline="0" dirty="0" smtClean="0"/>
+          </a:p>
+          <a:p>
+            <a:r>
+              <a:rPr lang="en-US" baseline="0" dirty="0" smtClean="0"/>
+              <a:t>If there is known hijacked accounts, we use a </a:t>
+            </a:r>
+            <a:r>
+              <a:rPr lang="en-US" baseline="0" dirty="0" err="1" smtClean="0"/>
+              <a:t>bayesian</a:t>
+            </a:r>
+            <a:r>
+              <a:rPr lang="en-US" baseline="0" dirty="0" smtClean="0"/>
+              <a:t> decision framework to detect additional hijacked accounts using training data.</a:t>
+            </a:r>
+          </a:p>
+        </p:txBody>
+      </p:sp>
+      <p:sp>
+        <p:nvSpPr>
+          <p:cNvPr id="4" name="Slide Number Placeholder 3"/>
+          <p:cNvSpPr>
+            <a:spLocks noGrp="1"/>
+          </p:cNvSpPr>
+          <p:nvPr>
+            <p:ph type="sldNum" sz="quarter" idx="10"/>
+          </p:nvPr>
+        </p:nvSpPr>
+        <p:spPr/>
+        <p:txBody>
+          <a:bodyPr/>
+          <a:lstStyle/>
+          <a:p>
+            <a:fld id="{7A37CF07-54D0-2344-BBEC-B7F2188A097A}" type="slidenum">
+              <a:rPr lang="en-US" smtClean="0"/>
+              <a:t>13</a:t>
+            </a:fld>
+            <a:endParaRPr lang="en-US"/>
+          </a:p>
+        </p:txBody>
+      </p:sp>
+    </p:spTree>
+    <p:extLst>
+      <p:ext uri="{BB962C8B-B14F-4D97-AF65-F5344CB8AC3E}">
+        <p14:creationId xmlns:p14="http://schemas.microsoft.com/office/powerpoint/2010/main" val="3775315775"/>
+      </p:ext>
+    </p:extLst>
+  </p:cSld>
+  <p:clrMapOvr>
+    <a:masterClrMapping/>
+  </p:clrMapOvr>
+</p:notes>
+</file>
+
+<file path=ppt/notesSlides/notesSlide14.xml><?xml version="1.0" encoding="utf-8"?>
+<p:notes xmlns:a="http://schemas.openxmlformats.org/drawingml/2006/main" xmlns:r="http://schemas.openxmlformats.org/officeDocument/2006/relationships" xmlns:p="http://schemas.openxmlformats.org/presentationml/2006/main">
+  <p:cSld>
+    <p:spTree>
+      <p:nvGrpSpPr>
+        <p:cNvPr id="1" name=""/>
+        <p:cNvGrpSpPr/>
+        <p:nvPr/>
+      </p:nvGrpSpPr>
+      <p:grpSpPr>
+        <a:xfrm>
+          <a:off x="0" y="0"/>
+          <a:ext cx="0" cy="0"/>
+          <a:chOff x="0" y="0"/>
+          <a:chExt cx="0" cy="0"/>
+        </a:xfrm>
+      </p:grpSpPr>
+      <p:sp>
+        <p:nvSpPr>
+          <p:cNvPr id="2" name="Slide Image Placeholder 1"/>
+          <p:cNvSpPr>
+            <a:spLocks noGrp="1" noRot="1" noChangeAspect="1"/>
+          </p:cNvSpPr>
+          <p:nvPr>
+            <p:ph type="sldImg"/>
+          </p:nvPr>
+        </p:nvSpPr>
+        <p:spPr/>
+      </p:sp>
+      <p:sp>
+        <p:nvSpPr>
+          <p:cNvPr id="3" name="Notes Placeholder 2"/>
+          <p:cNvSpPr>
+            <a:spLocks noGrp="1"/>
+          </p:cNvSpPr>
+          <p:nvPr>
+            <p:ph type="body" idx="1"/>
+          </p:nvPr>
+        </p:nvSpPr>
+        <p:spPr/>
+        <p:txBody>
+          <a:bodyPr/>
+          <a:lstStyle/>
+          <a:p>
+            <a:r>
+              <a:rPr lang="en-US" dirty="0" smtClean="0"/>
+              <a:t>We implement SocialWatch using Microsoft’s </a:t>
+            </a:r>
+            <a:r>
+              <a:rPr lang="en-US" dirty="0" err="1" smtClean="0"/>
+              <a:t>DryadLINQ</a:t>
+            </a:r>
+            <a:r>
+              <a:rPr lang="en-US" dirty="0" smtClean="0"/>
+              <a:t> framework,</a:t>
+            </a:r>
+            <a:r>
+              <a:rPr lang="en-US" baseline="0" dirty="0" smtClean="0"/>
+              <a:t> which is very convenient for processing large-scale data set in parallel.</a:t>
+            </a:r>
+          </a:p>
+          <a:p>
+            <a:r>
+              <a:rPr lang="en-US" baseline="0" dirty="0" smtClean="0"/>
+              <a:t>In our evaluation, SocialWatch runs on a 240-node cluster.</a:t>
+            </a:r>
+          </a:p>
+          <a:p>
+            <a:endParaRPr lang="en-US" baseline="0" dirty="0" smtClean="0"/>
+          </a:p>
+          <a:p>
+            <a:r>
+              <a:rPr lang="en-US" baseline="0" dirty="0" smtClean="0"/>
+              <a:t>In total, SocialWatch detects 57 million attacker-created accounts, and with the </a:t>
+            </a:r>
+            <a:r>
+              <a:rPr lang="en-US" baseline="0" dirty="0" err="1" smtClean="0"/>
+              <a:t>groundtruth</a:t>
+            </a:r>
+            <a:r>
+              <a:rPr lang="en-US" baseline="0" dirty="0" smtClean="0"/>
+              <a:t> obtained from various data sources, we observe that SocialWatch has very small false detection rate and false negative rate.</a:t>
+            </a:r>
+          </a:p>
+          <a:p>
+            <a:endParaRPr lang="en-US" dirty="0" smtClean="0"/>
+          </a:p>
+          <a:p>
+            <a:r>
+              <a:rPr lang="en-US" dirty="0" smtClean="0"/>
+              <a:t>For hijacked account detection, at a false detection rate of 2%, SocialWatch identifies 2 million hijacked accounts, among which, 1.2 million were not detected previously.</a:t>
+            </a:r>
+            <a:endParaRPr lang="en-US" dirty="0"/>
+          </a:p>
+        </p:txBody>
+      </p:sp>
+      <p:sp>
+        <p:nvSpPr>
+          <p:cNvPr id="4" name="Slide Number Placeholder 3"/>
+          <p:cNvSpPr>
+            <a:spLocks noGrp="1"/>
+          </p:cNvSpPr>
+          <p:nvPr>
+            <p:ph type="sldNum" sz="quarter" idx="10"/>
+          </p:nvPr>
+        </p:nvSpPr>
+        <p:spPr/>
+        <p:txBody>
+          <a:bodyPr/>
+          <a:lstStyle/>
+          <a:p>
+            <a:fld id="{7A37CF07-54D0-2344-BBEC-B7F2188A097A}" type="slidenum">
+              <a:rPr lang="en-US" smtClean="0"/>
+              <a:t>14</a:t>
+            </a:fld>
+            <a:endParaRPr lang="en-US"/>
+          </a:p>
+        </p:txBody>
+      </p:sp>
+    </p:spTree>
+    <p:extLst>
+      <p:ext uri="{BB962C8B-B14F-4D97-AF65-F5344CB8AC3E}">
+        <p14:creationId xmlns:p14="http://schemas.microsoft.com/office/powerpoint/2010/main" val="1375961956"/>
+      </p:ext>
+    </p:extLst>
+  </p:cSld>
+  <p:clrMapOvr>
+    <a:masterClrMapping/>
+  </p:clrMapOvr>
+</p:notes>
+</file>
+
+<file path=ppt/notesSlides/notesSlide15.xml><?xml version="1.0" encoding="utf-8"?>
+<p:notes xmlns:a="http://schemas.openxmlformats.org/drawingml/2006/main" xmlns:r="http://schemas.openxmlformats.org/officeDocument/2006/relationships" xmlns:p="http://schemas.openxmlformats.org/presentationml/2006/main">
+  <p:cSld>
+    <p:spTree>
+      <p:nvGrpSpPr>
+        <p:cNvPr id="1" name=""/>
+        <p:cNvGrpSpPr/>
+        <p:nvPr/>
+      </p:nvGrpSpPr>
+      <p:grpSpPr>
+        <a:xfrm>
+          <a:off x="0" y="0"/>
+          <a:ext cx="0" cy="0"/>
+          <a:chOff x="0" y="0"/>
+          <a:chExt cx="0" cy="0"/>
+        </a:xfrm>
+      </p:grpSpPr>
+      <p:sp>
+        <p:nvSpPr>
+          <p:cNvPr id="2" name="Slide Image Placeholder 1"/>
+          <p:cNvSpPr>
+            <a:spLocks noGrp="1" noRot="1" noChangeAspect="1"/>
+          </p:cNvSpPr>
+          <p:nvPr>
+            <p:ph type="sldImg"/>
+          </p:nvPr>
+        </p:nvSpPr>
+        <p:spPr/>
+      </p:sp>
+      <p:sp>
+        <p:nvSpPr>
+          <p:cNvPr id="3" name="Notes Placeholder 2"/>
+          <p:cNvSpPr>
+            <a:spLocks noGrp="1"/>
+          </p:cNvSpPr>
+          <p:nvPr>
+            <p:ph type="body" idx="1"/>
+          </p:nvPr>
+        </p:nvSpPr>
+        <p:spPr/>
+        <p:txBody>
+          <a:bodyPr/>
+          <a:lstStyle/>
+          <a:p>
+            <a:r>
+              <a:rPr lang="en-US" dirty="0" smtClean="0"/>
+              <a:t>To conclude,</a:t>
+            </a:r>
+            <a:r>
+              <a:rPr lang="en-US" baseline="0" dirty="0" smtClean="0"/>
+              <a:t> in this talk, we talk about SocialWatch, which is an online service protection framework, that uses social connectivity features to detect attacker-created accounts and hijacked accounts at a large scale.</a:t>
+            </a:r>
+          </a:p>
+          <a:p>
+            <a:r>
+              <a:rPr lang="en-US" baseline="0" dirty="0" smtClean="0"/>
+              <a:t>We also demonstrate that SocialWatch is practically deployable using parallel algorithms with real implementation.</a:t>
+            </a:r>
+            <a:endParaRPr lang="en-US" dirty="0"/>
+          </a:p>
+        </p:txBody>
+      </p:sp>
+      <p:sp>
+        <p:nvSpPr>
+          <p:cNvPr id="4" name="Slide Number Placeholder 3"/>
+          <p:cNvSpPr>
+            <a:spLocks noGrp="1"/>
+          </p:cNvSpPr>
+          <p:nvPr>
+            <p:ph type="sldNum" sz="quarter" idx="10"/>
+          </p:nvPr>
+        </p:nvSpPr>
+        <p:spPr/>
+        <p:txBody>
+          <a:bodyPr/>
+          <a:lstStyle/>
+          <a:p>
+            <a:fld id="{7A37CF07-54D0-2344-BBEC-B7F2188A097A}" type="slidenum">
+              <a:rPr lang="en-US" smtClean="0"/>
+              <a:t>15</a:t>
+            </a:fld>
+            <a:endParaRPr lang="en-US"/>
+          </a:p>
+        </p:txBody>
+      </p:sp>
+    </p:spTree>
+    <p:extLst>
+      <p:ext uri="{BB962C8B-B14F-4D97-AF65-F5344CB8AC3E}">
+        <p14:creationId xmlns:p14="http://schemas.microsoft.com/office/powerpoint/2010/main" val="1767125175"/>
+      </p:ext>
+    </p:extLst>
+  </p:cSld>
+  <p:clrMapOvr>
+    <a:masterClrMapping/>
+  </p:clrMapOvr>
+</p:notes>
+</file>
+
+<file path=ppt/notesSlides/notesSlide16.xml><?xml version="1.0" encoding="utf-8"?>
+<p:notes xmlns:a="http://schemas.openxmlformats.org/drawingml/2006/main" xmlns:r="http://schemas.openxmlformats.org/officeDocument/2006/relationships" xmlns:p="http://schemas.openxmlformats.org/presentationml/2006/main">
+  <p:cSld>
+    <p:spTree>
+      <p:nvGrpSpPr>
+        <p:cNvPr id="1" name=""/>
+        <p:cNvGrpSpPr/>
+        <p:nvPr/>
+      </p:nvGrpSpPr>
+      <p:grpSpPr>
+        <a:xfrm>
+          <a:off x="0" y="0"/>
+          <a:ext cx="0" cy="0"/>
+          <a:chOff x="0" y="0"/>
+          <a:chExt cx="0" cy="0"/>
+        </a:xfrm>
+      </p:grpSpPr>
+      <p:sp>
+        <p:nvSpPr>
+          <p:cNvPr id="2" name="Slide Image Placeholder 1"/>
+          <p:cNvSpPr>
+            <a:spLocks noGrp="1" noRot="1" noChangeAspect="1"/>
+          </p:cNvSpPr>
+          <p:nvPr>
+            <p:ph type="sldImg"/>
+          </p:nvPr>
+        </p:nvSpPr>
+        <p:spPr/>
+      </p:sp>
+      <p:sp>
+        <p:nvSpPr>
+          <p:cNvPr id="3" name="Notes Placeholder 2"/>
+          <p:cNvSpPr>
+            <a:spLocks noGrp="1"/>
+          </p:cNvSpPr>
+          <p:nvPr>
+            <p:ph type="body" idx="1"/>
+          </p:nvPr>
+        </p:nvSpPr>
+        <p:spPr/>
+        <p:txBody>
+          <a:bodyPr/>
+          <a:lstStyle/>
+          <a:p>
+            <a:r>
+              <a:rPr lang="en-US" dirty="0" smtClean="0"/>
+              <a:t>Thank </a:t>
+            </a:r>
+            <a:r>
+              <a:rPr lang="en-US" dirty="0" smtClean="0"/>
+              <a:t>you and I’m glad</a:t>
+            </a:r>
+            <a:r>
+              <a:rPr lang="en-US" baseline="0" dirty="0" smtClean="0"/>
+              <a:t> to take questions!</a:t>
+            </a:r>
+            <a:endParaRPr lang="en-US" dirty="0"/>
+          </a:p>
+        </p:txBody>
+      </p:sp>
+      <p:sp>
+        <p:nvSpPr>
+          <p:cNvPr id="4" name="Slide Number Placeholder 3"/>
+          <p:cNvSpPr>
+            <a:spLocks noGrp="1"/>
+          </p:cNvSpPr>
+          <p:nvPr>
+            <p:ph type="sldNum" sz="quarter" idx="10"/>
+          </p:nvPr>
+        </p:nvSpPr>
+        <p:spPr/>
+        <p:txBody>
+          <a:bodyPr/>
+          <a:lstStyle/>
+          <a:p>
+            <a:fld id="{770C1E7F-2EBE-8C44-BCC6-B9D1BC8EB751}" type="slidenum">
+              <a:rPr lang="en-US" smtClean="0"/>
+              <a:t>16</a:t>
+            </a:fld>
+            <a:endParaRPr lang="en-US"/>
+          </a:p>
+        </p:txBody>
+      </p:sp>
+    </p:spTree>
+    <p:extLst>
+      <p:ext uri="{BB962C8B-B14F-4D97-AF65-F5344CB8AC3E}">
+        <p14:creationId xmlns:p14="http://schemas.microsoft.com/office/powerpoint/2010/main" val="2433720721"/>
       </p:ext>
     </p:extLst>
   </p:cSld>
@@ -612,20 +1448,85 @@
           <a:p>
             <a:r>
               <a:rPr lang="en-US" dirty="0" smtClean="0"/>
-              <a:t>Fang:</a:t>
+              <a:t>There has been</a:t>
             </a:r>
             <a:r>
               <a:rPr lang="en-US" baseline="0" dirty="0" smtClean="0"/>
-              <a:t> need a </a:t>
+              <a:t> a long history of arms race between attackers and defenders in various online service system, such as email system, and other social networking systems.</a:t>
+            </a:r>
+          </a:p>
+          <a:p>
+            <a:endParaRPr lang="en-US" baseline="0" dirty="0" smtClean="0"/>
+          </a:p>
+          <a:p>
+            <a:r>
+              <a:rPr lang="en-US" baseline="0" dirty="0" smtClean="0"/>
+              <a:t>For example, in </a:t>
             </a:r>
             <a:r>
               <a:rPr lang="en-US" baseline="0" dirty="0" err="1" smtClean="0"/>
-              <a:t>trasition</a:t>
+              <a:t>hotmail</a:t>
             </a:r>
             <a:r>
               <a:rPr lang="en-US" baseline="0" dirty="0" smtClean="0"/>
-              <a:t> from previous slide</a:t>
-            </a:r>
+              <a:t>, there are about 20% to 50% malicious accounts, and hundreds of millions of them are attacker-created accounts for sending spamming emails, and other malicious contents.</a:t>
+            </a:r>
+          </a:p>
+          <a:p>
+            <a:r>
+              <a:rPr lang="en-US" baseline="0" dirty="0" smtClean="0"/>
+              <a:t>There are also many hijacked accounts, that originally belong to legitimate users, and later got compromised by attackers. There are millions of such hijacked accounts known.</a:t>
+            </a:r>
+          </a:p>
+          <a:p>
+            <a:endParaRPr lang="en-US" baseline="0" dirty="0" smtClean="0"/>
+          </a:p>
+          <a:p>
+            <a:r>
+              <a:rPr lang="en-US" baseline="0" dirty="0" smtClean="0"/>
+              <a:t>To detect such malicious accounts is challenge.</a:t>
+            </a:r>
+          </a:p>
+          <a:p>
+            <a:pPr marL="0" indent="0">
+              <a:buNone/>
+            </a:pPr>
+            <a:r>
+              <a:rPr lang="en-US" baseline="0" dirty="0" smtClean="0"/>
+              <a:t>1. Hijacked accounts may have mixed behaviors, as the owner of the accounts are not aware that his/her accounts has been hijacked.</a:t>
+            </a:r>
+          </a:p>
+          <a:p>
+            <a:pPr marL="0" indent="0">
+              <a:buNone/>
+            </a:pPr>
+            <a:r>
+              <a:rPr lang="en-US" baseline="0" dirty="0" smtClean="0"/>
+              <a:t>2. Attackers are also evolving with more and more advanced counter-strategies.</a:t>
+            </a:r>
+          </a:p>
+          <a:p>
+            <a:pPr marL="0" indent="0">
+              <a:buNone/>
+            </a:pPr>
+            <a:r>
+              <a:rPr lang="en-US" baseline="0" dirty="0" smtClean="0"/>
+              <a:t>3. Take email system for example, although we have perfect knowledge about any internal account, there is no information known among external accounts.</a:t>
+            </a:r>
+          </a:p>
+          <a:p>
+            <a:pPr marL="0" indent="0">
+              <a:buNone/>
+            </a:pPr>
+            <a:r>
+              <a:rPr lang="en-US" baseline="0" dirty="0" smtClean="0"/>
+              <a:t>4. The enormous scale of the dataset requires efficient parallel algorithms to make any solution practical.</a:t>
+            </a:r>
+          </a:p>
+          <a:p>
+            <a:pPr marL="0" indent="0">
+              <a:buNone/>
+            </a:pPr>
             <a:endParaRPr lang="en-US" dirty="0"/>
           </a:p>
         </p:txBody>
@@ -648,16 +1549,16 @@
             <a:fld id="{8300F8BC-3A7C-4840-BF05-D2F7D01F9C22}" type="slidenum">
               <a:rPr lang="en-US" smtClean="0"/>
               <a:pPr/>
-              <a:t>3</a:t>
+              <a:t>2</a:t>
             </a:fld>
-            <a:endParaRPr lang="en-US"/>
+            <a:endParaRPr lang="en-US" dirty="0"/>
           </a:p>
         </p:txBody>
       </p:sp>
     </p:spTree>
     <p:extLst>
       <p:ext uri="{BB962C8B-B14F-4D97-AF65-F5344CB8AC3E}">
-        <p14:creationId xmlns:p14="http://schemas.microsoft.com/office/powerpoint/2010/main" val="204736372"/>
+        <p14:creationId xmlns:p14="http://schemas.microsoft.com/office/powerpoint/2010/main" val="2329919502"/>
       </p:ext>
     </p:extLst>
   </p:cSld>
@@ -711,6 +1612,36 @@
           <a:bodyPr/>
           <a:lstStyle/>
           <a:p>
+            <a:r>
+              <a:rPr lang="en-US" dirty="0" smtClean="0"/>
+              <a:t>The design goal</a:t>
+            </a:r>
+            <a:r>
+              <a:rPr lang="en-US" baseline="0" dirty="0" smtClean="0"/>
+              <a:t> of SocialWatch is to solve all these challenges:</a:t>
+            </a:r>
+          </a:p>
+          <a:p>
+            <a:r>
+              <a:rPr lang="en-US" baseline="0" dirty="0" smtClean="0"/>
+              <a:t>1. SocialWatch should be able to detect both attacker-created accounts and hijacked accounts.</a:t>
+            </a:r>
+          </a:p>
+          <a:p>
+            <a:r>
+              <a:rPr lang="en-US" dirty="0" smtClean="0"/>
+              <a:t>2. The features</a:t>
+            </a:r>
+            <a:r>
+              <a:rPr lang="en-US" baseline="0" dirty="0" smtClean="0"/>
+              <a:t> used by SocialWatch should be robust so that attackers could not easily bypass the detection, even if they are aware with our algorithms</a:t>
+            </a:r>
+          </a:p>
+          <a:p>
+            <a:r>
+              <a:rPr lang="en-US" baseline="0" dirty="0" smtClean="0"/>
+              <a:t>3. Last by not least, SocialWatch needs to be practical for large-scale online services.</a:t>
+            </a:r>
             <a:endParaRPr lang="en-US" dirty="0"/>
           </a:p>
         </p:txBody>
@@ -733,16 +1664,16 @@
             <a:fld id="{8300F8BC-3A7C-4840-BF05-D2F7D01F9C22}" type="slidenum">
               <a:rPr lang="en-US" smtClean="0"/>
               <a:pPr/>
-              <a:t>4</a:t>
+              <a:t>3</a:t>
             </a:fld>
-            <a:endParaRPr lang="en-US" dirty="0"/>
+            <a:endParaRPr lang="en-US"/>
           </a:p>
         </p:txBody>
       </p:sp>
     </p:spTree>
     <p:extLst>
       <p:ext uri="{BB962C8B-B14F-4D97-AF65-F5344CB8AC3E}">
-        <p14:creationId xmlns:p14="http://schemas.microsoft.com/office/powerpoint/2010/main" val="2373983397"/>
+        <p14:creationId xmlns:p14="http://schemas.microsoft.com/office/powerpoint/2010/main" val="204736372"/>
       </p:ext>
     </p:extLst>
   </p:cSld>
@@ -796,6 +1727,29 @@
           <a:bodyPr/>
           <a:lstStyle/>
           <a:p>
+            <a:r>
+              <a:rPr lang="en-US" dirty="0" smtClean="0"/>
+              <a:t>Our study takes Hotmail as an example,</a:t>
+            </a:r>
+            <a:r>
+              <a:rPr lang="en-US" baseline="0" dirty="0" smtClean="0"/>
+              <a:t> however, our methodology is general enough that it can apply to other email systems, and other online social network systems.</a:t>
+            </a:r>
+          </a:p>
+          <a:p>
+            <a:endParaRPr lang="en-US" baseline="0" dirty="0" smtClean="0"/>
+          </a:p>
+          <a:p>
+            <a:r>
+              <a:rPr lang="en-US" baseline="0" dirty="0" smtClean="0"/>
+              <a:t>We model the email communication as a social graph, where each vertex is an email account, and each directed edge represents a user send emails to another user.</a:t>
+            </a:r>
+          </a:p>
+          <a:p>
+            <a:r>
+              <a:rPr lang="en-US" baseline="0" dirty="0" smtClean="0"/>
+              <a:t>If two users mutually send/receive emails from each other, we use undirected edge to represent their friendship.</a:t>
+            </a:r>
             <a:endParaRPr lang="en-US" dirty="0"/>
           </a:p>
         </p:txBody>
@@ -818,7 +1772,7 @@
             <a:fld id="{8300F8BC-3A7C-4840-BF05-D2F7D01F9C22}" type="slidenum">
               <a:rPr lang="en-US" smtClean="0"/>
               <a:pPr/>
-              <a:t>5</a:t>
+              <a:t>4</a:t>
             </a:fld>
             <a:endParaRPr lang="en-US" dirty="0"/>
           </a:p>
@@ -881,16 +1835,33 @@
           <a:bodyPr/>
           <a:lstStyle/>
           <a:p>
-            <a:endParaRPr lang="en-US" dirty="0" smtClean="0"/>
-          </a:p>
-          <a:p>
             <a:r>
               <a:rPr lang="en-US" dirty="0" smtClean="0"/>
-              <a:t>Hard for bad users to enter good users’ world unless there</a:t>
+              <a:t>The</a:t>
             </a:r>
             <a:r>
               <a:rPr lang="en-US" baseline="0" dirty="0" smtClean="0"/>
-              <a:t> are hijacked users</a:t>
+              <a:t> data set we studied covers a set of sampled </a:t>
+            </a:r>
+            <a:r>
+              <a:rPr lang="en-US" baseline="0" dirty="0" err="1" smtClean="0"/>
+              <a:t>hotmail</a:t>
+            </a:r>
+            <a:r>
+              <a:rPr lang="en-US" baseline="0" dirty="0" smtClean="0"/>
+              <a:t> user accounts for about 2.5 years.</a:t>
+            </a:r>
+          </a:p>
+          <a:p>
+            <a:r>
+              <a:rPr lang="en-US" baseline="0" dirty="0" smtClean="0"/>
+              <a:t>There are 680 million accounts in total, with 5.7 billion directed edges and 440 million undirected edges.</a:t>
+            </a:r>
+          </a:p>
+          <a:p>
+            <a:r>
+              <a:rPr lang="en-US" baseline="0" dirty="0" smtClean="0"/>
+              <a:t>This is a very large-scale graph to handle.</a:t>
             </a:r>
             <a:endParaRPr lang="en-US" dirty="0"/>
           </a:p>
@@ -914,7 +1885,7 @@
             <a:fld id="{8300F8BC-3A7C-4840-BF05-D2F7D01F9C22}" type="slidenum">
               <a:rPr lang="en-US" smtClean="0"/>
               <a:pPr/>
-              <a:t>6</a:t>
+              <a:t>5</a:t>
             </a:fld>
             <a:endParaRPr lang="en-US" dirty="0"/>
           </a:p>
@@ -977,7 +1948,29 @@
           <a:bodyPr/>
           <a:lstStyle/>
           <a:p>
-            <a:endParaRPr lang="en-US" dirty="0" smtClean="0"/>
+            <a:r>
+              <a:rPr lang="en-US" dirty="0" smtClean="0"/>
+              <a:t>Inside</a:t>
+            </a:r>
+            <a:r>
+              <a:rPr lang="en-US" baseline="0" dirty="0" smtClean="0"/>
+              <a:t> these graph, we use some important intuitions to help us identify the key social features of different accounts.</a:t>
+            </a:r>
+          </a:p>
+          <a:p>
+            <a:endParaRPr lang="en-US" baseline="0" dirty="0" smtClean="0"/>
+          </a:p>
+          <a:p>
+            <a:r>
+              <a:rPr lang="en-US" baseline="0" dirty="0" smtClean="0"/>
+              <a:t>Good users usually send emails to other good users. Hence, sending emails to bad users is suspicious.</a:t>
+            </a:r>
+          </a:p>
+          <a:p>
+            <a:r>
+              <a:rPr lang="en-US" baseline="0" dirty="0" smtClean="0"/>
+              <a:t>If we use graph connectivity to define a good user community, it is hard for bad users to enter the good user community as they can’t make the good users to connect with them</a:t>
+            </a:r>
           </a:p>
         </p:txBody>
       </p:sp>
@@ -999,7 +1992,7 @@
             <a:fld id="{8300F8BC-3A7C-4840-BF05-D2F7D01F9C22}" type="slidenum">
               <a:rPr lang="en-US" smtClean="0"/>
               <a:pPr/>
-              <a:t>7</a:t>
+              <a:t>6</a:t>
             </a:fld>
             <a:endParaRPr lang="en-US" dirty="0"/>
           </a:p>
@@ -1062,18 +2055,21 @@
           <a:bodyPr/>
           <a:lstStyle/>
           <a:p>
+            <a:r>
+              <a:rPr lang="en-US" dirty="0" smtClean="0"/>
+              <a:t>Also, if we consider</a:t>
+            </a:r>
+            <a:r>
+              <a:rPr lang="en-US" baseline="0" dirty="0" smtClean="0"/>
+              <a:t> the recipient set of a good user, represented by the big circle in this figure, the recipient set are more connected</a:t>
+            </a:r>
+          </a:p>
+          <a:p>
+            <a:r>
+              <a:rPr lang="en-US" baseline="0" dirty="0" smtClean="0"/>
+              <a:t>than the recipient set of a bad user, because it is hard for attackers to figure out the friendship relationship between any two good users.</a:t>
+            </a:r>
             <a:endParaRPr lang="en-US" dirty="0" smtClean="0"/>
-          </a:p>
-          <a:p>
-            <a:r>
-              <a:rPr lang="en-US" dirty="0" smtClean="0"/>
-              <a:t>Thank you and I’m glad</a:t>
-            </a:r>
-            <a:r>
-              <a:rPr lang="en-US" baseline="0" dirty="0" smtClean="0"/>
-              <a:t> to take questions!</a:t>
-            </a:r>
-            <a:endParaRPr lang="en-US" dirty="0"/>
           </a:p>
         </p:txBody>
       </p:sp>
@@ -1092,18 +2088,259 @@
           <a:bodyPr/>
           <a:lstStyle/>
           <a:p>
-            <a:fld id="{770C1E7F-2EBE-8C44-BCC6-B9D1BC8EB751}" type="slidenum">
+            <a:fld id="{8300F8BC-3A7C-4840-BF05-D2F7D01F9C22}" type="slidenum">
               <a:rPr lang="en-US" smtClean="0"/>
-              <a:t>14</a:t>
+              <a:pPr/>
+              <a:t>7</a:t>
             </a:fld>
-            <a:endParaRPr lang="en-US"/>
+            <a:endParaRPr lang="en-US" dirty="0"/>
           </a:p>
         </p:txBody>
       </p:sp>
     </p:spTree>
     <p:extLst>
       <p:ext uri="{BB962C8B-B14F-4D97-AF65-F5344CB8AC3E}">
-        <p14:creationId xmlns:p14="http://schemas.microsoft.com/office/powerpoint/2010/main" val="2433720721"/>
+        <p14:creationId xmlns:p14="http://schemas.microsoft.com/office/powerpoint/2010/main" val="2373983397"/>
+      </p:ext>
+    </p:extLst>
+  </p:cSld>
+  <p:clrMapOvr>
+    <a:masterClrMapping/>
+  </p:clrMapOvr>
+</p:notes>
+</file>
+
+<file path=ppt/notesSlides/notesSlide8.xml><?xml version="1.0" encoding="utf-8"?>
+<p:notes xmlns:a="http://schemas.openxmlformats.org/drawingml/2006/main" xmlns:r="http://schemas.openxmlformats.org/officeDocument/2006/relationships" xmlns:p="http://schemas.openxmlformats.org/presentationml/2006/main">
+  <p:cSld>
+    <p:spTree>
+      <p:nvGrpSpPr>
+        <p:cNvPr id="1" name=""/>
+        <p:cNvGrpSpPr/>
+        <p:nvPr/>
+      </p:nvGrpSpPr>
+      <p:grpSpPr>
+        <a:xfrm>
+          <a:off x="0" y="0"/>
+          <a:ext cx="0" cy="0"/>
+          <a:chOff x="0" y="0"/>
+          <a:chExt cx="0" cy="0"/>
+        </a:xfrm>
+      </p:grpSpPr>
+      <p:sp>
+        <p:nvSpPr>
+          <p:cNvPr id="2" name="Slide Image Placeholder 1"/>
+          <p:cNvSpPr>
+            <a:spLocks noGrp="1" noRot="1" noChangeAspect="1"/>
+          </p:cNvSpPr>
+          <p:nvPr>
+            <p:ph type="sldImg"/>
+          </p:nvPr>
+        </p:nvSpPr>
+        <p:spPr/>
+      </p:sp>
+      <p:sp>
+        <p:nvSpPr>
+          <p:cNvPr id="3" name="Notes Placeholder 2"/>
+          <p:cNvSpPr>
+            <a:spLocks noGrp="1"/>
+          </p:cNvSpPr>
+          <p:nvPr>
+            <p:ph type="body" idx="1"/>
+          </p:nvPr>
+        </p:nvSpPr>
+        <p:spPr/>
+        <p:txBody>
+          <a:bodyPr/>
+          <a:lstStyle/>
+          <a:p>
+            <a:r>
+              <a:rPr lang="en-US" dirty="0" smtClean="0"/>
+              <a:t>Following these intuitions, we design Social</a:t>
+            </a:r>
+            <a:r>
+              <a:rPr lang="en-US" baseline="0" dirty="0" smtClean="0"/>
+              <a:t> illustrated in this figure.</a:t>
+            </a:r>
+          </a:p>
+          <a:p>
+            <a:endParaRPr lang="en-US" baseline="0" dirty="0" smtClean="0"/>
+          </a:p>
+          <a:p>
+            <a:r>
+              <a:rPr lang="en-US" baseline="0" dirty="0" smtClean="0"/>
+              <a:t>We use very conservative thresholds to filter inactive accounts, because for these accounts, there is no sufficient information to judge its nature.</a:t>
+            </a:r>
+          </a:p>
+          <a:p>
+            <a:endParaRPr lang="en-US" baseline="0" dirty="0" smtClean="0"/>
+          </a:p>
+          <a:p>
+            <a:r>
+              <a:rPr lang="en-US" baseline="0" dirty="0" smtClean="0"/>
+              <a:t>They we use a degree and </a:t>
+            </a:r>
+            <a:r>
+              <a:rPr lang="en-US" baseline="0" dirty="0" err="1" smtClean="0"/>
+              <a:t>pagerank</a:t>
+            </a:r>
+            <a:r>
+              <a:rPr lang="en-US" baseline="0" dirty="0" smtClean="0"/>
+              <a:t> based detection to identify attacker-created accounts. However, hijacked accounts may bypass such detection due to their mixed behavior.</a:t>
+            </a:r>
+          </a:p>
+          <a:p>
+            <a:r>
+              <a:rPr lang="en-US" baseline="0" dirty="0" smtClean="0"/>
+              <a:t>We use more fine-grained and more computation-intensive social-affinity based detection to detect hijacked accounts.</a:t>
+            </a:r>
+          </a:p>
+          <a:p>
+            <a:r>
+              <a:rPr lang="en-US" baseline="0" dirty="0" smtClean="0"/>
+              <a:t>And finally, we are able to filter out legitimate accounts.</a:t>
+            </a:r>
+            <a:endParaRPr lang="en-US" dirty="0"/>
+          </a:p>
+        </p:txBody>
+      </p:sp>
+      <p:sp>
+        <p:nvSpPr>
+          <p:cNvPr id="4" name="Slide Number Placeholder 3"/>
+          <p:cNvSpPr>
+            <a:spLocks noGrp="1"/>
+          </p:cNvSpPr>
+          <p:nvPr>
+            <p:ph type="sldNum" sz="quarter" idx="10"/>
+          </p:nvPr>
+        </p:nvSpPr>
+        <p:spPr/>
+        <p:txBody>
+          <a:bodyPr/>
+          <a:lstStyle/>
+          <a:p>
+            <a:fld id="{7A37CF07-54D0-2344-BBEC-B7F2188A097A}" type="slidenum">
+              <a:rPr lang="en-US" smtClean="0"/>
+              <a:t>8</a:t>
+            </a:fld>
+            <a:endParaRPr lang="en-US"/>
+          </a:p>
+        </p:txBody>
+      </p:sp>
+    </p:spTree>
+    <p:extLst>
+      <p:ext uri="{BB962C8B-B14F-4D97-AF65-F5344CB8AC3E}">
+        <p14:creationId xmlns:p14="http://schemas.microsoft.com/office/powerpoint/2010/main" val="3678484898"/>
+      </p:ext>
+    </p:extLst>
+  </p:cSld>
+  <p:clrMapOvr>
+    <a:masterClrMapping/>
+  </p:clrMapOvr>
+</p:notes>
+</file>
+
+<file path=ppt/notesSlides/notesSlide9.xml><?xml version="1.0" encoding="utf-8"?>
+<p:notes xmlns:a="http://schemas.openxmlformats.org/drawingml/2006/main" xmlns:r="http://schemas.openxmlformats.org/officeDocument/2006/relationships" xmlns:p="http://schemas.openxmlformats.org/presentationml/2006/main">
+  <p:cSld>
+    <p:spTree>
+      <p:nvGrpSpPr>
+        <p:cNvPr id="1" name=""/>
+        <p:cNvGrpSpPr/>
+        <p:nvPr/>
+      </p:nvGrpSpPr>
+      <p:grpSpPr>
+        <a:xfrm>
+          <a:off x="0" y="0"/>
+          <a:ext cx="0" cy="0"/>
+          <a:chOff x="0" y="0"/>
+          <a:chExt cx="0" cy="0"/>
+        </a:xfrm>
+      </p:grpSpPr>
+      <p:sp>
+        <p:nvSpPr>
+          <p:cNvPr id="2" name="Slide Image Placeholder 1"/>
+          <p:cNvSpPr>
+            <a:spLocks noGrp="1" noRot="1" noChangeAspect="1"/>
+          </p:cNvSpPr>
+          <p:nvPr>
+            <p:ph type="sldImg"/>
+          </p:nvPr>
+        </p:nvSpPr>
+        <p:spPr/>
+      </p:sp>
+      <p:sp>
+        <p:nvSpPr>
+          <p:cNvPr id="3" name="Notes Placeholder 2"/>
+          <p:cNvSpPr>
+            <a:spLocks noGrp="1"/>
+          </p:cNvSpPr>
+          <p:nvPr>
+            <p:ph type="body" idx="1"/>
+          </p:nvPr>
+        </p:nvSpPr>
+        <p:spPr/>
+        <p:txBody>
+          <a:bodyPr/>
+          <a:lstStyle/>
+          <a:p>
+            <a:r>
+              <a:rPr lang="en-US" dirty="0" smtClean="0"/>
+              <a:t>For detecting attacker-created</a:t>
+            </a:r>
+            <a:r>
+              <a:rPr lang="en-US" baseline="0" dirty="0" smtClean="0"/>
+              <a:t> accounts, we compute a goodness score and badness score for each account based on PageRank algorithms.</a:t>
+            </a:r>
+          </a:p>
+          <a:p>
+            <a:r>
+              <a:rPr lang="en-US" baseline="0" dirty="0" smtClean="0"/>
+              <a:t>The goodness is in the directed social graph to capture importance of a user in receiving email.</a:t>
+            </a:r>
+          </a:p>
+          <a:p>
+            <a:r>
+              <a:rPr lang="en-US" baseline="0" dirty="0" smtClean="0"/>
+              <a:t>The badness is the reversed directed social for evaluating the importance of a user in sending email.</a:t>
+            </a:r>
+          </a:p>
+          <a:p>
+            <a:r>
+              <a:rPr lang="en-US" baseline="0" dirty="0" smtClean="0"/>
+              <a:t>We made adjustments to edge weight based on email exchange pattern so that more goodness is propagated to good users and more badness is propagated to bad users.</a:t>
+            </a:r>
+            <a:endParaRPr lang="en-US" dirty="0"/>
+          </a:p>
+        </p:txBody>
+      </p:sp>
+      <p:sp>
+        <p:nvSpPr>
+          <p:cNvPr id="4" name="Slide Number Placeholder 3"/>
+          <p:cNvSpPr>
+            <a:spLocks noGrp="1"/>
+          </p:cNvSpPr>
+          <p:nvPr>
+            <p:ph type="sldNum" sz="quarter" idx="10"/>
+          </p:nvPr>
+        </p:nvSpPr>
+        <p:spPr/>
+        <p:txBody>
+          <a:bodyPr/>
+          <a:lstStyle/>
+          <a:p>
+            <a:fld id="{7A37CF07-54D0-2344-BBEC-B7F2188A097A}" type="slidenum">
+              <a:rPr lang="en-US" smtClean="0"/>
+              <a:t>9</a:t>
+            </a:fld>
+            <a:endParaRPr lang="en-US"/>
+          </a:p>
+        </p:txBody>
+      </p:sp>
+    </p:spTree>
+    <p:extLst>
+      <p:ext uri="{BB962C8B-B14F-4D97-AF65-F5344CB8AC3E}">
+        <p14:creationId xmlns:p14="http://schemas.microsoft.com/office/powerpoint/2010/main" val="2462340917"/>
       </p:ext>
     </p:extLst>
   </p:cSld>
@@ -5787,7 +7024,7 @@
           <p:nvPr/>
         </p:nvPicPr>
         <p:blipFill>
-          <a:blip r:embed="rId2"/>
+          <a:blip r:embed="rId3"/>
           <a:stretch>
             <a:fillRect/>
           </a:stretch>
@@ -5811,7 +7048,7 @@
           <p:nvPr/>
         </p:nvPicPr>
         <p:blipFill>
-          <a:blip r:embed="rId3"/>
+          <a:blip r:embed="rId4"/>
           <a:stretch>
             <a:fillRect/>
           </a:stretch>
@@ -5907,51 +7144,6 @@
       </p:grpSpPr>
       <p:sp>
         <p:nvSpPr>
-          <p:cNvPr id="6" name="Rectangle 5"/>
-          <p:cNvSpPr/>
-          <p:nvPr/>
-        </p:nvSpPr>
-        <p:spPr>
-          <a:xfrm>
-            <a:off x="-14598" y="2160695"/>
-            <a:ext cx="6437843" cy="4715560"/>
-          </a:xfrm>
-          <a:prstGeom prst="rect">
-            <a:avLst/>
-          </a:prstGeom>
-          <a:solidFill>
-            <a:schemeClr val="bg1"/>
-          </a:solidFill>
-          <a:ln>
-            <a:noFill/>
-          </a:ln>
-          <a:effectLst/>
-        </p:spPr>
-        <p:style>
-          <a:lnRef idx="1">
-            <a:schemeClr val="accent1"/>
-          </a:lnRef>
-          <a:fillRef idx="3">
-            <a:schemeClr val="accent1"/>
-          </a:fillRef>
-          <a:effectRef idx="2">
-            <a:schemeClr val="accent1"/>
-          </a:effectRef>
-          <a:fontRef idx="minor">
-            <a:schemeClr val="lt1"/>
-          </a:fontRef>
-        </p:style>
-        <p:txBody>
-          <a:bodyPr rtlCol="0" anchor="ctr"/>
-          <a:lstStyle/>
-          <a:p>
-            <a:pPr algn="ctr"/>
-            <a:endParaRPr lang="en-US"/>
-          </a:p>
-        </p:txBody>
-      </p:sp>
-      <p:sp>
-        <p:nvSpPr>
           <p:cNvPr id="2" name="Content Placeholder 1"/>
           <p:cNvSpPr>
             <a:spLocks noGrp="1"/>
@@ -5962,62 +7154,137 @@
         </p:nvSpPr>
         <p:spPr/>
         <p:txBody>
-          <a:bodyPr/>
+          <a:bodyPr>
+            <a:normAutofit/>
+          </a:bodyPr>
           <a:lstStyle/>
           <a:p>
             <a:r>
               <a:rPr lang="en-US" dirty="0" smtClean="0"/>
-              <a:t>Recipient connectivity </a:t>
-            </a:r>
-            <a:r>
-              <a:rPr lang="en-US" b="1" i="1" dirty="0" smtClean="0">
-                <a:latin typeface="Times"/>
-                <a:cs typeface="Times"/>
+              <a:t>Social features</a:t>
+            </a:r>
+          </a:p>
+          <a:p>
+            <a:pPr lvl="1"/>
+            <a:r>
+              <a:rPr lang="en-US" dirty="0"/>
+              <a:t>Degree - </a:t>
+            </a:r>
+            <a:r>
+              <a:rPr lang="en-US" dirty="0" smtClean="0"/>
+              <a:t>a </a:t>
+            </a:r>
+            <a:r>
+              <a:rPr lang="en-US" dirty="0">
+                <a:solidFill>
+                  <a:srgbClr val="3366FF"/>
+                </a:solidFill>
               </a:rPr>
-              <a:t>r</a:t>
+              <a:t>local</a:t>
+            </a:r>
+            <a:r>
+              <a:rPr lang="en-US" dirty="0"/>
+              <a:t> graph feature that captures the </a:t>
+            </a:r>
+            <a:r>
+              <a:rPr lang="en-US" dirty="0" smtClean="0">
+                <a:solidFill>
+                  <a:srgbClr val="FF0000"/>
+                </a:solidFill>
+              </a:rPr>
+              <a:t>sending/receiving </a:t>
+            </a:r>
+            <a:r>
+              <a:rPr lang="en-US" dirty="0" smtClean="0"/>
+              <a:t>behavior of an account</a:t>
             </a:r>
           </a:p>
           <a:p>
             <a:pPr lvl="1"/>
             <a:r>
+              <a:rPr lang="en-US" dirty="0"/>
+              <a:t>PageRank - a </a:t>
+            </a:r>
+            <a:r>
+              <a:rPr lang="en-US" dirty="0">
+                <a:solidFill>
+                  <a:srgbClr val="3366FF"/>
+                </a:solidFill>
+              </a:rPr>
+              <a:t>global</a:t>
+            </a:r>
+            <a:r>
+              <a:rPr lang="en-US" dirty="0"/>
+              <a:t> graph feature that calculates </a:t>
+            </a:r>
+            <a:r>
               <a:rPr lang="en-US" dirty="0" smtClean="0"/>
-              <a:t>The </a:t>
+              <a:t>the weight </a:t>
             </a:r>
             <a:r>
               <a:rPr lang="en-US" dirty="0"/>
-              <a:t>fraction of socially connected </a:t>
+              <a:t>of </a:t>
             </a:r>
             <a:r>
               <a:rPr lang="en-US" dirty="0" smtClean="0"/>
-              <a:t>recipients</a:t>
-            </a:r>
-          </a:p>
-          <a:p>
+              <a:t>a node on </a:t>
+            </a:r>
+            <a:r>
+              <a:rPr lang="en-US" dirty="0"/>
+              <a:t>the overall </a:t>
+            </a:r>
             <a:r>
               <a:rPr lang="en-US" dirty="0" smtClean="0"/>
-              <a:t>Social distance </a:t>
-            </a:r>
-            <a:r>
-              <a:rPr lang="en-US" b="1" i="1" dirty="0" smtClean="0">
-                <a:latin typeface="Times"/>
-                <a:cs typeface="Times"/>
-              </a:rPr>
-              <a:t>l</a:t>
+              <a:t>graph</a:t>
+            </a:r>
+          </a:p>
+          <a:p>
+            <a:r>
+              <a:rPr lang="en-US" dirty="0" smtClean="0"/>
+              <a:t>Detection methods</a:t>
             </a:r>
           </a:p>
           <a:p>
             <a:pPr lvl="1"/>
             <a:r>
+              <a:rPr lang="en-US" dirty="0"/>
+              <a:t>Identify aggressive spamming accounts with high </a:t>
+            </a:r>
+            <a:r>
               <a:rPr lang="en-US" dirty="0" smtClean="0"/>
-              <a:t>The mean of </a:t>
+              <a:t>out degrees and </a:t>
             </a:r>
             <a:r>
               <a:rPr lang="en-US" dirty="0"/>
-              <a:t>all pairwise social distances between any two users </a:t>
+              <a:t>low response </a:t>
             </a:r>
             <a:r>
               <a:rPr lang="en-US" dirty="0" smtClean="0"/>
-              <a:t>in the recipient set</a:t>
+              <a:t>rates</a:t>
+            </a:r>
+            <a:endParaRPr lang="en-US" dirty="0"/>
+          </a:p>
+          <a:p>
+            <a:pPr lvl="1"/>
+            <a:r>
+              <a:rPr lang="en-US" dirty="0" smtClean="0"/>
+              <a:t>Identify </a:t>
+            </a:r>
+            <a:r>
+              <a:rPr lang="en-US" dirty="0"/>
+              <a:t>less aggressive spamming accounts using the </a:t>
+            </a:r>
+            <a:r>
+              <a:rPr lang="en-US" dirty="0" smtClean="0"/>
+              <a:t>badness-goodness </a:t>
+            </a:r>
+            <a:r>
+              <a:rPr lang="en-US" dirty="0"/>
+              <a:t>PageRank </a:t>
+            </a:r>
+            <a:r>
+              <a:rPr lang="en-US" dirty="0" smtClean="0"/>
+              <a:t>ratio</a:t>
             </a:r>
             <a:endParaRPr lang="en-US" dirty="0"/>
           </a:p>
@@ -6041,77 +7308,16 @@
           <a:lstStyle/>
           <a:p>
             <a:r>
-              <a:rPr lang="en-US" dirty="0" smtClean="0"/>
-              <a:t>Computing Social-Affinity Features</a:t>
-            </a:r>
-            <a:endParaRPr lang="en-US" dirty="0"/>
-          </a:p>
-        </p:txBody>
-      </p:sp>
-      <p:pic>
-        <p:nvPicPr>
-          <p:cNvPr id="4" name="Picture 3" descr="h2.eps"/>
-          <p:cNvPicPr>
-            <a:picLocks noChangeAspect="1"/>
-          </p:cNvPicPr>
-          <p:nvPr/>
-        </p:nvPicPr>
-        <p:blipFill>
-          <a:blip r:embed="rId2">
-            <a:extLst>
-              <a:ext uri="{28A0092B-C50C-407E-A947-70E740481C1C}">
-                <a14:useLocalDpi xmlns:a14="http://schemas.microsoft.com/office/drawing/2010/main" val="0"/>
-              </a:ext>
-            </a:extLst>
-          </a:blip>
-          <a:stretch>
-            <a:fillRect/>
-          </a:stretch>
-        </p:blipFill>
-        <p:spPr>
-          <a:xfrm>
-            <a:off x="640385" y="3688741"/>
-            <a:ext cx="4061372" cy="3116679"/>
-          </a:xfrm>
-          <a:prstGeom prst="rect">
-            <a:avLst/>
-          </a:prstGeom>
-        </p:spPr>
-      </p:pic>
-      <p:pic>
-        <p:nvPicPr>
-          <p:cNvPr id="5" name="Picture 4" descr="h3.eps"/>
-          <p:cNvPicPr>
-            <a:picLocks noChangeAspect="1"/>
-          </p:cNvPicPr>
-          <p:nvPr/>
-        </p:nvPicPr>
-        <p:blipFill>
-          <a:blip r:embed="rId3">
-            <a:extLst>
-              <a:ext uri="{28A0092B-C50C-407E-A947-70E740481C1C}">
-                <a14:useLocalDpi xmlns:a14="http://schemas.microsoft.com/office/drawing/2010/main" val="0"/>
-              </a:ext>
-            </a:extLst>
-          </a:blip>
-          <a:stretch>
-            <a:fillRect/>
-          </a:stretch>
-        </p:blipFill>
-        <p:spPr>
-          <a:xfrm>
-            <a:off x="4816756" y="3688741"/>
-            <a:ext cx="4073837" cy="3095475"/>
-          </a:xfrm>
-          <a:prstGeom prst="rect">
-            <a:avLst/>
-          </a:prstGeom>
-        </p:spPr>
-      </p:pic>
+              <a:rPr lang="en-US" dirty="0"/>
+              <a:t>Detecting Attacker-created Accounts</a:t>
+            </a:r>
+          </a:p>
+        </p:txBody>
+      </p:sp>
     </p:spTree>
     <p:extLst>
       <p:ext uri="{BB962C8B-B14F-4D97-AF65-F5344CB8AC3E}">
-        <p14:creationId xmlns:p14="http://schemas.microsoft.com/office/powerpoint/2010/main" val="2442167342"/>
+        <p14:creationId xmlns:p14="http://schemas.microsoft.com/office/powerpoint/2010/main" val="2640021754"/>
       </p:ext>
     </p:extLst>
   </p:cSld>
@@ -6147,6 +7353,51 @@
       </p:grpSpPr>
       <p:sp>
         <p:nvSpPr>
+          <p:cNvPr id="6" name="Rectangle 5"/>
+          <p:cNvSpPr/>
+          <p:nvPr/>
+        </p:nvSpPr>
+        <p:spPr>
+          <a:xfrm>
+            <a:off x="-2386" y="2160695"/>
+            <a:ext cx="6437843" cy="4715560"/>
+          </a:xfrm>
+          <a:prstGeom prst="rect">
+            <a:avLst/>
+          </a:prstGeom>
+          <a:solidFill>
+            <a:schemeClr val="bg1"/>
+          </a:solidFill>
+          <a:ln>
+            <a:noFill/>
+          </a:ln>
+          <a:effectLst/>
+        </p:spPr>
+        <p:style>
+          <a:lnRef idx="1">
+            <a:schemeClr val="accent1"/>
+          </a:lnRef>
+          <a:fillRef idx="3">
+            <a:schemeClr val="accent1"/>
+          </a:fillRef>
+          <a:effectRef idx="2">
+            <a:schemeClr val="accent1"/>
+          </a:effectRef>
+          <a:fontRef idx="minor">
+            <a:schemeClr val="lt1"/>
+          </a:fontRef>
+        </p:style>
+        <p:txBody>
+          <a:bodyPr rtlCol="0" anchor="ctr"/>
+          <a:lstStyle/>
+          <a:p>
+            <a:pPr algn="ctr"/>
+            <a:endParaRPr lang="en-US"/>
+          </a:p>
+        </p:txBody>
+      </p:sp>
+      <p:sp>
+        <p:nvSpPr>
           <p:cNvPr id="2" name="Content Placeholder 1"/>
           <p:cNvSpPr>
             <a:spLocks noGrp="1"/>
@@ -6157,159 +7408,53 @@
         </p:nvSpPr>
         <p:spPr>
           <a:xfrm>
-            <a:off x="109911" y="1481328"/>
-            <a:ext cx="8890594" cy="4525963"/>
+            <a:off x="457200" y="1017310"/>
+            <a:ext cx="8229600" cy="4525963"/>
           </a:xfrm>
         </p:spPr>
         <p:txBody>
-          <a:bodyPr>
-            <a:normAutofit/>
-          </a:bodyPr>
+          <a:bodyPr/>
           <a:lstStyle/>
           <a:p>
             <a:r>
               <a:rPr lang="en-US" dirty="0" smtClean="0"/>
-              <a:t>Detection </a:t>
-            </a:r>
-            <a:r>
-              <a:rPr lang="en-US" dirty="0" smtClean="0">
-                <a:solidFill>
-                  <a:srgbClr val="FF0000"/>
-                </a:solidFill>
+              <a:t>Intuition</a:t>
+            </a:r>
+          </a:p>
+          <a:p>
+            <a:pPr lvl="1"/>
+            <a:r>
+              <a:rPr lang="en-US" dirty="0" smtClean="0"/>
+              <a:t>Recipients of legitimate users tend to have more direct connectivity</a:t>
+            </a:r>
+          </a:p>
+          <a:p>
+            <a:r>
+              <a:rPr lang="en-US" dirty="0" smtClean="0"/>
+              <a:t>Recipient connectivity </a:t>
+            </a:r>
+            <a:r>
+              <a:rPr lang="en-US" b="1" i="1" dirty="0" smtClean="0">
+                <a:latin typeface="Times"/>
+                <a:cs typeface="Times"/>
               </a:rPr>
-              <a:t>without known</a:t>
-            </a:r>
+              <a:t>r</a:t>
+            </a:r>
+          </a:p>
+          <a:p>
+            <a:pPr lvl="1"/>
             <a:r>
               <a:rPr lang="en-US" dirty="0" smtClean="0"/>
-              <a:t> hijacked accounts</a:t>
-            </a:r>
-          </a:p>
-          <a:p>
-            <a:pPr lvl="1"/>
-            <a:r>
-              <a:rPr lang="en-US" dirty="0" smtClean="0">
-                <a:solidFill>
-                  <a:srgbClr val="3366FF"/>
-                </a:solidFill>
-              </a:rPr>
-              <a:t>One</a:t>
-            </a:r>
-            <a:r>
-              <a:rPr lang="en-US" dirty="0">
-                <a:solidFill>
-                  <a:srgbClr val="3366FF"/>
-                </a:solidFill>
-              </a:rPr>
-              <a:t>-tailed </a:t>
-            </a:r>
-            <a:r>
-              <a:rPr lang="en-US" dirty="0" smtClean="0">
-                <a:solidFill>
-                  <a:srgbClr val="3366FF"/>
-                </a:solidFill>
-              </a:rPr>
-              <a:t>hypothesis testing</a:t>
+              <a:t>The </a:t>
+            </a:r>
+            <a:r>
+              <a:rPr lang="en-US" dirty="0"/>
+              <a:t>fraction of socially connected </a:t>
             </a:r>
             <a:r>
               <a:rPr lang="en-US" dirty="0" smtClean="0"/>
-              <a:t> to </a:t>
-            </a:r>
-            <a:r>
-              <a:rPr lang="en-US" dirty="0"/>
-              <a:t>detect hijacked </a:t>
-            </a:r>
-            <a:r>
-              <a:rPr lang="en-US" dirty="0" smtClean="0"/>
-              <a:t>accounts</a:t>
-            </a:r>
-          </a:p>
-          <a:p>
-            <a:pPr lvl="1"/>
-            <a:r>
-              <a:rPr lang="en-US" dirty="0" smtClean="0"/>
-              <a:t>Given significance level, compute </a:t>
-            </a:r>
-            <a:r>
-              <a:rPr lang="en-US" dirty="0"/>
-              <a:t>a threshold along each feature dimension based on </a:t>
-            </a:r>
-            <a:r>
-              <a:rPr lang="en-US" dirty="0" smtClean="0"/>
-              <a:t>data</a:t>
-            </a:r>
-          </a:p>
-          <a:p>
-            <a:pPr lvl="1"/>
-            <a:r>
-              <a:rPr lang="en-US" dirty="0"/>
-              <a:t>C</a:t>
-            </a:r>
-            <a:r>
-              <a:rPr lang="en-US" dirty="0" smtClean="0"/>
-              <a:t>lassify as hijacked if </a:t>
-            </a:r>
-            <a:r>
-              <a:rPr lang="en-US" dirty="0"/>
-              <a:t>one of its feature values violates the computed </a:t>
-            </a:r>
-            <a:r>
-              <a:rPr lang="en-US" dirty="0" smtClean="0"/>
-              <a:t>threshold</a:t>
-            </a:r>
-          </a:p>
-          <a:p>
-            <a:r>
-              <a:rPr lang="en-US" dirty="0"/>
-              <a:t>Detection </a:t>
-            </a:r>
-            <a:r>
-              <a:rPr lang="en-US" dirty="0" smtClean="0">
-                <a:solidFill>
-                  <a:srgbClr val="FF0000"/>
-                </a:solidFill>
-              </a:rPr>
-              <a:t>with </a:t>
-            </a:r>
-            <a:r>
-              <a:rPr lang="en-US" dirty="0">
-                <a:solidFill>
-                  <a:srgbClr val="FF0000"/>
-                </a:solidFill>
-              </a:rPr>
-              <a:t>known</a:t>
-            </a:r>
-            <a:r>
-              <a:rPr lang="en-US" dirty="0"/>
-              <a:t> hijacked </a:t>
-            </a:r>
-            <a:r>
-              <a:rPr lang="en-US" dirty="0" smtClean="0"/>
-              <a:t>accounts</a:t>
-            </a:r>
-          </a:p>
-          <a:p>
-            <a:pPr lvl="1"/>
-            <a:r>
-              <a:rPr lang="en-US" dirty="0" smtClean="0"/>
-              <a:t>Use a </a:t>
-            </a:r>
-            <a:r>
-              <a:rPr lang="en-US" dirty="0">
-                <a:solidFill>
-                  <a:srgbClr val="3366FF"/>
-                </a:solidFill>
-              </a:rPr>
-              <a:t>Bayesian decision framework</a:t>
-            </a:r>
-            <a:r>
-              <a:rPr lang="en-US" dirty="0"/>
-              <a:t> to detect additional hijacked accounts </a:t>
-            </a:r>
-            <a:r>
-              <a:rPr lang="en-US" dirty="0" smtClean="0"/>
-              <a:t>using with training data</a:t>
-            </a:r>
-            <a:endParaRPr lang="en-US" dirty="0"/>
+              <a:t>recipients</a:t>
+            </a:r>
           </a:p>
         </p:txBody>
       </p:sp>
@@ -6323,23 +7468,60 @@
             <p:ph type="title"/>
           </p:nvPr>
         </p:nvSpPr>
-        <p:spPr/>
-        <p:txBody>
-          <a:bodyPr/>
+        <p:spPr>
+          <a:xfrm>
+            <a:off x="457200" y="95271"/>
+            <a:ext cx="8229600" cy="1143000"/>
+          </a:xfrm>
+        </p:spPr>
+        <p:txBody>
+          <a:bodyPr>
+            <a:normAutofit fontScale="90000"/>
+          </a:bodyPr>
           <a:lstStyle/>
           <a:p>
             <a:r>
               <a:rPr lang="en-US" dirty="0" smtClean="0"/>
-              <a:t>Detection Hijacked Accounts</a:t>
+              <a:t>Computing Social-Affinity Features</a:t>
             </a:r>
             <a:endParaRPr lang="en-US" dirty="0"/>
           </a:p>
         </p:txBody>
       </p:sp>
+      <p:pic>
+        <p:nvPicPr>
+          <p:cNvPr id="4" name="Picture 3" descr="h2.eps"/>
+          <p:cNvPicPr>
+            <a:picLocks noChangeAspect="1"/>
+          </p:cNvPicPr>
+          <p:nvPr/>
+        </p:nvPicPr>
+        <p:blipFill>
+          <a:blip r:embed="rId3">
+            <a:extLst>
+              <a:ext uri="{28A0092B-C50C-407E-A947-70E740481C1C}">
+                <a14:useLocalDpi xmlns:a14="http://schemas.microsoft.com/office/drawing/2010/main" val="0"/>
+              </a:ext>
+            </a:extLst>
+          </a:blip>
+          <a:stretch>
+            <a:fillRect/>
+          </a:stretch>
+        </p:blipFill>
+        <p:spPr>
+          <a:xfrm>
+            <a:off x="2179142" y="3171465"/>
+            <a:ext cx="4623140" cy="3547777"/>
+          </a:xfrm>
+          <a:prstGeom prst="rect">
+            <a:avLst/>
+          </a:prstGeom>
+        </p:spPr>
+      </p:pic>
     </p:spTree>
     <p:extLst>
       <p:ext uri="{BB962C8B-B14F-4D97-AF65-F5344CB8AC3E}">
-        <p14:creationId xmlns:p14="http://schemas.microsoft.com/office/powerpoint/2010/main" val="2684937000"/>
+        <p14:creationId xmlns:p14="http://schemas.microsoft.com/office/powerpoint/2010/main" val="2442167342"/>
       </p:ext>
     </p:extLst>
   </p:cSld>
@@ -6375,6 +7557,51 @@
       </p:grpSpPr>
       <p:sp>
         <p:nvSpPr>
+          <p:cNvPr id="6" name="Rectangle 5"/>
+          <p:cNvSpPr/>
+          <p:nvPr/>
+        </p:nvSpPr>
+        <p:spPr>
+          <a:xfrm>
+            <a:off x="-2386" y="2160695"/>
+            <a:ext cx="6437843" cy="4715560"/>
+          </a:xfrm>
+          <a:prstGeom prst="rect">
+            <a:avLst/>
+          </a:prstGeom>
+          <a:solidFill>
+            <a:schemeClr val="bg1"/>
+          </a:solidFill>
+          <a:ln>
+            <a:noFill/>
+          </a:ln>
+          <a:effectLst/>
+        </p:spPr>
+        <p:style>
+          <a:lnRef idx="1">
+            <a:schemeClr val="accent1"/>
+          </a:lnRef>
+          <a:fillRef idx="3">
+            <a:schemeClr val="accent1"/>
+          </a:fillRef>
+          <a:effectRef idx="2">
+            <a:schemeClr val="accent1"/>
+          </a:effectRef>
+          <a:fontRef idx="minor">
+            <a:schemeClr val="lt1"/>
+          </a:fontRef>
+        </p:style>
+        <p:txBody>
+          <a:bodyPr rtlCol="0" anchor="ctr"/>
+          <a:lstStyle/>
+          <a:p>
+            <a:pPr algn="ctr"/>
+            <a:endParaRPr lang="en-US"/>
+          </a:p>
+        </p:txBody>
+      </p:sp>
+      <p:sp>
+        <p:nvSpPr>
           <p:cNvPr id="2" name="Content Placeholder 1"/>
           <p:cNvSpPr>
             <a:spLocks noGrp="1"/>
@@ -6383,182 +7610,54 @@
             <p:ph idx="1"/>
           </p:nvPr>
         </p:nvSpPr>
-        <p:spPr/>
+        <p:spPr>
+          <a:xfrm>
+            <a:off x="457200" y="842686"/>
+            <a:ext cx="8229600" cy="4525963"/>
+          </a:xfrm>
+        </p:spPr>
         <p:txBody>
           <a:bodyPr/>
           <a:lstStyle/>
           <a:p>
             <a:r>
               <a:rPr lang="en-US" dirty="0" smtClean="0"/>
-              <a:t>SocialWatch is implemented using </a:t>
-            </a:r>
-            <a:r>
-              <a:rPr lang="en-US" dirty="0" err="1" smtClean="0">
-                <a:solidFill>
-                  <a:srgbClr val="FF0000"/>
-                </a:solidFill>
+              <a:t>Intuition</a:t>
+            </a:r>
+          </a:p>
+          <a:p>
+            <a:pPr lvl="1"/>
+            <a:r>
+              <a:rPr lang="en-US" dirty="0" smtClean="0"/>
+              <a:t>Recipients of legitimate users tend to have closer social distance</a:t>
+            </a:r>
+          </a:p>
+          <a:p>
+            <a:r>
+              <a:rPr lang="en-US" dirty="0" smtClean="0"/>
+              <a:t>Social distance </a:t>
+            </a:r>
+            <a:r>
+              <a:rPr lang="en-US" b="1" i="1" dirty="0" smtClean="0">
+                <a:latin typeface="Times"/>
+                <a:cs typeface="Times"/>
               </a:rPr>
-              <a:t>DryadLINQ</a:t>
-            </a:r>
+              <a:t>l</a:t>
+            </a:r>
+          </a:p>
+          <a:p>
+            <a:pPr lvl="1"/>
             <a:r>
               <a:rPr lang="en-US" dirty="0" smtClean="0"/>
-              <a:t> and processes </a:t>
+              <a:t>The mean of </a:t>
             </a:r>
             <a:r>
               <a:rPr lang="en-US" dirty="0"/>
-              <a:t>data </a:t>
-            </a:r>
-            <a:r>
-              <a:rPr lang="en-US" dirty="0">
-                <a:solidFill>
-                  <a:srgbClr val="FF0000"/>
-                </a:solidFill>
-              </a:rPr>
-              <a:t>in parallel</a:t>
-            </a:r>
-            <a:r>
-              <a:rPr lang="en-US" dirty="0"/>
-              <a:t> on a </a:t>
-            </a:r>
-            <a:r>
-              <a:rPr lang="en-US" dirty="0">
-                <a:solidFill>
-                  <a:srgbClr val="3366FF"/>
-                </a:solidFill>
-              </a:rPr>
-              <a:t>240-</a:t>
-            </a:r>
-            <a:r>
-              <a:rPr lang="en-US" dirty="0"/>
-              <a:t>machine </a:t>
+              <a:t>all pairwise social distances between any two users </a:t>
             </a:r>
             <a:r>
               <a:rPr lang="en-US" dirty="0" smtClean="0"/>
-              <a:t>cluster</a:t>
-            </a:r>
-          </a:p>
-          <a:p>
-            <a:r>
-              <a:rPr lang="en-US" dirty="0"/>
-              <a:t>SocialWatch detects </a:t>
-            </a:r>
-            <a:r>
-              <a:rPr lang="en-US" dirty="0">
-                <a:solidFill>
-                  <a:srgbClr val="3366FF"/>
-                </a:solidFill>
-              </a:rPr>
-              <a:t>56.85 million</a:t>
-            </a:r>
-            <a:r>
-              <a:rPr lang="en-US" dirty="0"/>
-              <a:t> </a:t>
-            </a:r>
-            <a:r>
-              <a:rPr lang="en-US" dirty="0" smtClean="0"/>
-              <a:t>attacker-created </a:t>
-            </a:r>
-            <a:r>
-              <a:rPr lang="en-US" dirty="0"/>
-              <a:t>accounts, with a </a:t>
-            </a:r>
-            <a:r>
-              <a:rPr lang="en-US" dirty="0" smtClean="0">
-                <a:solidFill>
-                  <a:srgbClr val="3366FF"/>
-                </a:solidFill>
-              </a:rPr>
-              <a:t>0.8%</a:t>
-            </a:r>
-            <a:r>
-              <a:rPr lang="en-US" dirty="0" smtClean="0"/>
-              <a:t> </a:t>
-            </a:r>
-            <a:r>
-              <a:rPr lang="en-US" dirty="0"/>
-              <a:t>false detection rate and </a:t>
-            </a:r>
-            <a:r>
-              <a:rPr lang="en-US" dirty="0" smtClean="0"/>
-              <a:t>a </a:t>
-            </a:r>
-            <a:r>
-              <a:rPr lang="en-US" dirty="0" smtClean="0">
-                <a:solidFill>
-                  <a:srgbClr val="3366FF"/>
-                </a:solidFill>
-              </a:rPr>
-              <a:t>0.6%</a:t>
-            </a:r>
-            <a:r>
-              <a:rPr lang="en-US" dirty="0" smtClean="0"/>
-              <a:t> </a:t>
-            </a:r>
-            <a:r>
-              <a:rPr lang="en-US" dirty="0"/>
-              <a:t>false negative </a:t>
-            </a:r>
-            <a:r>
-              <a:rPr lang="en-US" dirty="0" smtClean="0"/>
-              <a:t>rate</a:t>
-            </a:r>
-          </a:p>
-          <a:p>
-            <a:r>
-              <a:rPr lang="en-US" dirty="0" smtClean="0"/>
-              <a:t>At </a:t>
-            </a:r>
-            <a:r>
-              <a:rPr lang="en-US" dirty="0"/>
-              <a:t>a false detection rate of 2%, </a:t>
-            </a:r>
-            <a:r>
-              <a:rPr lang="en-US" dirty="0" smtClean="0"/>
-              <a:t>SocialWatch identiﬁes </a:t>
-            </a:r>
-            <a:r>
-              <a:rPr lang="en-US" dirty="0" smtClean="0">
-                <a:solidFill>
-                  <a:srgbClr val="3366FF"/>
-                </a:solidFill>
-              </a:rPr>
-              <a:t>2 </a:t>
-            </a:r>
-            <a:r>
-              <a:rPr lang="en-US" dirty="0">
-                <a:solidFill>
-                  <a:srgbClr val="3366FF"/>
-                </a:solidFill>
-              </a:rPr>
-              <a:t>million</a:t>
-            </a:r>
-            <a:r>
-              <a:rPr lang="en-US" dirty="0"/>
-              <a:t> hijacked accounts, </a:t>
-            </a:r>
-            <a:r>
-              <a:rPr lang="en-US" dirty="0" smtClean="0">
-                <a:solidFill>
-                  <a:srgbClr val="3366FF"/>
-                </a:solidFill>
-              </a:rPr>
-              <a:t>1.2 </a:t>
-            </a:r>
-            <a:r>
-              <a:rPr lang="en-US" dirty="0">
-                <a:solidFill>
-                  <a:srgbClr val="3366FF"/>
-                </a:solidFill>
-              </a:rPr>
-              <a:t>million</a:t>
-            </a:r>
-            <a:r>
-              <a:rPr lang="en-US" dirty="0"/>
-              <a:t> were </a:t>
-            </a:r>
-            <a:r>
-              <a:rPr lang="en-US" dirty="0" smtClean="0"/>
-              <a:t>not detected previously</a:t>
+              <a:t>in the recipient set</a:t>
             </a:r>
             <a:endParaRPr lang="en-US" dirty="0"/>
           </a:p>
@@ -6574,23 +7673,60 @@
             <p:ph type="title"/>
           </p:nvPr>
         </p:nvSpPr>
-        <p:spPr/>
-        <p:txBody>
-          <a:bodyPr/>
+        <p:spPr>
+          <a:xfrm>
+            <a:off x="457200" y="1163"/>
+            <a:ext cx="8229600" cy="1143000"/>
+          </a:xfrm>
+        </p:spPr>
+        <p:txBody>
+          <a:bodyPr>
+            <a:normAutofit fontScale="90000"/>
+          </a:bodyPr>
           <a:lstStyle/>
           <a:p>
             <a:r>
               <a:rPr lang="en-US" dirty="0" smtClean="0"/>
-              <a:t>Implementation and Evaluation</a:t>
+              <a:t>Computing Social-Affinity Features</a:t>
             </a:r>
             <a:endParaRPr lang="en-US" dirty="0"/>
           </a:p>
         </p:txBody>
       </p:sp>
+      <p:pic>
+        <p:nvPicPr>
+          <p:cNvPr id="5" name="Picture 4" descr="h3.eps"/>
+          <p:cNvPicPr>
+            <a:picLocks noChangeAspect="1"/>
+          </p:cNvPicPr>
+          <p:nvPr/>
+        </p:nvPicPr>
+        <p:blipFill>
+          <a:blip r:embed="rId3">
+            <a:extLst>
+              <a:ext uri="{28A0092B-C50C-407E-A947-70E740481C1C}">
+                <a14:useLocalDpi xmlns:a14="http://schemas.microsoft.com/office/drawing/2010/main" val="0"/>
+              </a:ext>
+            </a:extLst>
+          </a:blip>
+          <a:stretch>
+            <a:fillRect/>
+          </a:stretch>
+        </p:blipFill>
+        <p:spPr>
+          <a:xfrm>
+            <a:off x="2423134" y="3322411"/>
+            <a:ext cx="4452421" cy="3383139"/>
+          </a:xfrm>
+          <a:prstGeom prst="rect">
+            <a:avLst/>
+          </a:prstGeom>
+        </p:spPr>
+      </p:pic>
     </p:spTree>
     <p:extLst>
       <p:ext uri="{BB962C8B-B14F-4D97-AF65-F5344CB8AC3E}">
-        <p14:creationId xmlns:p14="http://schemas.microsoft.com/office/powerpoint/2010/main" val="150996531"/>
+        <p14:creationId xmlns:p14="http://schemas.microsoft.com/office/powerpoint/2010/main" val="755070749"/>
       </p:ext>
     </p:extLst>
   </p:cSld>
@@ -6634,30 +7770,44 @@
             <p:ph idx="1"/>
           </p:nvPr>
         </p:nvSpPr>
-        <p:spPr/>
-        <p:txBody>
-          <a:bodyPr/>
+        <p:spPr>
+          <a:xfrm>
+            <a:off x="109911" y="1481328"/>
+            <a:ext cx="8890594" cy="4525963"/>
+          </a:xfrm>
+        </p:spPr>
+        <p:txBody>
+          <a:bodyPr>
+            <a:normAutofit/>
+          </a:bodyPr>
           <a:lstStyle/>
           <a:p>
             <a:r>
-              <a:rPr lang="en-US" b="1" dirty="0" smtClean="0"/>
-              <a:t>SocialWatch</a:t>
-            </a:r>
-            <a:r>
               <a:rPr lang="en-US" dirty="0" smtClean="0"/>
-              <a:t> is </a:t>
-            </a:r>
-            <a:r>
-              <a:rPr lang="en-US" dirty="0"/>
-              <a:t>an online service protection framework, </a:t>
+              <a:t>Detection </a:t>
+            </a:r>
+            <a:r>
+              <a:rPr lang="en-US" dirty="0" smtClean="0">
+                <a:solidFill>
+                  <a:srgbClr val="FF0000"/>
+                </a:solidFill>
+              </a:rPr>
+              <a:t>without known</a:t>
             </a:r>
             <a:r>
               <a:rPr lang="en-US" dirty="0" smtClean="0"/>
-              <a:t>that </a:t>
-            </a:r>
-            <a:r>
-              <a:rPr lang="en-US" dirty="0"/>
-              <a:t>uses </a:t>
+              <a:t> hijacked accounts</a:t>
+            </a:r>
+          </a:p>
+          <a:p>
+            <a:pPr lvl="1"/>
+            <a:r>
+              <a:rPr lang="en-US" dirty="0" smtClean="0">
+                <a:solidFill>
+                  <a:srgbClr val="3366FF"/>
+                </a:solidFill>
+              </a:rPr>
+              <a:t>One</a:t>
             </a:r>
             <a:r>
               <a:rPr lang="en-US" dirty="0">
@@ -6665,15 +7815,67 @@
                   <a:srgbClr val="3366FF"/>
                 </a:solidFill>
               </a:rPr>
-              <a:t>social connectivity</a:t>
+              <a:t>-tailed </a:t>
+            </a:r>
+            <a:r>
+              <a:rPr lang="en-US" dirty="0" smtClean="0">
+                <a:solidFill>
+                  <a:srgbClr val="3366FF"/>
+                </a:solidFill>
+              </a:rPr>
+              <a:t>hypothesis testing</a:t>
+            </a:r>
+            <a:r>
+              <a:rPr lang="en-US" dirty="0" smtClean="0"/>
+              <a:t> to </a:t>
             </a:r>
             <a:r>
               <a:rPr lang="en-US" dirty="0"/>
-              <a:t> features to </a:t>
+              <a:t>detect hijacked </a:t>
             </a:r>
             <a:r>
               <a:rPr lang="en-US" dirty="0" smtClean="0"/>
-              <a:t>detect </a:t>
+              <a:t>accounts</a:t>
+            </a:r>
+          </a:p>
+          <a:p>
+            <a:pPr lvl="1"/>
+            <a:r>
+              <a:rPr lang="en-US" dirty="0" smtClean="0"/>
+              <a:t>Given a significance level, compute </a:t>
+            </a:r>
+            <a:r>
+              <a:rPr lang="en-US" dirty="0"/>
+              <a:t>a threshold along each feature dimension based on </a:t>
+            </a:r>
+            <a:r>
+              <a:rPr lang="en-US" dirty="0" smtClean="0"/>
+              <a:t>data</a:t>
+            </a:r>
+          </a:p>
+          <a:p>
+            <a:pPr lvl="1"/>
+            <a:r>
+              <a:rPr lang="en-US" dirty="0"/>
+              <a:t>C</a:t>
+            </a:r>
+            <a:r>
+              <a:rPr lang="en-US" dirty="0" smtClean="0"/>
+              <a:t>lassify as hijacked if </a:t>
+            </a:r>
+            <a:r>
+              <a:rPr lang="en-US" dirty="0"/>
+              <a:t>one of its feature values violates the computed </a:t>
+            </a:r>
+            <a:r>
+              <a:rPr lang="en-US" dirty="0" smtClean="0"/>
+              <a:t>threshold</a:t>
+            </a:r>
+          </a:p>
+          <a:p>
+            <a:r>
+              <a:rPr lang="en-US" dirty="0"/>
+              <a:t>Detection </a:t>
             </a:r>
             <a:r>
               <a:rPr lang="en-US" dirty="0" smtClean="0">
@@ -6681,7 +7883,7 @@
                   <a:srgbClr val="FF0000"/>
                 </a:solidFill>
               </a:rPr>
-              <a:t>attacker</a:t>
+              <a:t>with </a:t>
             </a:r>
             <a:r>
               <a:rPr lang="en-US" dirty="0">
@@ -6689,23 +7891,22 @@
                   <a:srgbClr val="FF0000"/>
                 </a:solidFill>
               </a:rPr>
-              <a:t>-created</a:t>
+              <a:t>known</a:t>
             </a:r>
             <a:r>
               <a:rPr lang="en-US" dirty="0"/>
-              <a:t> accounts and </a:t>
-            </a:r>
-            <a:r>
-              <a:rPr lang="en-US" dirty="0">
-                <a:solidFill>
-                  <a:srgbClr val="FF0000"/>
-                </a:solidFill>
-              </a:rPr>
-              <a:t>hijacked</a:t>
-            </a:r>
-            <a:r>
-              <a:rPr lang="en-US" dirty="0"/>
-              <a:t> accounts at a </a:t>
+              <a:t> hijacked </a:t>
+            </a:r>
+            <a:r>
+              <a:rPr lang="en-US" dirty="0" smtClean="0"/>
+              <a:t>accounts</a:t>
+            </a:r>
+          </a:p>
+          <a:p>
+            <a:pPr lvl="1"/>
+            <a:r>
+              <a:rPr lang="en-US" dirty="0" smtClean="0"/>
+              <a:t>Use a </a:t>
             </a:r>
             <a:r>
               <a:rPr lang="en-US" dirty="0">
@@ -6713,38 +7914,17 @@
                   <a:srgbClr val="3366FF"/>
                 </a:solidFill>
               </a:rPr>
-              <a:t>large </a:t>
-            </a:r>
-            <a:r>
-              <a:rPr lang="en-US" dirty="0" smtClean="0">
-                <a:solidFill>
-                  <a:srgbClr val="3366FF"/>
-                </a:solidFill>
-              </a:rPr>
-              <a:t>scale</a:t>
-            </a:r>
-          </a:p>
-          <a:p>
+              <a:t>Bayesian decision framework</a:t>
+            </a:r>
             <a:r>
               <a:rPr lang="en-US" dirty="0"/>
-              <a:t>SocialWatch </a:t>
+              <a:t> to detect additional hijacked accounts </a:t>
             </a:r>
             <a:r>
               <a:rPr lang="en-US" dirty="0" smtClean="0"/>
-              <a:t>is </a:t>
-            </a:r>
-            <a:r>
-              <a:rPr lang="en-US" dirty="0" smtClean="0">
-                <a:solidFill>
-                  <a:srgbClr val="3366FF"/>
-                </a:solidFill>
-              </a:rPr>
-              <a:t>practically deployable</a:t>
-            </a:r>
-            <a:r>
-              <a:rPr lang="en-US" dirty="0" smtClean="0"/>
-              <a:t> With parallel algorithms</a:t>
-            </a:r>
+              <a:t>using with training data</a:t>
+            </a:r>
+            <a:endParaRPr lang="en-US" dirty="0"/>
           </a:p>
         </p:txBody>
       </p:sp>
@@ -6765,90 +7945,452 @@
           <a:p>
             <a:r>
               <a:rPr lang="en-US" dirty="0" smtClean="0"/>
-              <a:t>Conclusions</a:t>
+              <a:t>Detection Hijacked Accounts</a:t>
             </a:r>
             <a:endParaRPr lang="en-US" dirty="0"/>
           </a:p>
         </p:txBody>
       </p:sp>
-      <p:sp>
-        <p:nvSpPr>
-          <p:cNvPr id="4" name="Right Arrow 3"/>
-          <p:cNvSpPr/>
-          <p:nvPr/>
-        </p:nvSpPr>
-        <p:spPr>
-          <a:xfrm>
-            <a:off x="304800" y="4320756"/>
-            <a:ext cx="304800" cy="152400"/>
-          </a:xfrm>
-          <a:prstGeom prst="rightArrow">
-            <a:avLst/>
-          </a:prstGeom>
-        </p:spPr>
-        <p:style>
-          <a:lnRef idx="2">
-            <a:schemeClr val="accent1">
-              <a:shade val="50000"/>
-            </a:schemeClr>
-          </a:lnRef>
-          <a:fillRef idx="1">
-            <a:schemeClr val="accent1"/>
-          </a:fillRef>
-          <a:effectRef idx="0">
-            <a:schemeClr val="accent1"/>
-          </a:effectRef>
-          <a:fontRef idx="minor">
-            <a:schemeClr val="lt1"/>
-          </a:fontRef>
-        </p:style>
-        <p:txBody>
-          <a:bodyPr rtlCol="0" anchor="ctr"/>
+    </p:spTree>
+    <p:extLst>
+      <p:ext uri="{BB962C8B-B14F-4D97-AF65-F5344CB8AC3E}">
+        <p14:creationId xmlns:p14="http://schemas.microsoft.com/office/powerpoint/2010/main" val="2684937000"/>
+      </p:ext>
+    </p:extLst>
+  </p:cSld>
+  <p:clrMapOvr>
+    <a:masterClrMapping/>
+  </p:clrMapOvr>
+  <p:timing>
+    <p:tnLst>
+      <p:par>
+        <p:cTn xmlns:p14="http://schemas.microsoft.com/office/powerpoint/2010/main" id="1" dur="indefinite" restart="never" nodeType="tmRoot"/>
+      </p:par>
+    </p:tnLst>
+  </p:timing>
+</p:sld>
+</file>
+
+<file path=ppt/slides/slide14.xml><?xml version="1.0" encoding="utf-8"?>
+<p:sld xmlns:a="http://schemas.openxmlformats.org/drawingml/2006/main" xmlns:r="http://schemas.openxmlformats.org/officeDocument/2006/relationships" xmlns:p="http://schemas.openxmlformats.org/presentationml/2006/main">
+  <p:cSld>
+    <p:spTree>
+      <p:nvGrpSpPr>
+        <p:cNvPr id="1" name=""/>
+        <p:cNvGrpSpPr/>
+        <p:nvPr/>
+      </p:nvGrpSpPr>
+      <p:grpSpPr>
+        <a:xfrm>
+          <a:off x="0" y="0"/>
+          <a:ext cx="0" cy="0"/>
+          <a:chOff x="0" y="0"/>
+          <a:chExt cx="0" cy="0"/>
+        </a:xfrm>
+      </p:grpSpPr>
+      <p:sp>
+        <p:nvSpPr>
+          <p:cNvPr id="2" name="Content Placeholder 1"/>
+          <p:cNvSpPr>
+            <a:spLocks noGrp="1"/>
+          </p:cNvSpPr>
+          <p:nvPr>
+            <p:ph idx="1"/>
+          </p:nvPr>
+        </p:nvSpPr>
+        <p:spPr/>
+        <p:txBody>
+          <a:bodyPr/>
           <a:lstStyle/>
           <a:p>
-            <a:pPr algn="ctr"/>
-            <a:endParaRPr lang="en-US"/>
-          </a:p>
-        </p:txBody>
-      </p:sp>
-      <p:sp>
-        <p:nvSpPr>
-          <p:cNvPr id="5" name="TextBox 4"/>
-          <p:cNvSpPr txBox="1"/>
-          <p:nvPr/>
-        </p:nvSpPr>
-        <p:spPr>
-          <a:xfrm>
-            <a:off x="708322" y="4156846"/>
-            <a:ext cx="7474672" cy="461665"/>
-          </a:xfrm>
-          <a:prstGeom prst="rect">
-            <a:avLst/>
-          </a:prstGeom>
-          <a:noFill/>
-        </p:spPr>
-        <p:txBody>
-          <a:bodyPr wrap="none" rtlCol="0">
-            <a:spAutoFit/>
-          </a:bodyPr>
-          <a:lstStyle/>
-          <a:p>
-            <a:pPr marL="109728" indent="0">
-              <a:buNone/>
-            </a:pPr>
-            <a:r>
-              <a:rPr lang="en-US" sz="2400" dirty="0" smtClean="0">
+            <a:r>
+              <a:rPr lang="en-US" dirty="0" smtClean="0"/>
+              <a:t>SocialWatch is implemented using </a:t>
+            </a:r>
+            <a:r>
+              <a:rPr lang="en-US" dirty="0" err="1" smtClean="0">
                 <a:solidFill>
-                  <a:schemeClr val="accent4"/>
+                  <a:srgbClr val="FF0000"/>
                 </a:solidFill>
               </a:rPr>
-              <a:t>Part of SocialWatch has been included in Hotmail</a:t>
-            </a:r>
-            <a:endParaRPr lang="en-US" sz="2400" dirty="0">
-              <a:solidFill>
-                <a:schemeClr val="accent4"/>
-              </a:solidFill>
-            </a:endParaRPr>
+              <a:t>DryadLINQ</a:t>
+            </a:r>
+            <a:r>
+              <a:rPr lang="en-US" dirty="0" smtClean="0"/>
+              <a:t> and processes </a:t>
+            </a:r>
+            <a:r>
+              <a:rPr lang="en-US" dirty="0"/>
+              <a:t>data </a:t>
+            </a:r>
+            <a:r>
+              <a:rPr lang="en-US" dirty="0">
+                <a:solidFill>
+                  <a:srgbClr val="FF0000"/>
+                </a:solidFill>
+              </a:rPr>
+              <a:t>in parallel</a:t>
+            </a:r>
+            <a:r>
+              <a:rPr lang="en-US" dirty="0"/>
+              <a:t> on a </a:t>
+            </a:r>
+            <a:r>
+              <a:rPr lang="en-US" dirty="0">
+                <a:solidFill>
+                  <a:srgbClr val="3366FF"/>
+                </a:solidFill>
+              </a:rPr>
+              <a:t>240-</a:t>
+            </a:r>
+            <a:r>
+              <a:rPr lang="en-US" dirty="0"/>
+              <a:t>machine </a:t>
+            </a:r>
+            <a:r>
+              <a:rPr lang="en-US" dirty="0" smtClean="0"/>
+              <a:t>cluster</a:t>
+            </a:r>
+          </a:p>
+          <a:p>
+            <a:r>
+              <a:rPr lang="en-US" dirty="0"/>
+              <a:t>SocialWatch detects </a:t>
+            </a:r>
+            <a:r>
+              <a:rPr lang="en-US" dirty="0" smtClean="0">
+                <a:solidFill>
+                  <a:srgbClr val="3366FF"/>
+                </a:solidFill>
+              </a:rPr>
+              <a:t>57 </a:t>
+            </a:r>
+            <a:r>
+              <a:rPr lang="en-US" dirty="0">
+                <a:solidFill>
+                  <a:srgbClr val="3366FF"/>
+                </a:solidFill>
+              </a:rPr>
+              <a:t>million</a:t>
+            </a:r>
+            <a:r>
+              <a:rPr lang="en-US" dirty="0"/>
+              <a:t> </a:t>
+            </a:r>
+            <a:r>
+              <a:rPr lang="en-US" dirty="0" smtClean="0"/>
+              <a:t>attacker-created </a:t>
+            </a:r>
+            <a:r>
+              <a:rPr lang="en-US" dirty="0"/>
+              <a:t>accounts, with a </a:t>
+            </a:r>
+            <a:r>
+              <a:rPr lang="en-US" dirty="0" smtClean="0">
+                <a:solidFill>
+                  <a:srgbClr val="3366FF"/>
+                </a:solidFill>
+              </a:rPr>
+              <a:t>0.8%</a:t>
+            </a:r>
+            <a:r>
+              <a:rPr lang="en-US" dirty="0" smtClean="0"/>
+              <a:t> </a:t>
+            </a:r>
+            <a:r>
+              <a:rPr lang="en-US" dirty="0"/>
+              <a:t>false detection rate and </a:t>
+            </a:r>
+            <a:r>
+              <a:rPr lang="en-US" dirty="0" smtClean="0"/>
+              <a:t>a </a:t>
+            </a:r>
+            <a:r>
+              <a:rPr lang="en-US" dirty="0" smtClean="0">
+                <a:solidFill>
+                  <a:srgbClr val="3366FF"/>
+                </a:solidFill>
+              </a:rPr>
+              <a:t>0.6%</a:t>
+            </a:r>
+            <a:r>
+              <a:rPr lang="en-US" dirty="0" smtClean="0"/>
+              <a:t> </a:t>
+            </a:r>
+            <a:r>
+              <a:rPr lang="en-US" dirty="0"/>
+              <a:t>false negative </a:t>
+            </a:r>
+            <a:r>
+              <a:rPr lang="en-US" dirty="0" smtClean="0"/>
+              <a:t>rate</a:t>
+            </a:r>
+          </a:p>
+          <a:p>
+            <a:r>
+              <a:rPr lang="en-US" dirty="0" smtClean="0"/>
+              <a:t>At </a:t>
+            </a:r>
+            <a:r>
+              <a:rPr lang="en-US" dirty="0"/>
+              <a:t>a false detection rate of 2%, </a:t>
+            </a:r>
+            <a:r>
+              <a:rPr lang="en-US" dirty="0" smtClean="0"/>
+              <a:t>SocialWatch identiﬁes </a:t>
+            </a:r>
+            <a:r>
+              <a:rPr lang="en-US" dirty="0" smtClean="0">
+                <a:solidFill>
+                  <a:srgbClr val="3366FF"/>
+                </a:solidFill>
+              </a:rPr>
+              <a:t>2 </a:t>
+            </a:r>
+            <a:r>
+              <a:rPr lang="en-US" dirty="0">
+                <a:solidFill>
+                  <a:srgbClr val="3366FF"/>
+                </a:solidFill>
+              </a:rPr>
+              <a:t>million</a:t>
+            </a:r>
+            <a:r>
+              <a:rPr lang="en-US" dirty="0"/>
+              <a:t> hijacked accounts, </a:t>
+            </a:r>
+            <a:r>
+              <a:rPr lang="en-US" dirty="0" smtClean="0">
+                <a:solidFill>
+                  <a:srgbClr val="3366FF"/>
+                </a:solidFill>
+              </a:rPr>
+              <a:t>1.2 </a:t>
+            </a:r>
+            <a:r>
+              <a:rPr lang="en-US" dirty="0">
+                <a:solidFill>
+                  <a:srgbClr val="3366FF"/>
+                </a:solidFill>
+              </a:rPr>
+              <a:t>million</a:t>
+            </a:r>
+            <a:r>
+              <a:rPr lang="en-US" dirty="0"/>
+              <a:t> were </a:t>
+            </a:r>
+            <a:r>
+              <a:rPr lang="en-US" dirty="0" smtClean="0"/>
+              <a:t>not detected previously</a:t>
+            </a:r>
+            <a:endParaRPr lang="en-US" dirty="0"/>
+          </a:p>
+        </p:txBody>
+      </p:sp>
+      <p:sp>
+        <p:nvSpPr>
+          <p:cNvPr id="3" name="Title 2"/>
+          <p:cNvSpPr>
+            <a:spLocks noGrp="1"/>
+          </p:cNvSpPr>
+          <p:nvPr>
+            <p:ph type="title"/>
+          </p:nvPr>
+        </p:nvSpPr>
+        <p:spPr/>
+        <p:txBody>
+          <a:bodyPr/>
+          <a:lstStyle/>
+          <a:p>
+            <a:r>
+              <a:rPr lang="en-US" dirty="0" smtClean="0"/>
+              <a:t>Implementation and Evaluation</a:t>
+            </a:r>
+            <a:endParaRPr lang="en-US" dirty="0"/>
+          </a:p>
+        </p:txBody>
+      </p:sp>
+    </p:spTree>
+    <p:extLst>
+      <p:ext uri="{BB962C8B-B14F-4D97-AF65-F5344CB8AC3E}">
+        <p14:creationId xmlns:p14="http://schemas.microsoft.com/office/powerpoint/2010/main" val="150996531"/>
+      </p:ext>
+    </p:extLst>
+  </p:cSld>
+  <p:clrMapOvr>
+    <a:masterClrMapping/>
+  </p:clrMapOvr>
+  <p:timing>
+    <p:tnLst>
+      <p:par>
+        <p:cTn xmlns:p14="http://schemas.microsoft.com/office/powerpoint/2010/main" id="1" dur="indefinite" restart="never" nodeType="tmRoot"/>
+      </p:par>
+    </p:tnLst>
+  </p:timing>
+</p:sld>
+</file>
+
+<file path=ppt/slides/slide15.xml><?xml version="1.0" encoding="utf-8"?>
+<p:sld xmlns:a="http://schemas.openxmlformats.org/drawingml/2006/main" xmlns:r="http://schemas.openxmlformats.org/officeDocument/2006/relationships" xmlns:p="http://schemas.openxmlformats.org/presentationml/2006/main">
+  <p:cSld>
+    <p:spTree>
+      <p:nvGrpSpPr>
+        <p:cNvPr id="1" name=""/>
+        <p:cNvGrpSpPr/>
+        <p:nvPr/>
+      </p:nvGrpSpPr>
+      <p:grpSpPr>
+        <a:xfrm>
+          <a:off x="0" y="0"/>
+          <a:ext cx="0" cy="0"/>
+          <a:chOff x="0" y="0"/>
+          <a:chExt cx="0" cy="0"/>
+        </a:xfrm>
+      </p:grpSpPr>
+      <p:sp>
+        <p:nvSpPr>
+          <p:cNvPr id="2" name="Content Placeholder 1"/>
+          <p:cNvSpPr>
+            <a:spLocks noGrp="1"/>
+          </p:cNvSpPr>
+          <p:nvPr>
+            <p:ph idx="1"/>
+          </p:nvPr>
+        </p:nvSpPr>
+        <p:spPr/>
+        <p:txBody>
+          <a:bodyPr/>
+          <a:lstStyle/>
+          <a:p>
+            <a:r>
+              <a:rPr lang="en-US" b="1" dirty="0" smtClean="0"/>
+              <a:t>SocialWatch</a:t>
+            </a:r>
+            <a:r>
+              <a:rPr lang="en-US" dirty="0" smtClean="0"/>
+              <a:t> is </a:t>
+            </a:r>
+            <a:r>
+              <a:rPr lang="en-US" dirty="0"/>
+              <a:t>an online service protection framework, </a:t>
+            </a:r>
+            <a:r>
+              <a:rPr lang="en-US" dirty="0" smtClean="0"/>
+              <a:t>that </a:t>
+            </a:r>
+            <a:r>
+              <a:rPr lang="en-US" dirty="0"/>
+              <a:t>uses </a:t>
+            </a:r>
+            <a:r>
+              <a:rPr lang="en-US" dirty="0">
+                <a:solidFill>
+                  <a:srgbClr val="3366FF"/>
+                </a:solidFill>
+              </a:rPr>
+              <a:t>social connectivity</a:t>
+            </a:r>
+            <a:r>
+              <a:rPr lang="en-US" dirty="0"/>
+              <a:t> features to </a:t>
+            </a:r>
+            <a:r>
+              <a:rPr lang="en-US" dirty="0" smtClean="0"/>
+              <a:t>detect </a:t>
+            </a:r>
+            <a:r>
+              <a:rPr lang="en-US" dirty="0" smtClean="0">
+                <a:solidFill>
+                  <a:srgbClr val="FF0000"/>
+                </a:solidFill>
+              </a:rPr>
+              <a:t>attacker</a:t>
+            </a:r>
+            <a:r>
+              <a:rPr lang="en-US" dirty="0">
+                <a:solidFill>
+                  <a:srgbClr val="FF0000"/>
+                </a:solidFill>
+              </a:rPr>
+              <a:t>-created</a:t>
+            </a:r>
+            <a:r>
+              <a:rPr lang="en-US" dirty="0"/>
+              <a:t> accounts and </a:t>
+            </a:r>
+            <a:r>
+              <a:rPr lang="en-US" dirty="0">
+                <a:solidFill>
+                  <a:srgbClr val="FF0000"/>
+                </a:solidFill>
+              </a:rPr>
+              <a:t>hijacked</a:t>
+            </a:r>
+            <a:r>
+              <a:rPr lang="en-US" dirty="0"/>
+              <a:t> accounts at a </a:t>
+            </a:r>
+            <a:r>
+              <a:rPr lang="en-US" dirty="0">
+                <a:solidFill>
+                  <a:srgbClr val="3366FF"/>
+                </a:solidFill>
+              </a:rPr>
+              <a:t>large </a:t>
+            </a:r>
+            <a:r>
+              <a:rPr lang="en-US" dirty="0" smtClean="0">
+                <a:solidFill>
+                  <a:srgbClr val="3366FF"/>
+                </a:solidFill>
+              </a:rPr>
+              <a:t>scale</a:t>
+            </a:r>
+          </a:p>
+          <a:p>
+            <a:r>
+              <a:rPr lang="en-US" dirty="0"/>
+              <a:t>SocialWatch </a:t>
+            </a:r>
+            <a:r>
+              <a:rPr lang="en-US" dirty="0" smtClean="0"/>
+              <a:t>is </a:t>
+            </a:r>
+            <a:r>
+              <a:rPr lang="en-US" dirty="0" smtClean="0">
+                <a:solidFill>
+                  <a:srgbClr val="3366FF"/>
+                </a:solidFill>
+              </a:rPr>
+              <a:t>practically deployable</a:t>
+            </a:r>
+            <a:r>
+              <a:rPr lang="en-US" dirty="0" smtClean="0"/>
+              <a:t> using parallel algorithms</a:t>
+            </a:r>
+          </a:p>
+        </p:txBody>
+      </p:sp>
+      <p:sp>
+        <p:nvSpPr>
+          <p:cNvPr id="3" name="Title 2"/>
+          <p:cNvSpPr>
+            <a:spLocks noGrp="1"/>
+          </p:cNvSpPr>
+          <p:nvPr>
+            <p:ph type="title"/>
+          </p:nvPr>
+        </p:nvSpPr>
+        <p:spPr/>
+        <p:txBody>
+          <a:bodyPr/>
+          <a:lstStyle/>
+          <a:p>
+            <a:r>
+              <a:rPr lang="en-US" dirty="0" smtClean="0"/>
+              <a:t>Conclusions</a:t>
+            </a:r>
+            <a:endParaRPr lang="en-US" dirty="0"/>
           </a:p>
         </p:txBody>
       </p:sp>
@@ -6931,94 +8473,6 @@
                       </p:childTnLst>
                     </p:cTn>
                   </p:par>
-                  <p:par>
-                    <p:cTn id="8" fill="hold">
-                      <p:stCondLst>
-                        <p:cond delay="indefinite"/>
-                      </p:stCondLst>
-                      <p:childTnLst>
-                        <p:par>
-                          <p:cTn id="9" fill="hold">
-                            <p:stCondLst>
-                              <p:cond delay="0"/>
-                            </p:stCondLst>
-                            <p:childTnLst>
-                              <p:par>
-                                <p:cTn id="10" presetID="10" presetClass="entr" presetSubtype="0" fill="hold" grpId="0" nodeType="clickEffect">
-                                  <p:stCondLst>
-                                    <p:cond delay="0"/>
-                                  </p:stCondLst>
-                                  <p:childTnLst>
-                                    <p:set>
-                                      <p:cBhvr>
-                                        <p:cTn id="11" dur="1" fill="hold">
-                                          <p:stCondLst>
-                                            <p:cond delay="0"/>
-                                          </p:stCondLst>
-                                        </p:cTn>
-                                        <p:tgtEl>
-                                          <p:spTgt spid="5"/>
-                                        </p:tgtEl>
-                                        <p:attrNameLst>
-                                          <p:attrName>style.visibility</p:attrName>
-                                        </p:attrNameLst>
-                                      </p:cBhvr>
-                                      <p:to>
-                                        <p:strVal val="visible"/>
-                                      </p:to>
-                                    </p:set>
-                                    <p:animEffect transition="in" filter="fade">
-                                      <p:cBhvr>
-                                        <p:cTn id="12" dur="500"/>
-                                        <p:tgtEl>
-                                          <p:spTgt spid="5"/>
-                                        </p:tgtEl>
-                                      </p:cBhvr>
-                                    </p:animEffect>
-                                  </p:childTnLst>
-                                </p:cTn>
-                              </p:par>
-                              <p:par>
-                                <p:cTn id="13" presetID="10" presetClass="entr" presetSubtype="0" fill="hold" grpId="1" nodeType="withEffect">
-                                  <p:stCondLst>
-                                    <p:cond delay="0"/>
-                                  </p:stCondLst>
-                                  <p:childTnLst>
-                                    <p:set>
-                                      <p:cBhvr>
-                                        <p:cTn id="14" dur="1" fill="hold">
-                                          <p:stCondLst>
-                                            <p:cond delay="0"/>
-                                          </p:stCondLst>
-                                        </p:cTn>
-                                        <p:tgtEl>
-                                          <p:spTgt spid="4"/>
-                                        </p:tgtEl>
-                                        <p:attrNameLst>
-                                          <p:attrName>style.visibility</p:attrName>
-                                        </p:attrNameLst>
-                                      </p:cBhvr>
-                                      <p:to>
-                                        <p:strVal val="visible"/>
-                                      </p:to>
-                                    </p:set>
-                                    <p:animEffect transition="in" filter="fade">
-                                      <p:cBhvr>
-                                        <p:cTn id="15" dur="500"/>
-                                        <p:tgtEl>
-                                          <p:spTgt spid="4"/>
-                                        </p:tgtEl>
-                                      </p:cBhvr>
-                                    </p:animEffect>
-                                  </p:childTnLst>
-                                </p:cTn>
-                              </p:par>
-                            </p:childTnLst>
-                          </p:cTn>
-                        </p:par>
-                      </p:childTnLst>
-                    </p:cTn>
-                  </p:par>
                 </p:childTnLst>
               </p:cTn>
               <p:prevCondLst>
@@ -7040,15 +8494,11 @@
         </p:cTn>
       </p:par>
     </p:tnLst>
-    <p:bldLst>
-      <p:bldP spid="4" grpId="1" animBg="1"/>
-      <p:bldP spid="5" grpId="0"/>
-    </p:bldLst>
   </p:timing>
 </p:sld>
 </file>
 
-<file path=ppt/slides/slide14.xml><?xml version="1.0" encoding="utf-8"?>
+<file path=ppt/slides/slide16.xml><?xml version="1.0" encoding="utf-8"?>
 <p:sld xmlns:a="http://schemas.openxmlformats.org/drawingml/2006/main" xmlns:r="http://schemas.openxmlformats.org/officeDocument/2006/relationships" xmlns:p="http://schemas.openxmlformats.org/presentationml/2006/main">
   <p:cSld>
     <p:spTree>
@@ -7083,7 +8533,7 @@
             <a:fld id="{D7E63A33-8271-4DD0-9C48-789913D7C115}" type="slidenum">
               <a:rPr lang="en-US" smtClean="0"/>
               <a:pPr/>
-              <a:t>14</a:t>
+              <a:t>16</a:t>
             </a:fld>
             <a:endParaRPr lang="en-US"/>
           </a:p>
@@ -7443,44 +8893,37 @@
           <a:p>
             <a:r>
               <a:rPr lang="en-US" dirty="0" smtClean="0"/>
-              <a:t>Previous defense </a:t>
-            </a:r>
-            <a:r>
-              <a:rPr lang="en-US" dirty="0"/>
-              <a:t>systems for </a:t>
-            </a:r>
+              <a:t>Challenges</a:t>
+            </a:r>
+          </a:p>
+          <a:p>
+            <a:pPr lvl="1"/>
             <a:r>
               <a:rPr lang="en-US" dirty="0" smtClean="0"/>
-              <a:t>Hotmail</a:t>
+              <a:t>Hijacked accounts have mixed behaviors</a:t>
             </a:r>
           </a:p>
           <a:p>
             <a:pPr lvl="1"/>
             <a:r>
               <a:rPr lang="en-US" dirty="0" smtClean="0"/>
-              <a:t>Reputation system</a:t>
-            </a:r>
-          </a:p>
-          <a:p>
-            <a:pPr lvl="2"/>
+              <a:t>Attackers are evolving with counter-strategies</a:t>
+            </a:r>
+          </a:p>
+          <a:p>
+            <a:pPr lvl="1"/>
             <a:r>
               <a:rPr lang="en-US" dirty="0" smtClean="0"/>
-              <a:t>Attackers can easily game the system</a:t>
+              <a:t>No information known among external accounts</a:t>
             </a:r>
           </a:p>
           <a:p>
             <a:pPr lvl="1"/>
             <a:r>
               <a:rPr lang="en-US" dirty="0" smtClean="0"/>
-              <a:t>Geolocation-based detection system</a:t>
-            </a:r>
-          </a:p>
-          <a:p>
-            <a:pPr lvl="2"/>
-            <a:r>
-              <a:rPr lang="en-US" dirty="0"/>
-              <a:t>Attackers defeated it within 24 hours of deployment</a:t>
-            </a:r>
+              <a:t>Large scale data requires efficient parallel algorithms</a:t>
+            </a:r>
+            <a:endParaRPr lang="en-US" dirty="0"/>
           </a:p>
         </p:txBody>
       </p:sp>
@@ -7670,33 +9113,15 @@
                                   </p:childTnLst>
                                 </p:cTn>
                               </p:par>
-                            </p:childTnLst>
-                          </p:cTn>
-                        </p:par>
-                      </p:childTnLst>
-                    </p:cTn>
-                  </p:par>
-                  <p:par>
-                    <p:cTn id="14" fill="hold">
-                      <p:stCondLst>
-                        <p:cond delay="indefinite"/>
-                      </p:stCondLst>
-                      <p:childTnLst>
-                        <p:par>
-                          <p:cTn id="15" fill="hold">
-                            <p:stCondLst>
-                              <p:cond delay="0"/>
-                            </p:stCondLst>
-                            <p:childTnLst>
                               <p:par>
-                                <p:cTn id="16" presetID="10" presetClass="entr" presetSubtype="0" fill="hold" nodeType="clickEffect">
+                                <p:cTn id="14" presetID="10" presetClass="entr" presetSubtype="0" fill="hold" nodeType="withEffect">
                                   <p:stCondLst>
                                     <p:cond delay="0"/>
                                   </p:stCondLst>
                                   <p:childTnLst>
                                     <p:set>
                                       <p:cBhvr>
-                                        <p:cTn id="17" dur="1" fill="hold">
+                                        <p:cTn id="15" dur="1" fill="hold">
                                           <p:stCondLst>
                                             <p:cond delay="0"/>
                                           </p:stCondLst>
@@ -7704,7 +9129,7 @@
                                         <p:tgtEl>
                                           <p:spTgt spid="3">
                                             <p:txEl>
-                                              <p:pRg st="3" end="3"/>
+                                              <p:charRg st="170" end="208"/>
                                             </p:txEl>
                                           </p:spTgt>
                                         </p:tgtEl>
@@ -7718,11 +9143,11 @@
                                     </p:set>
                                     <p:animEffect transition="in" filter="fade">
                                       <p:cBhvr>
-                                        <p:cTn id="18" dur="500"/>
+                                        <p:cTn id="16" dur="500"/>
                                         <p:tgtEl>
                                           <p:spTgt spid="3">
                                             <p:txEl>
-                                              <p:pRg st="3" end="3"/>
+                                              <p:charRg st="170" end="208"/>
                                             </p:txEl>
                                           </p:spTgt>
                                         </p:tgtEl>
@@ -7732,14 +9157,14 @@
                                 </p:cTn>
                               </p:par>
                               <p:par>
-                                <p:cTn id="19" presetID="10" presetClass="entr" presetSubtype="0" fill="hold" nodeType="withEffect">
+                                <p:cTn id="17" presetID="10" presetClass="entr" presetSubtype="0" fill="hold" nodeType="withEffect">
                                   <p:stCondLst>
                                     <p:cond delay="0"/>
                                   </p:stCondLst>
                                   <p:childTnLst>
                                     <p:set>
                                       <p:cBhvr>
-                                        <p:cTn id="20" dur="1" fill="hold">
+                                        <p:cTn id="18" dur="1" fill="hold">
                                           <p:stCondLst>
                                             <p:cond delay="0"/>
                                           </p:stCondLst>
@@ -7747,7 +9172,7 @@
                                         <p:tgtEl>
                                           <p:spTgt spid="3">
                                             <p:txEl>
-                                              <p:pRg st="4" end="4"/>
+                                              <p:charRg st="249" end="292"/>
                                             </p:txEl>
                                           </p:spTgt>
                                         </p:tgtEl>
@@ -7761,158 +9186,11 @@
                                     </p:set>
                                     <p:animEffect transition="in" filter="fade">
                                       <p:cBhvr>
-                                        <p:cTn id="21" dur="500"/>
+                                        <p:cTn id="19" dur="500"/>
                                         <p:tgtEl>
                                           <p:spTgt spid="3">
                                             <p:txEl>
-                                              <p:pRg st="4" end="4"/>
-                                            </p:txEl>
-                                          </p:spTgt>
-                                        </p:tgtEl>
-                                      </p:cBhvr>
-                                    </p:animEffect>
-                                  </p:childTnLst>
-                                </p:cTn>
-                              </p:par>
-                              <p:par>
-                                <p:cTn id="22" presetID="10" presetClass="entr" presetSubtype="0" fill="hold" nodeType="withEffect">
-                                  <p:stCondLst>
-                                    <p:cond delay="0"/>
-                                  </p:stCondLst>
-                                  <p:childTnLst>
-                                    <p:set>
-                                      <p:cBhvr>
-                                        <p:cTn id="23" dur="1" fill="hold">
-                                          <p:stCondLst>
-                                            <p:cond delay="0"/>
-                                          </p:stCondLst>
-                                        </p:cTn>
-                                        <p:tgtEl>
-                                          <p:spTgt spid="3">
-                                            <p:txEl>
-                                              <p:pRg st="5" end="5"/>
-                                            </p:txEl>
-                                          </p:spTgt>
-                                        </p:tgtEl>
-                                        <p:attrNameLst>
-                                          <p:attrName>style.visibility</p:attrName>
-                                        </p:attrNameLst>
-                                      </p:cBhvr>
-                                      <p:to>
-                                        <p:strVal val="visible"/>
-                                      </p:to>
-                                    </p:set>
-                                    <p:animEffect transition="in" filter="fade">
-                                      <p:cBhvr>
-                                        <p:cTn id="24" dur="500"/>
-                                        <p:tgtEl>
-                                          <p:spTgt spid="3">
-                                            <p:txEl>
-                                              <p:pRg st="5" end="5"/>
-                                            </p:txEl>
-                                          </p:spTgt>
-                                        </p:tgtEl>
-                                      </p:cBhvr>
-                                    </p:animEffect>
-                                  </p:childTnLst>
-                                </p:cTn>
-                              </p:par>
-                            </p:childTnLst>
-                          </p:cTn>
-                        </p:par>
-                      </p:childTnLst>
-                    </p:cTn>
-                  </p:par>
-                  <p:par>
-                    <p:cTn id="25" fill="hold">
-                      <p:stCondLst>
-                        <p:cond delay="indefinite"/>
-                      </p:stCondLst>
-                      <p:childTnLst>
-                        <p:par>
-                          <p:cTn id="26" fill="hold">
-                            <p:stCondLst>
-                              <p:cond delay="0"/>
-                            </p:stCondLst>
-                            <p:childTnLst>
-                              <p:par>
-                                <p:cTn id="27" presetID="10" presetClass="entr" presetSubtype="0" fill="hold" nodeType="clickEffect">
-                                  <p:stCondLst>
-                                    <p:cond delay="0"/>
-                                  </p:stCondLst>
-                                  <p:childTnLst>
-                                    <p:set>
-                                      <p:cBhvr>
-                                        <p:cTn id="28" dur="1" fill="hold">
-                                          <p:stCondLst>
-                                            <p:cond delay="0"/>
-                                          </p:stCondLst>
-                                        </p:cTn>
-                                        <p:tgtEl>
-                                          <p:spTgt spid="3">
-                                            <p:txEl>
-                                              <p:pRg st="6" end="6"/>
-                                            </p:txEl>
-                                          </p:spTgt>
-                                        </p:tgtEl>
-                                        <p:attrNameLst>
-                                          <p:attrName>style.visibility</p:attrName>
-                                        </p:attrNameLst>
-                                      </p:cBhvr>
-                                      <p:to>
-                                        <p:strVal val="visible"/>
-                                      </p:to>
-                                    </p:set>
-                                    <p:animEffect transition="in" filter="fade">
-                                      <p:cBhvr>
-                                        <p:cTn id="29" dur="500"/>
-                                        <p:tgtEl>
-                                          <p:spTgt spid="3">
-                                            <p:txEl>
-                                              <p:pRg st="6" end="6"/>
-                                            </p:txEl>
-                                          </p:spTgt>
-                                        </p:tgtEl>
-                                      </p:cBhvr>
-                                    </p:animEffect>
-                                  </p:childTnLst>
-                                </p:cTn>
-                              </p:par>
-                              <p:par>
-                                <p:cTn id="30" presetID="10" presetClass="entr" presetSubtype="0" fill="hold" nodeType="withEffect">
-                                  <p:stCondLst>
-                                    <p:cond delay="0"/>
-                                  </p:stCondLst>
-                                  <p:childTnLst>
-                                    <p:set>
-                                      <p:cBhvr>
-                                        <p:cTn id="31" dur="1" fill="hold">
-                                          <p:stCondLst>
-                                            <p:cond delay="0"/>
-                                          </p:stCondLst>
-                                        </p:cTn>
-                                        <p:tgtEl>
-                                          <p:spTgt spid="3">
-                                            <p:txEl>
-                                              <p:pRg st="7" end="7"/>
-                                            </p:txEl>
-                                          </p:spTgt>
-                                        </p:tgtEl>
-                                        <p:attrNameLst>
-                                          <p:attrName>style.visibility</p:attrName>
-                                        </p:attrNameLst>
-                                      </p:cBhvr>
-                                      <p:to>
-                                        <p:strVal val="visible"/>
-                                      </p:to>
-                                    </p:set>
-                                    <p:animEffect transition="in" filter="fade">
-                                      <p:cBhvr>
-                                        <p:cTn id="32" dur="500"/>
-                                        <p:tgtEl>
-                                          <p:spTgt spid="3">
-                                            <p:txEl>
-                                              <p:pRg st="7" end="7"/>
+                                              <p:charRg st="249" end="292"/>
                                             </p:txEl>
                                           </p:spTgt>
                                         </p:tgtEl>
@@ -11823,11 +13101,15 @@
             <a:pPr lvl="0"/>
             <a:r>
               <a:rPr lang="en-US" dirty="0" smtClean="0"/>
-              <a:t>Good users receives </a:t>
+              <a:t>Good users </a:t>
+            </a:r>
+            <a:r>
+              <a:rPr lang="en-US" dirty="0" smtClean="0"/>
+              <a:t>send emails to other </a:t>
             </a:r>
             <a:r>
               <a:rPr lang="en-US" dirty="0"/>
-              <a:t>emails from other good users</a:t>
+              <a:t>good users</a:t>
             </a:r>
           </a:p>
           <a:p>
@@ -14229,18 +15511,18 @@
           <a:p>
             <a:pPr lvl="0"/>
             <a:r>
+              <a:rPr lang="en-US" dirty="0"/>
+              <a:t>Good users send emails to other good users</a:t>
+            </a:r>
+          </a:p>
+          <a:p>
+            <a:r>
               <a:rPr lang="en-US" dirty="0" smtClean="0"/>
-              <a:t>Good users receives </a:t>
-            </a:r>
-            <a:r>
-              <a:rPr lang="en-US" dirty="0"/>
-              <a:t>emails from other good users</a:t>
-            </a:r>
-          </a:p>
-          <a:p>
+              <a:t>Sending </a:t>
+            </a:r>
             <a:r>
               <a:rPr lang="en-US" dirty="0" smtClean="0"/>
-              <a:t>Sending emails to bad users is suspicious</a:t>
+              <a:t>emails to bad users is suspicious</a:t>
             </a:r>
           </a:p>
           <a:p>
@@ -14904,94 +16186,36 @@
           <a:chExt cx="0" cy="0"/>
         </a:xfrm>
       </p:grpSpPr>
-      <p:sp>
-        <p:nvSpPr>
-          <p:cNvPr id="2" name="Content Placeholder 1"/>
-          <p:cNvSpPr>
-            <a:spLocks noGrp="1"/>
-          </p:cNvSpPr>
+      <p:pic>
+        <p:nvPicPr>
+          <p:cNvPr id="4" name="Content Placeholder 3" descr="flow.eps"/>
+          <p:cNvPicPr>
+            <a:picLocks noGrp="1" noChangeAspect="1"/>
+          </p:cNvPicPr>
           <p:nvPr>
             <p:ph idx="1"/>
           </p:nvPr>
-        </p:nvSpPr>
-        <p:spPr/>
-        <p:txBody>
-          <a:bodyPr/>
-          <a:lstStyle/>
-          <a:p>
-            <a:r>
-              <a:rPr lang="en-US" dirty="0" smtClean="0"/>
-              <a:t>Goodness score</a:t>
-            </a:r>
-          </a:p>
-          <a:p>
-            <a:pPr lvl="1"/>
-            <a:r>
-              <a:rPr lang="en-US" dirty="0" smtClean="0"/>
-              <a:t>PageRank value in the directed social graph</a:t>
-            </a:r>
-          </a:p>
-          <a:p>
-            <a:r>
-              <a:rPr lang="en-US" dirty="0" smtClean="0"/>
-              <a:t>Badness score</a:t>
-            </a:r>
-          </a:p>
-          <a:p>
-            <a:pPr lvl="1"/>
-            <a:r>
-              <a:rPr lang="en-US" dirty="0" smtClean="0"/>
-              <a:t>PageRank value in the </a:t>
-            </a:r>
-            <a:r>
-              <a:rPr lang="en-US" dirty="0" smtClean="0">
-                <a:solidFill>
-                  <a:srgbClr val="FF0000"/>
-                </a:solidFill>
-              </a:rPr>
-              <a:t>reversed</a:t>
-            </a:r>
-            <a:r>
-              <a:rPr lang="en-US" dirty="0" smtClean="0"/>
-              <a:t> directed social graph</a:t>
-            </a:r>
-          </a:p>
-          <a:p>
-            <a:r>
-              <a:rPr lang="en-US" dirty="0" smtClean="0"/>
-              <a:t>Adjust </a:t>
-            </a:r>
-            <a:r>
-              <a:rPr lang="en-US" dirty="0"/>
-              <a:t>edge </a:t>
-            </a:r>
-            <a:r>
-              <a:rPr lang="en-US" dirty="0">
-                <a:solidFill>
-                  <a:srgbClr val="FF0000"/>
-                </a:solidFill>
-              </a:rPr>
-              <a:t>weights</a:t>
-            </a:r>
-            <a:r>
-              <a:rPr lang="en-US" dirty="0"/>
-              <a:t> based on </a:t>
-            </a:r>
-            <a:r>
-              <a:rPr lang="en-US" dirty="0" smtClean="0"/>
-              <a:t>email exchange patterns</a:t>
-            </a:r>
-          </a:p>
-          <a:p>
-            <a:pPr lvl="1"/>
-            <a:r>
-              <a:rPr lang="en-US" dirty="0" smtClean="0"/>
-              <a:t>Propagate more “goodness” to “good” users and more “badness” to “bad” users</a:t>
-            </a:r>
-            <a:endParaRPr lang="en-US" dirty="0"/>
-          </a:p>
-        </p:txBody>
-      </p:sp>
+        </p:nvPicPr>
+        <p:blipFill>
+          <a:blip r:embed="rId3">
+            <a:extLst>
+              <a:ext uri="{28A0092B-C50C-407E-A947-70E740481C1C}">
+                <a14:useLocalDpi xmlns:a14="http://schemas.microsoft.com/office/drawing/2010/main" val="0"/>
+              </a:ext>
+            </a:extLst>
+          </a:blip>
+          <a:srcRect t="-20355" b="-20355"/>
+          <a:stretch>
+            <a:fillRect/>
+          </a:stretch>
+        </p:blipFill>
+        <p:spPr>
+          <a:xfrm>
+            <a:off x="161650" y="1318787"/>
+            <a:ext cx="8887704" cy="4887895"/>
+          </a:xfrm>
+        </p:spPr>
+      </p:pic>
       <p:sp>
         <p:nvSpPr>
           <p:cNvPr id="3" name="Title 2"/>
@@ -15004,14 +16228,12 @@
         </p:nvSpPr>
         <p:spPr/>
         <p:txBody>
-          <a:bodyPr>
-            <a:normAutofit fontScale="90000"/>
-          </a:bodyPr>
+          <a:bodyPr/>
           <a:lstStyle/>
           <a:p>
             <a:r>
               <a:rPr lang="en-US" dirty="0" smtClean="0"/>
-              <a:t>Computing Goodness/Badness PageRank Score</a:t>
+              <a:t>Design of SocialWatch</a:t>
             </a:r>
             <a:endParaRPr lang="en-US" dirty="0"/>
           </a:p>
@@ -15020,7 +16242,7 @@
     </p:spTree>
     <p:extLst>
       <p:ext uri="{BB962C8B-B14F-4D97-AF65-F5344CB8AC3E}">
-        <p14:creationId xmlns:p14="http://schemas.microsoft.com/office/powerpoint/2010/main" val="1519427725"/>
+        <p14:creationId xmlns:p14="http://schemas.microsoft.com/office/powerpoint/2010/main" val="717073494"/>
       </p:ext>
     </p:extLst>
   </p:cSld>
@@ -15066,37 +16288,54 @@
         </p:nvSpPr>
         <p:spPr/>
         <p:txBody>
-          <a:bodyPr>
-            <a:normAutofit/>
-          </a:bodyPr>
+          <a:bodyPr/>
           <a:lstStyle/>
           <a:p>
             <a:r>
               <a:rPr lang="en-US" dirty="0" smtClean="0"/>
-              <a:t>Social features</a:t>
+              <a:t>Goodness score</a:t>
             </a:r>
           </a:p>
           <a:p>
             <a:pPr lvl="1"/>
             <a:r>
-              <a:rPr lang="en-US" dirty="0"/>
-              <a:t>Degree - </a:t>
-            </a:r>
-            <a:r>
               <a:rPr lang="en-US" dirty="0" smtClean="0"/>
-              <a:t>a </a:t>
-            </a:r>
-            <a:r>
-              <a:rPr lang="en-US" dirty="0">
+              <a:t>PageRank value in the directed social graph</a:t>
+            </a:r>
+          </a:p>
+          <a:p>
+            <a:r>
+              <a:rPr lang="en-US" dirty="0" smtClean="0"/>
+              <a:t>Badness score</a:t>
+            </a:r>
+          </a:p>
+          <a:p>
+            <a:pPr lvl="1"/>
+            <a:r>
+              <a:rPr lang="en-US" dirty="0" smtClean="0"/>
+              <a:t>PageRank value in the </a:t>
+            </a:r>
+            <a:r>
+              <a:rPr lang="en-US" dirty="0" smtClean="0">
                 <a:solidFill>
-                  <a:srgbClr val="3366FF"/>
+                  <a:srgbClr val="FF0000"/>
                 </a:solidFill>
               </a:rPr>
-              <a:t>local</a:t>
+              <a:t>reversed</a:t>
+            </a:r>
+            <a:r>
+              <a:rPr lang="en-US" dirty="0" smtClean="0"/>
+              <a:t> directed social graph</a:t>
+            </a:r>
+          </a:p>
+          <a:p>
+            <a:r>
+              <a:rPr lang="en-US" dirty="0" smtClean="0"/>
+              <a:t>Adjust </a:t>
             </a:r>
             <a:r>
               <a:rPr lang="en-US" dirty="0"/>
-              <a:t> graph feature that captures the </a:t>
+              <a:t>edge </a:t>
             </a:r>
             <a:r>
               <a:rPr lang="en-US" dirty="0">
@@ -15104,95 +16343,22 @@
                   <a:srgbClr val="FF0000"/>
                 </a:solidFill>
               </a:rPr>
-              <a:t>aggressiveness</a:t>
+              <a:t>weights</a:t>
             </a:r>
             <a:r>
               <a:rPr lang="en-US" dirty="0"/>
-              <a:t> </a:t>
+              <a:t> based on </a:t>
             </a:r>
             <a:r>
               <a:rPr lang="en-US" dirty="0" smtClean="0"/>
-              <a:t>of an account</a:t>
+              <a:t>email exchange patterns</a:t>
             </a:r>
           </a:p>
           <a:p>
             <a:pPr lvl="1"/>
             <a:r>
-              <a:rPr lang="en-US" dirty="0"/>
-              <a:t>PageRank - a </a:t>
-            </a:r>
-            <a:r>
-              <a:rPr lang="en-US" dirty="0">
-                <a:solidFill>
-                  <a:srgbClr val="3366FF"/>
-                </a:solidFill>
-              </a:rPr>
-              <a:t>global</a:t>
-            </a:r>
-            <a:r>
-              <a:rPr lang="en-US" dirty="0"/>
-              <a:t> graph feature that calculates </a:t>
-            </a:r>
-            <a:r>
               <a:rPr lang="en-US" dirty="0" smtClean="0"/>
-              <a:t>the weights </a:t>
-            </a:r>
-            <a:r>
-              <a:rPr lang="en-US" dirty="0"/>
-              <a:t>of the nodes on the overall </a:t>
-            </a:r>
-            <a:r>
-              <a:rPr lang="en-US" dirty="0" smtClean="0"/>
-              <a:t>graph</a:t>
-            </a:r>
-          </a:p>
-          <a:p>
-            <a:r>
-              <a:rPr lang="en-US" dirty="0" smtClean="0"/>
-              <a:t>Detection methods</a:t>
-            </a:r>
-          </a:p>
-          <a:p>
-            <a:pPr lvl="1"/>
-            <a:r>
-              <a:rPr lang="en-US" dirty="0"/>
-              <a:t>Identify aggressive spamming accounts with high </a:t>
-            </a:r>
-            <a:r>
-              <a:rPr lang="en-US" dirty="0" smtClean="0"/>
-              <a:t>out degrees and </a:t>
-            </a:r>
-            <a:r>
-              <a:rPr lang="en-US" dirty="0"/>
-              <a:t>low response </a:t>
-            </a:r>
-            <a:r>
-              <a:rPr lang="en-US" dirty="0" smtClean="0"/>
-              <a:t>rates</a:t>
-            </a:r>
-            <a:endParaRPr lang="en-US" dirty="0"/>
-          </a:p>
-          <a:p>
-            <a:pPr lvl="1"/>
-            <a:r>
-              <a:rPr lang="en-US" dirty="0" smtClean="0"/>
-              <a:t>Identify </a:t>
-            </a:r>
-            <a:r>
-              <a:rPr lang="en-US" dirty="0"/>
-              <a:t>less aggressive spamming accounts using the </a:t>
-            </a:r>
-            <a:r>
-              <a:rPr lang="en-US" dirty="0" smtClean="0"/>
-              <a:t>badness-goodness </a:t>
-            </a:r>
-            <a:r>
-              <a:rPr lang="en-US" dirty="0"/>
-              <a:t>PageRank </a:t>
-            </a:r>
-            <a:r>
-              <a:rPr lang="en-US" dirty="0" smtClean="0"/>
-              <a:t>ratio</a:t>
+              <a:t>Propagate more “goodness” to “good” users and more “badness” to “bad” users</a:t>
             </a:r>
             <a:endParaRPr lang="en-US" dirty="0"/>
           </a:p>
@@ -15216,16 +16382,17 @@
           <a:lstStyle/>
           <a:p>
             <a:r>
-              <a:rPr lang="en-US" dirty="0"/>
-              <a:t>Detecting Attacker-created Accounts</a:t>
-            </a:r>
+              <a:rPr lang="en-US" dirty="0" smtClean="0"/>
+              <a:t>Computing Goodness/Badness PageRank Score</a:t>
+            </a:r>
+            <a:endParaRPr lang="en-US" dirty="0"/>
           </a:p>
         </p:txBody>
       </p:sp>
     </p:spTree>
     <p:extLst>
       <p:ext uri="{BB962C8B-B14F-4D97-AF65-F5344CB8AC3E}">
-        <p14:creationId xmlns:p14="http://schemas.microsoft.com/office/powerpoint/2010/main" val="2640021754"/>
+        <p14:creationId xmlns:p14="http://schemas.microsoft.com/office/powerpoint/2010/main" val="1519427725"/>
       </p:ext>
     </p:extLst>
   </p:cSld>

--- a/slides/asiaccs_socialwatch.pptx
+++ b/slides/asiaccs_socialwatch.pptx
@@ -16,8 +16,8 @@
     <p:sldId id="260" r:id="rId7"/>
     <p:sldId id="272" r:id="rId8"/>
     <p:sldId id="273" r:id="rId9"/>
-    <p:sldId id="264" r:id="rId10"/>
-    <p:sldId id="257" r:id="rId11"/>
+    <p:sldId id="257" r:id="rId10"/>
+    <p:sldId id="275" r:id="rId11"/>
     <p:sldId id="265" r:id="rId12"/>
     <p:sldId id="274" r:id="rId13"/>
     <p:sldId id="266" r:id="rId14"/>
@@ -535,6 +535,21 @@
           <a:p>
             <a:r>
               <a:rPr lang="en-US" dirty="0" smtClean="0"/>
+              <a:t>(Done during internship) </a:t>
+            </a:r>
+          </a:p>
+          <a:p>
+            <a:r>
+              <a:rPr lang="en-US" dirty="0" smtClean="0"/>
+              <a:t>Do not read name</a:t>
+            </a:r>
+          </a:p>
+          <a:p>
+            <a:endParaRPr lang="en-US" dirty="0" smtClean="0"/>
+          </a:p>
+          <a:p>
+            <a:r>
+              <a:rPr lang="en-US" dirty="0" smtClean="0"/>
               <a:t>Today I’m very happy to present our work “SocialWatch: detection of online</a:t>
             </a:r>
             <a:r>
@@ -641,54 +656,29 @@
           <a:p>
             <a:r>
               <a:rPr lang="en-US" dirty="0" smtClean="0"/>
-              <a:t>In order to detect attacker-created</a:t>
+              <a:t>For detecting attacker-created</a:t>
             </a:r>
             <a:r>
               <a:rPr lang="en-US" baseline="0" dirty="0" smtClean="0"/>
-              <a:t> accounts, SocialWatch first uses two graph features.</a:t>
+              <a:t> accounts, we compute a goodness score and badness score for each account based on PageRank algorithms.</a:t>
             </a:r>
           </a:p>
           <a:p>
             <a:r>
               <a:rPr lang="en-US" baseline="0" dirty="0" smtClean="0"/>
-              <a:t>Degree is a local graph feature which captures the sending/receiving of an account.</a:t>
+              <a:t>The goodness is in the directed social graph to capture importance of a user in receiving email.</a:t>
             </a:r>
           </a:p>
           <a:p>
             <a:r>
               <a:rPr lang="en-US" baseline="0" dirty="0" smtClean="0"/>
-              <a:t>SocialWatch also uses the aforementioned </a:t>
-            </a:r>
-            <a:r>
-              <a:rPr lang="en-US" baseline="0" dirty="0" err="1" smtClean="0"/>
-              <a:t>pagerank</a:t>
-            </a:r>
+              <a:t>The badness is the reversed directed social for evaluating the importance of a user in sending email.</a:t>
+            </a:r>
+          </a:p>
+          <a:p>
             <a:r>
               <a:rPr lang="en-US" baseline="0" dirty="0" smtClean="0"/>
-              <a:t> scores to capture the global weight of a node in the overall graph.</a:t>
-            </a:r>
-          </a:p>
-          <a:p>
-            <a:endParaRPr lang="en-US" baseline="0" dirty="0" smtClean="0"/>
-          </a:p>
-          <a:p>
-            <a:r>
-              <a:rPr lang="en-US" baseline="0" dirty="0" smtClean="0"/>
-              <a:t>SocialWatch will first identify the more aggressive spamming accounts with high out degree and low response rates.</a:t>
-            </a:r>
-          </a:p>
-          <a:p>
-            <a:r>
-              <a:rPr lang="en-US" baseline="0" dirty="0" smtClean="0"/>
-              <a:t>And then detect </a:t>
-            </a:r>
-            <a:r>
-              <a:rPr lang="en-US" baseline="0" dirty="0" err="1" smtClean="0"/>
-              <a:t>elss</a:t>
-            </a:r>
-            <a:r>
-              <a:rPr lang="en-US" baseline="0" dirty="0" smtClean="0"/>
-              <a:t> aggressive spamming accounts using the badness-goodness ratio</a:t>
+              <a:t>We made adjustments to edge weight based on email exchange pattern so that more goodness is propagated to good users and more badness is propagated to bad users.</a:t>
             </a:r>
             <a:endParaRPr lang="en-US" dirty="0"/>
           </a:p>
@@ -720,7 +710,7 @@
     </p:spTree>
     <p:extLst>
       <p:ext uri="{BB962C8B-B14F-4D97-AF65-F5344CB8AC3E}">
-        <p14:creationId xmlns:p14="http://schemas.microsoft.com/office/powerpoint/2010/main" val="2661222862"/>
+        <p14:creationId xmlns:p14="http://schemas.microsoft.com/office/powerpoint/2010/main" val="2462340917"/>
       </p:ext>
     </p:extLst>
   </p:cSld>
@@ -913,6 +903,35 @@
               <a:rPr lang="en-US" baseline="0" dirty="0" smtClean="0"/>
               <a:t>Notice that computing all pair-wise shortest paths for large-scale graphs is very challenging and in the paper, we talked about how we calculate it with the help of an approximation algorithms.</a:t>
             </a:r>
+          </a:p>
+          <a:p>
+            <a:endParaRPr lang="en-US" baseline="0" dirty="0" smtClean="0"/>
+          </a:p>
+          <a:p>
+            <a:r>
+              <a:rPr lang="en-US" baseline="0" dirty="0" smtClean="0"/>
+              <a:t>(for non-</a:t>
+            </a:r>
+            <a:r>
+              <a:rPr lang="en-US" baseline="0" dirty="0" err="1" smtClean="0"/>
+              <a:t>hotmail</a:t>
+            </a:r>
+            <a:r>
+              <a:rPr lang="en-US" baseline="0" dirty="0" smtClean="0"/>
+              <a:t> users, there is no direct connection </a:t>
+            </a:r>
+            <a:r>
+              <a:rPr lang="en-US" baseline="0" dirty="0" err="1" smtClean="0"/>
+              <a:t>avaiable</a:t>
+            </a:r>
+            <a:r>
+              <a:rPr lang="en-US" baseline="0" dirty="0" smtClean="0"/>
+              <a:t> in </a:t>
+            </a:r>
+            <a:r>
+              <a:rPr lang="en-US" baseline="0" smtClean="0"/>
+              <a:t>our data set)</a:t>
+            </a:r>
             <a:endParaRPr lang="en-US" dirty="0"/>
           </a:p>
         </p:txBody>
@@ -1469,13 +1488,13 @@
             </a:r>
             <a:r>
               <a:rPr lang="en-US" baseline="0" dirty="0" smtClean="0"/>
-              <a:t>, there are about 20% to 50% malicious accounts, and hundreds of millions of them are attacker-created accounts for sending spamming emails, and other malicious contents.</a:t>
+              <a:t>, there are a large number malicious accounts, and most of them them are attacker-created accounts for sending spamming emails, and other malicious contents.</a:t>
             </a:r>
           </a:p>
           <a:p>
             <a:r>
               <a:rPr lang="en-US" baseline="0" dirty="0" smtClean="0"/>
-              <a:t>There are also many hijacked accounts, that originally belong to legitimate users, and later got compromised by attackers. There are millions of such hijacked accounts known.</a:t>
+              <a:t>There are also many hijacked accounts, that originally belong to legitimate users, and later got compromised by attackers, many of these hijacked remain unknown.</a:t>
             </a:r>
           </a:p>
           <a:p>
@@ -1748,7 +1767,7 @@
           <a:p>
             <a:r>
               <a:rPr lang="en-US" baseline="0" dirty="0" smtClean="0"/>
-              <a:t>If two users mutually send/receive emails from each other, we use undirected edge to represent their friendship.</a:t>
+              <a:t>If two users mutually send/receive emails from each other, we use undirected edge to represent their friendship. (at least 2 emails)</a:t>
             </a:r>
             <a:endParaRPr lang="en-US" dirty="0"/>
           </a:p>
@@ -1972,6 +1991,15 @@
               <a:t>If we use graph connectivity to define a good user community, it is hard for bad users to enter the good user community as they can’t make the good users to connect with them</a:t>
             </a:r>
           </a:p>
+          <a:p>
+            <a:endParaRPr lang="en-US" baseline="0" dirty="0" smtClean="0"/>
+          </a:p>
+          <a:p>
+            <a:r>
+              <a:rPr lang="en-US" baseline="0" dirty="0" smtClean="0"/>
+              <a:t>Pop up (connect with slide 8)</a:t>
+            </a:r>
+          </a:p>
         </p:txBody>
       </p:sp>
       <p:sp>
@@ -2286,29 +2314,54 @@
           <a:p>
             <a:r>
               <a:rPr lang="en-US" dirty="0" smtClean="0"/>
-              <a:t>For detecting attacker-created</a:t>
+              <a:t>In order to detect attacker-created</a:t>
             </a:r>
             <a:r>
               <a:rPr lang="en-US" baseline="0" dirty="0" smtClean="0"/>
-              <a:t> accounts, we compute a goodness score and badness score for each account based on PageRank algorithms.</a:t>
+              <a:t> accounts, SocialWatch first uses two graph features.</a:t>
             </a:r>
           </a:p>
           <a:p>
             <a:r>
               <a:rPr lang="en-US" baseline="0" dirty="0" smtClean="0"/>
-              <a:t>The goodness is in the directed social graph to capture importance of a user in receiving email.</a:t>
+              <a:t>Degree is a local graph feature which captures the sending/receiving of an account.</a:t>
             </a:r>
           </a:p>
           <a:p>
             <a:r>
               <a:rPr lang="en-US" baseline="0" dirty="0" smtClean="0"/>
-              <a:t>The badness is the reversed directed social for evaluating the importance of a user in sending email.</a:t>
-            </a:r>
-          </a:p>
-          <a:p>
+              <a:t>SocialWatch also uses the aforementioned </a:t>
+            </a:r>
+            <a:r>
+              <a:rPr lang="en-US" baseline="0" dirty="0" err="1" smtClean="0"/>
+              <a:t>pagerank</a:t>
+            </a:r>
             <a:r>
               <a:rPr lang="en-US" baseline="0" dirty="0" smtClean="0"/>
-              <a:t>We made adjustments to edge weight based on email exchange pattern so that more goodness is propagated to good users and more badness is propagated to bad users.</a:t>
+              <a:t> scores to capture the global weight of a node in the overall graph.</a:t>
+            </a:r>
+          </a:p>
+          <a:p>
+            <a:endParaRPr lang="en-US" baseline="0" dirty="0" smtClean="0"/>
+          </a:p>
+          <a:p>
+            <a:r>
+              <a:rPr lang="en-US" baseline="0" dirty="0" smtClean="0"/>
+              <a:t>SocialWatch will first identify the more aggressive spamming accounts with high out degree and low response rates.</a:t>
+            </a:r>
+          </a:p>
+          <a:p>
+            <a:r>
+              <a:rPr lang="en-US" baseline="0" dirty="0" smtClean="0"/>
+              <a:t>And then detect </a:t>
+            </a:r>
+            <a:r>
+              <a:rPr lang="en-US" baseline="0" dirty="0" err="1" smtClean="0"/>
+              <a:t>elss</a:t>
+            </a:r>
+            <a:r>
+              <a:rPr lang="en-US" baseline="0" dirty="0" smtClean="0"/>
+              <a:t> aggressive spamming accounts using the badness-goodness ratio</a:t>
             </a:r>
             <a:endParaRPr lang="en-US" dirty="0"/>
           </a:p>
@@ -2340,7 +2393,7 @@
     </p:spTree>
     <p:extLst>
       <p:ext uri="{BB962C8B-B14F-4D97-AF65-F5344CB8AC3E}">
-        <p14:creationId xmlns:p14="http://schemas.microsoft.com/office/powerpoint/2010/main" val="2462340917"/>
+        <p14:creationId xmlns:p14="http://schemas.microsoft.com/office/powerpoint/2010/main" val="2661222862"/>
       </p:ext>
     </p:extLst>
   </p:cSld>
@@ -7154,37 +7207,32 @@
         </p:nvSpPr>
         <p:spPr/>
         <p:txBody>
-          <a:bodyPr>
-            <a:normAutofit/>
-          </a:bodyPr>
+          <a:bodyPr/>
           <a:lstStyle/>
           <a:p>
             <a:r>
               <a:rPr lang="en-US" dirty="0" smtClean="0"/>
-              <a:t>Social features</a:t>
+              <a:t>Goodness score</a:t>
             </a:r>
           </a:p>
           <a:p>
             <a:pPr lvl="1"/>
             <a:r>
-              <a:rPr lang="en-US" dirty="0"/>
-              <a:t>Degree - </a:t>
-            </a:r>
-            <a:r>
               <a:rPr lang="en-US" dirty="0" smtClean="0"/>
-              <a:t>a </a:t>
-            </a:r>
-            <a:r>
-              <a:rPr lang="en-US" dirty="0">
-                <a:solidFill>
-                  <a:srgbClr val="3366FF"/>
-                </a:solidFill>
-              </a:rPr>
-              <a:t>local</a:t>
-            </a:r>
-            <a:r>
-              <a:rPr lang="en-US" dirty="0"/>
-              <a:t> graph feature that captures the </a:t>
+              <a:t>PageRank value in the directed social graph</a:t>
+            </a:r>
+          </a:p>
+          <a:p>
+            <a:r>
+              <a:rPr lang="en-US" dirty="0" smtClean="0"/>
+              <a:t>Badness score</a:t>
+            </a:r>
+          </a:p>
+          <a:p>
+            <a:pPr lvl="1"/>
+            <a:r>
+              <a:rPr lang="en-US" dirty="0" smtClean="0"/>
+              <a:t>PageRank value in the </a:t>
             </a:r>
             <a:r>
               <a:rPr lang="en-US" dirty="0" smtClean="0">
@@ -7192,99 +7240,44 @@
                   <a:srgbClr val="FF0000"/>
                 </a:solidFill>
               </a:rPr>
-              <a:t>sending/receiving </a:t>
+              <a:t>reversed</a:t>
             </a:r>
             <a:r>
               <a:rPr lang="en-US" dirty="0" smtClean="0"/>
-              <a:t>behavior of an account</a:t>
-            </a:r>
-          </a:p>
-          <a:p>
-            <a:pPr lvl="1"/>
+              <a:t> directed social graph</a:t>
+            </a:r>
+          </a:p>
+          <a:p>
+            <a:r>
+              <a:rPr lang="en-US" dirty="0" smtClean="0"/>
+              <a:t>Adjust </a:t>
+            </a:r>
             <a:r>
               <a:rPr lang="en-US" dirty="0"/>
-              <a:t>PageRank - a </a:t>
+              <a:t>edge </a:t>
             </a:r>
             <a:r>
               <a:rPr lang="en-US" dirty="0">
                 <a:solidFill>
-                  <a:srgbClr val="3366FF"/>
+                  <a:srgbClr val="FF0000"/>
                 </a:solidFill>
               </a:rPr>
-              <a:t>global</a:t>
+              <a:t>weights</a:t>
             </a:r>
             <a:r>
               <a:rPr lang="en-US" dirty="0"/>
-              <a:t> graph feature that calculates </a:t>
+              <a:t> based on </a:t>
             </a:r>
             <a:r>
               <a:rPr lang="en-US" dirty="0" smtClean="0"/>
-              <a:t>the weight </a:t>
-            </a:r>
-            <a:r>
-              <a:rPr lang="en-US" dirty="0"/>
-              <a:t>of </a:t>
-            </a:r>
+              <a:t>email exchange patterns</a:t>
+            </a:r>
+          </a:p>
+          <a:p>
+            <a:pPr lvl="1"/>
             <a:r>
               <a:rPr lang="en-US" dirty="0" smtClean="0"/>
-              <a:t>a node on </a:t>
-            </a:r>
-            <a:r>
-              <a:rPr lang="en-US" dirty="0"/>
-              <a:t>the overall </a:t>
-            </a:r>
-            <a:r>
-              <a:rPr lang="en-US" dirty="0" smtClean="0"/>
-              <a:t>graph</a:t>
-            </a:r>
-          </a:p>
-          <a:p>
-            <a:r>
-              <a:rPr lang="en-US" dirty="0" smtClean="0"/>
-              <a:t>Detection methods</a:t>
-            </a:r>
-          </a:p>
-          <a:p>
-            <a:pPr lvl="1"/>
-            <a:r>
-              <a:rPr lang="en-US" dirty="0"/>
-              <a:t>Identify aggressive spamming accounts with high </a:t>
-            </a:r>
-            <a:r>
-              <a:rPr lang="en-US" dirty="0" smtClean="0"/>
-              <a:t>out degrees and </a:t>
-            </a:r>
-            <a:r>
-              <a:rPr lang="en-US" dirty="0"/>
-              <a:t>low response </a:t>
-            </a:r>
-            <a:r>
-              <a:rPr lang="en-US" dirty="0" smtClean="0"/>
-              <a:t>rates</a:t>
-            </a:r>
-            <a:endParaRPr lang="en-US" dirty="0"/>
-          </a:p>
-          <a:p>
-            <a:pPr lvl="1"/>
-            <a:r>
-              <a:rPr lang="en-US" dirty="0" smtClean="0"/>
-              <a:t>Identify </a:t>
-            </a:r>
-            <a:r>
-              <a:rPr lang="en-US" dirty="0"/>
-              <a:t>less aggressive spamming accounts using the </a:t>
-            </a:r>
-            <a:r>
-              <a:rPr lang="en-US" dirty="0" smtClean="0"/>
-              <a:t>badness-goodness </a:t>
-            </a:r>
-            <a:r>
-              <a:rPr lang="en-US" dirty="0"/>
-              <a:t>PageRank </a:t>
-            </a:r>
-            <a:r>
-              <a:rPr lang="en-US" dirty="0" smtClean="0"/>
-              <a:t>ratio</a:t>
+              <a:t>Propagate more “goodness” to “good” users and more “badness” to “bad” users</a:t>
             </a:r>
             <a:endParaRPr lang="en-US" dirty="0"/>
           </a:p>
@@ -7308,16 +7301,17 @@
           <a:lstStyle/>
           <a:p>
             <a:r>
-              <a:rPr lang="en-US" dirty="0"/>
-              <a:t>Detecting Attacker-created Accounts</a:t>
-            </a:r>
+              <a:rPr lang="en-US" dirty="0" smtClean="0"/>
+              <a:t>Computing Goodness/Badness PageRank Score</a:t>
+            </a:r>
+            <a:endParaRPr lang="en-US" dirty="0"/>
           </a:p>
         </p:txBody>
       </p:sp>
     </p:spTree>
     <p:extLst>
       <p:ext uri="{BB962C8B-B14F-4D97-AF65-F5344CB8AC3E}">
-        <p14:creationId xmlns:p14="http://schemas.microsoft.com/office/powerpoint/2010/main" val="2640021754"/>
+        <p14:creationId xmlns:p14="http://schemas.microsoft.com/office/powerpoint/2010/main" val="1156902761"/>
       </p:ext>
     </p:extLst>
   </p:cSld>
@@ -8819,29 +8813,17 @@
         </p:spPr>
         <p:txBody>
           <a:bodyPr>
-            <a:normAutofit/>
+            <a:normAutofit fontScale="70000" lnSpcReduction="20000"/>
           </a:bodyPr>
           <a:lstStyle/>
           <a:p>
             <a:r>
               <a:rPr lang="en-US" dirty="0" smtClean="0"/>
-              <a:t>Malicious accounts in Hotmail (</a:t>
+              <a:t>Malicious accounts in </a:t>
             </a:r>
             <a:r>
               <a:rPr lang="en-US" dirty="0" smtClean="0"/>
-              <a:t>est. </a:t>
-            </a:r>
-            <a:r>
-              <a:rPr lang="en-US" dirty="0" smtClean="0">
-                <a:solidFill>
-                  <a:srgbClr val="FF0000"/>
-                </a:solidFill>
-              </a:rPr>
-              <a:t>20% – 50%</a:t>
-            </a:r>
-            <a:r>
-              <a:rPr lang="en-US" dirty="0" smtClean="0"/>
-              <a:t>)</a:t>
+              <a:t>Hotmail</a:t>
             </a:r>
           </a:p>
           <a:p>
@@ -8856,39 +8838,55 @@
             </a:r>
             <a:r>
               <a:rPr lang="en-US" dirty="0" smtClean="0"/>
-              <a:t>accounts (</a:t>
-            </a:r>
-            <a:r>
-              <a:rPr lang="en-US" dirty="0" smtClean="0">
-                <a:solidFill>
-                  <a:srgbClr val="FF0000"/>
-                </a:solidFill>
-              </a:rPr>
-              <a:t>hundreds of millions</a:t>
-            </a:r>
+              <a:t>accounts</a:t>
+            </a:r>
+          </a:p>
+          <a:p>
+            <a:pPr lvl="1"/>
             <a:r>
               <a:rPr lang="en-US" dirty="0" smtClean="0"/>
-              <a:t>)</a:t>
+              <a:t>Hijacked accounts</a:t>
             </a:r>
           </a:p>
           <a:p>
             <a:pPr lvl="1"/>
             <a:r>
               <a:rPr lang="en-US" dirty="0" smtClean="0"/>
-              <a:t>Hijacked accounts (</a:t>
-            </a:r>
-            <a:r>
-              <a:rPr lang="en-US" dirty="0" smtClean="0">
-                <a:solidFill>
-                  <a:srgbClr val="FF0000"/>
-                </a:solidFill>
-              </a:rPr>
-              <a:t>several millions known</a:t>
-            </a:r>
+              <a:t>Attackers are constantly evolving constant strategies</a:t>
+            </a:r>
+          </a:p>
+          <a:p>
             <a:r>
               <a:rPr lang="en-US" dirty="0" smtClean="0"/>
-              <a:t>)</a:t>
-            </a:r>
+              <a:t>The power of social graph</a:t>
+            </a:r>
+          </a:p>
+          <a:p>
+            <a:pPr lvl="1"/>
+            <a:r>
+              <a:rPr lang="en-US" dirty="0" smtClean="0"/>
+              <a:t>Some people recognize graph</a:t>
+            </a:r>
+          </a:p>
+          <a:p>
+            <a:r>
+              <a:rPr lang="en-US" dirty="0" smtClean="0"/>
+              <a:t>Challenge</a:t>
+            </a:r>
+          </a:p>
+          <a:p>
+            <a:pPr lvl="1"/>
+            <a:endParaRPr lang="en-US" dirty="0"/>
+          </a:p>
+          <a:p>
+            <a:endParaRPr lang="en-US" dirty="0" smtClean="0"/>
+          </a:p>
+          <a:p>
+            <a:r>
+              <a:rPr lang="en-US" dirty="0" smtClean="0"/>
+              <a:t>Highlight using local/global graph features (contribution, our contribution)</a:t>
+            </a:r>
+            <a:endParaRPr lang="en-US" dirty="0" smtClean="0"/>
           </a:p>
           <a:p>
             <a:r>
@@ -9129,7 +9127,7 @@
                                         <p:tgtEl>
                                           <p:spTgt spid="3">
                                             <p:txEl>
-                                              <p:charRg st="170" end="208"/>
+                                              <p:pRg st="3" end="3"/>
                                             </p:txEl>
                                           </p:spTgt>
                                         </p:tgtEl>
@@ -9147,7 +9145,7 @@
                                         <p:tgtEl>
                                           <p:spTgt spid="3">
                                             <p:txEl>
-                                              <p:charRg st="170" end="208"/>
+                                              <p:pRg st="3" end="3"/>
                                             </p:txEl>
                                           </p:spTgt>
                                         </p:tgtEl>
@@ -9172,6 +9170,264 @@
                                         <p:tgtEl>
                                           <p:spTgt spid="3">
                                             <p:txEl>
+                                              <p:pRg st="4" end="4"/>
+                                            </p:txEl>
+                                          </p:spTgt>
+                                        </p:tgtEl>
+                                        <p:attrNameLst>
+                                          <p:attrName>style.visibility</p:attrName>
+                                        </p:attrNameLst>
+                                      </p:cBhvr>
+                                      <p:to>
+                                        <p:strVal val="visible"/>
+                                      </p:to>
+                                    </p:set>
+                                    <p:animEffect transition="in" filter="fade">
+                                      <p:cBhvr>
+                                        <p:cTn id="19" dur="500"/>
+                                        <p:tgtEl>
+                                          <p:spTgt spid="3">
+                                            <p:txEl>
+                                              <p:pRg st="4" end="4"/>
+                                            </p:txEl>
+                                          </p:spTgt>
+                                        </p:tgtEl>
+                                      </p:cBhvr>
+                                    </p:animEffect>
+                                  </p:childTnLst>
+                                </p:cTn>
+                              </p:par>
+                              <p:par>
+                                <p:cTn id="20" presetID="10" presetClass="entr" presetSubtype="0" fill="hold" nodeType="withEffect">
+                                  <p:stCondLst>
+                                    <p:cond delay="0"/>
+                                  </p:stCondLst>
+                                  <p:childTnLst>
+                                    <p:set>
+                                      <p:cBhvr>
+                                        <p:cTn id="21" dur="1" fill="hold">
+                                          <p:stCondLst>
+                                            <p:cond delay="0"/>
+                                          </p:stCondLst>
+                                        </p:cTn>
+                                        <p:tgtEl>
+                                          <p:spTgt spid="3">
+                                            <p:txEl>
+                                              <p:pRg st="5" end="5"/>
+                                            </p:txEl>
+                                          </p:spTgt>
+                                        </p:tgtEl>
+                                        <p:attrNameLst>
+                                          <p:attrName>style.visibility</p:attrName>
+                                        </p:attrNameLst>
+                                      </p:cBhvr>
+                                      <p:to>
+                                        <p:strVal val="visible"/>
+                                      </p:to>
+                                    </p:set>
+                                    <p:animEffect transition="in" filter="fade">
+                                      <p:cBhvr>
+                                        <p:cTn id="22" dur="500"/>
+                                        <p:tgtEl>
+                                          <p:spTgt spid="3">
+                                            <p:txEl>
+                                              <p:pRg st="5" end="5"/>
+                                            </p:txEl>
+                                          </p:spTgt>
+                                        </p:tgtEl>
+                                      </p:cBhvr>
+                                    </p:animEffect>
+                                  </p:childTnLst>
+                                </p:cTn>
+                              </p:par>
+                              <p:par>
+                                <p:cTn id="23" presetID="10" presetClass="entr" presetSubtype="0" fill="hold" nodeType="withEffect">
+                                  <p:stCondLst>
+                                    <p:cond delay="0"/>
+                                  </p:stCondLst>
+                                  <p:childTnLst>
+                                    <p:set>
+                                      <p:cBhvr>
+                                        <p:cTn id="24" dur="1" fill="hold">
+                                          <p:stCondLst>
+                                            <p:cond delay="0"/>
+                                          </p:stCondLst>
+                                        </p:cTn>
+                                        <p:tgtEl>
+                                          <p:spTgt spid="3">
+                                            <p:txEl>
+                                              <p:pRg st="6" end="6"/>
+                                            </p:txEl>
+                                          </p:spTgt>
+                                        </p:tgtEl>
+                                        <p:attrNameLst>
+                                          <p:attrName>style.visibility</p:attrName>
+                                        </p:attrNameLst>
+                                      </p:cBhvr>
+                                      <p:to>
+                                        <p:strVal val="visible"/>
+                                      </p:to>
+                                    </p:set>
+                                    <p:animEffect transition="in" filter="fade">
+                                      <p:cBhvr>
+                                        <p:cTn id="25" dur="500"/>
+                                        <p:tgtEl>
+                                          <p:spTgt spid="3">
+                                            <p:txEl>
+                                              <p:pRg st="6" end="6"/>
+                                            </p:txEl>
+                                          </p:spTgt>
+                                        </p:tgtEl>
+                                      </p:cBhvr>
+                                    </p:animEffect>
+                                  </p:childTnLst>
+                                </p:cTn>
+                              </p:par>
+                              <p:par>
+                                <p:cTn id="26" presetID="10" presetClass="entr" presetSubtype="0" fill="hold" nodeType="withEffect">
+                                  <p:stCondLst>
+                                    <p:cond delay="0"/>
+                                  </p:stCondLst>
+                                  <p:childTnLst>
+                                    <p:set>
+                                      <p:cBhvr>
+                                        <p:cTn id="27" dur="1" fill="hold">
+                                          <p:stCondLst>
+                                            <p:cond delay="0"/>
+                                          </p:stCondLst>
+                                        </p:cTn>
+                                        <p:tgtEl>
+                                          <p:spTgt spid="3">
+                                            <p:txEl>
+                                              <p:pRg st="9" end="9"/>
+                                            </p:txEl>
+                                          </p:spTgt>
+                                        </p:tgtEl>
+                                        <p:attrNameLst>
+                                          <p:attrName>style.visibility</p:attrName>
+                                        </p:attrNameLst>
+                                      </p:cBhvr>
+                                      <p:to>
+                                        <p:strVal val="visible"/>
+                                      </p:to>
+                                    </p:set>
+                                    <p:animEffect transition="in" filter="fade">
+                                      <p:cBhvr>
+                                        <p:cTn id="28" dur="500"/>
+                                        <p:tgtEl>
+                                          <p:spTgt spid="3">
+                                            <p:txEl>
+                                              <p:pRg st="9" end="9"/>
+                                            </p:txEl>
+                                          </p:spTgt>
+                                        </p:tgtEl>
+                                      </p:cBhvr>
+                                    </p:animEffect>
+                                  </p:childTnLst>
+                                </p:cTn>
+                              </p:par>
+                              <p:par>
+                                <p:cTn id="29" presetID="10" presetClass="entr" presetSubtype="0" fill="hold" nodeType="withEffect">
+                                  <p:stCondLst>
+                                    <p:cond delay="0"/>
+                                  </p:stCondLst>
+                                  <p:childTnLst>
+                                    <p:set>
+                                      <p:cBhvr>
+                                        <p:cTn id="30" dur="1" fill="hold">
+                                          <p:stCondLst>
+                                            <p:cond delay="0"/>
+                                          </p:stCondLst>
+                                        </p:cTn>
+                                        <p:tgtEl>
+                                          <p:spTgt spid="3">
+                                            <p:txEl>
+                                              <p:pRg st="10" end="10"/>
+                                            </p:txEl>
+                                          </p:spTgt>
+                                        </p:tgtEl>
+                                        <p:attrNameLst>
+                                          <p:attrName>style.visibility</p:attrName>
+                                        </p:attrNameLst>
+                                      </p:cBhvr>
+                                      <p:to>
+                                        <p:strVal val="visible"/>
+                                      </p:to>
+                                    </p:set>
+                                    <p:animEffect transition="in" filter="fade">
+                                      <p:cBhvr>
+                                        <p:cTn id="31" dur="500"/>
+                                        <p:tgtEl>
+                                          <p:spTgt spid="3">
+                                            <p:txEl>
+                                              <p:pRg st="10" end="10"/>
+                                            </p:txEl>
+                                          </p:spTgt>
+                                        </p:tgtEl>
+                                      </p:cBhvr>
+                                    </p:animEffect>
+                                  </p:childTnLst>
+                                </p:cTn>
+                              </p:par>
+                              <p:par>
+                                <p:cTn id="32" presetID="10" presetClass="entr" presetSubtype="0" fill="hold" nodeType="withEffect">
+                                  <p:stCondLst>
+                                    <p:cond delay="0"/>
+                                  </p:stCondLst>
+                                  <p:childTnLst>
+                                    <p:set>
+                                      <p:cBhvr>
+                                        <p:cTn id="33" dur="1" fill="hold">
+                                          <p:stCondLst>
+                                            <p:cond delay="0"/>
+                                          </p:stCondLst>
+                                        </p:cTn>
+                                        <p:tgtEl>
+                                          <p:spTgt spid="3">
+                                            <p:txEl>
+                                              <p:charRg st="170" end="208"/>
+                                            </p:txEl>
+                                          </p:spTgt>
+                                        </p:tgtEl>
+                                        <p:attrNameLst>
+                                          <p:attrName>style.visibility</p:attrName>
+                                        </p:attrNameLst>
+                                      </p:cBhvr>
+                                      <p:to>
+                                        <p:strVal val="visible"/>
+                                      </p:to>
+                                    </p:set>
+                                    <p:animEffect transition="in" filter="fade">
+                                      <p:cBhvr>
+                                        <p:cTn id="34" dur="500"/>
+                                        <p:tgtEl>
+                                          <p:spTgt spid="3">
+                                            <p:txEl>
+                                              <p:charRg st="170" end="208"/>
+                                            </p:txEl>
+                                          </p:spTgt>
+                                        </p:tgtEl>
+                                      </p:cBhvr>
+                                    </p:animEffect>
+                                  </p:childTnLst>
+                                </p:cTn>
+                              </p:par>
+                              <p:par>
+                                <p:cTn id="35" presetID="10" presetClass="entr" presetSubtype="0" fill="hold" nodeType="withEffect">
+                                  <p:stCondLst>
+                                    <p:cond delay="0"/>
+                                  </p:stCondLst>
+                                  <p:childTnLst>
+                                    <p:set>
+                                      <p:cBhvr>
+                                        <p:cTn id="36" dur="1" fill="hold">
+                                          <p:stCondLst>
+                                            <p:cond delay="0"/>
+                                          </p:stCondLst>
+                                        </p:cTn>
+                                        <p:tgtEl>
+                                          <p:spTgt spid="3">
+                                            <p:txEl>
                                               <p:charRg st="249" end="292"/>
                                             </p:txEl>
                                           </p:spTgt>
@@ -9186,7 +9442,7 @@
                                     </p:set>
                                     <p:animEffect transition="in" filter="fade">
                                       <p:cBhvr>
-                                        <p:cTn id="19" dur="500"/>
+                                        <p:cTn id="37" dur="500"/>
                                         <p:tgtEl>
                                           <p:spTgt spid="3">
                                             <p:txEl>
@@ -9266,7 +9522,7 @@
           <a:p>
             <a:r>
               <a:rPr lang="en-US" dirty="0" smtClean="0"/>
-              <a:t>Design Goal of SocialWatch</a:t>
+              <a:t>Our Contributions</a:t>
             </a:r>
             <a:endParaRPr lang="en-US" dirty="0"/>
           </a:p>
@@ -9290,7 +9546,7 @@
         </p:spPr>
         <p:txBody>
           <a:bodyPr>
-            <a:normAutofit/>
+            <a:normAutofit fontScale="92500" lnSpcReduction="20000"/>
           </a:bodyPr>
           <a:lstStyle/>
           <a:p>
@@ -9371,6 +9627,30 @@
             <a:r>
               <a:rPr lang="en-US" dirty="0" smtClean="0"/>
               <a:t> for large-scale online services</a:t>
+            </a:r>
+          </a:p>
+          <a:p>
+            <a:endParaRPr lang="en-US" dirty="0"/>
+          </a:p>
+          <a:p>
+            <a:endParaRPr lang="en-US" dirty="0" smtClean="0"/>
+          </a:p>
+          <a:p>
+            <a:r>
+              <a:rPr lang="en-US" dirty="0" smtClean="0"/>
+              <a:t>Methodology: local/global graph features</a:t>
+            </a:r>
+          </a:p>
+          <a:p>
+            <a:r>
+              <a:rPr lang="en-US" dirty="0" smtClean="0"/>
+              <a:t>We demonstrate highly practical and scalable for large-scale</a:t>
+            </a:r>
+          </a:p>
+          <a:p>
+            <a:r>
+              <a:rPr lang="en-US" dirty="0" smtClean="0"/>
+              <a:t>Evaluation using real data set</a:t>
             </a:r>
             <a:endParaRPr lang="en-US" dirty="0" smtClean="0"/>
           </a:p>
@@ -9590,6 +9870,189 @@
                                           <p:spTgt spid="3">
                                             <p:txEl>
                                               <p:pRg st="4" end="4"/>
+                                            </p:txEl>
+                                          </p:spTgt>
+                                        </p:tgtEl>
+                                      </p:cBhvr>
+                                    </p:animEffect>
+                                  </p:childTnLst>
+                                </p:cTn>
+                              </p:par>
+                            </p:childTnLst>
+                          </p:cTn>
+                        </p:par>
+                      </p:childTnLst>
+                    </p:cTn>
+                  </p:par>
+                  <p:par>
+                    <p:cTn id="18" fill="hold">
+                      <p:stCondLst>
+                        <p:cond delay="indefinite"/>
+                      </p:stCondLst>
+                      <p:childTnLst>
+                        <p:par>
+                          <p:cTn id="19" fill="hold">
+                            <p:stCondLst>
+                              <p:cond delay="0"/>
+                            </p:stCondLst>
+                            <p:childTnLst>
+                              <p:par>
+                                <p:cTn id="20" presetID="10" presetClass="entr" presetSubtype="0" fill="hold" nodeType="clickEffect">
+                                  <p:stCondLst>
+                                    <p:cond delay="0"/>
+                                  </p:stCondLst>
+                                  <p:childTnLst>
+                                    <p:set>
+                                      <p:cBhvr>
+                                        <p:cTn id="21" dur="1" fill="hold">
+                                          <p:stCondLst>
+                                            <p:cond delay="0"/>
+                                          </p:stCondLst>
+                                        </p:cTn>
+                                        <p:tgtEl>
+                                          <p:spTgt spid="3">
+                                            <p:txEl>
+                                              <p:pRg st="7" end="7"/>
+                                            </p:txEl>
+                                          </p:spTgt>
+                                        </p:tgtEl>
+                                        <p:attrNameLst>
+                                          <p:attrName>style.visibility</p:attrName>
+                                        </p:attrNameLst>
+                                      </p:cBhvr>
+                                      <p:to>
+                                        <p:strVal val="visible"/>
+                                      </p:to>
+                                    </p:set>
+                                    <p:animEffect transition="in" filter="fade">
+                                      <p:cBhvr>
+                                        <p:cTn id="22" dur="500"/>
+                                        <p:tgtEl>
+                                          <p:spTgt spid="3">
+                                            <p:txEl>
+                                              <p:pRg st="7" end="7"/>
+                                            </p:txEl>
+                                          </p:spTgt>
+                                        </p:tgtEl>
+                                      </p:cBhvr>
+                                    </p:animEffect>
+                                  </p:childTnLst>
+                                </p:cTn>
+                              </p:par>
+                            </p:childTnLst>
+                          </p:cTn>
+                        </p:par>
+                      </p:childTnLst>
+                    </p:cTn>
+                  </p:par>
+                  <p:par>
+                    <p:cTn id="23" fill="hold">
+                      <p:stCondLst>
+                        <p:cond delay="indefinite"/>
+                      </p:stCondLst>
+                      <p:childTnLst>
+                        <p:par>
+                          <p:cTn id="24" fill="hold">
+                            <p:stCondLst>
+                              <p:cond delay="0"/>
+                            </p:stCondLst>
+                            <p:childTnLst>
+                              <p:par>
+                                <p:cTn id="25" presetID="10" presetClass="entr" presetSubtype="0" fill="hold" nodeType="clickEffect">
+                                  <p:stCondLst>
+                                    <p:cond delay="0"/>
+                                  </p:stCondLst>
+                                  <p:childTnLst>
+                                    <p:set>
+                                      <p:cBhvr>
+                                        <p:cTn id="26" dur="1" fill="hold">
+                                          <p:stCondLst>
+                                            <p:cond delay="0"/>
+                                          </p:stCondLst>
+                                        </p:cTn>
+                                        <p:tgtEl>
+                                          <p:spTgt spid="3">
+                                            <p:txEl>
+                                              <p:pRg st="8" end="8"/>
+                                            </p:txEl>
+                                          </p:spTgt>
+                                        </p:tgtEl>
+                                        <p:attrNameLst>
+                                          <p:attrName>style.visibility</p:attrName>
+                                        </p:attrNameLst>
+                                      </p:cBhvr>
+                                      <p:to>
+                                        <p:strVal val="visible"/>
+                                      </p:to>
+                                    </p:set>
+                                    <p:animEffect transition="in" filter="fade">
+                                      <p:cBhvr>
+                                        <p:cTn id="27" dur="500"/>
+                                        <p:tgtEl>
+                                          <p:spTgt spid="3">
+                                            <p:txEl>
+                                              <p:pRg st="8" end="8"/>
+                                            </p:txEl>
+                                          </p:spTgt>
+                                        </p:tgtEl>
+                                      </p:cBhvr>
+                                    </p:animEffect>
+                                  </p:childTnLst>
+                                </p:cTn>
+                              </p:par>
+                            </p:childTnLst>
+                          </p:cTn>
+                        </p:par>
+                      </p:childTnLst>
+                    </p:cTn>
+                  </p:par>
+                  <p:par>
+                    <p:cTn id="28" fill="hold">
+                      <p:stCondLst>
+                        <p:cond delay="indefinite"/>
+                      </p:stCondLst>
+                      <p:childTnLst>
+                        <p:par>
+                          <p:cTn id="29" fill="hold">
+                            <p:stCondLst>
+                              <p:cond delay="0"/>
+                            </p:stCondLst>
+                            <p:childTnLst>
+                              <p:par>
+                                <p:cTn id="30" presetID="10" presetClass="entr" presetSubtype="0" fill="hold" nodeType="clickEffect">
+                                  <p:stCondLst>
+                                    <p:cond delay="0"/>
+                                  </p:stCondLst>
+                                  <p:childTnLst>
+                                    <p:set>
+                                      <p:cBhvr>
+                                        <p:cTn id="31" dur="1" fill="hold">
+                                          <p:stCondLst>
+                                            <p:cond delay="0"/>
+                                          </p:stCondLst>
+                                        </p:cTn>
+                                        <p:tgtEl>
+                                          <p:spTgt spid="3">
+                                            <p:txEl>
+                                              <p:pRg st="9" end="9"/>
+                                            </p:txEl>
+                                          </p:spTgt>
+                                        </p:tgtEl>
+                                        <p:attrNameLst>
+                                          <p:attrName>style.visibility</p:attrName>
+                                        </p:attrNameLst>
+                                      </p:cBhvr>
+                                      <p:to>
+                                        <p:strVal val="visible"/>
+                                      </p:to>
+                                    </p:set>
+                                    <p:animEffect transition="in" filter="fade">
+                                      <p:cBhvr>
+                                        <p:cTn id="32" dur="500"/>
+                                        <p:tgtEl>
+                                          <p:spTgt spid="3">
+                                            <p:txEl>
+                                              <p:pRg st="9" end="9"/>
                                             </p:txEl>
                                           </p:spTgt>
                                         </p:tgtEl>
@@ -16288,32 +16751,37 @@
         </p:nvSpPr>
         <p:spPr/>
         <p:txBody>
-          <a:bodyPr/>
+          <a:bodyPr>
+            <a:normAutofit/>
+          </a:bodyPr>
           <a:lstStyle/>
           <a:p>
             <a:r>
               <a:rPr lang="en-US" dirty="0" smtClean="0"/>
-              <a:t>Goodness score</a:t>
+              <a:t>Social features</a:t>
             </a:r>
           </a:p>
           <a:p>
             <a:pPr lvl="1"/>
             <a:r>
+              <a:rPr lang="en-US" dirty="0"/>
+              <a:t>Degree - </a:t>
+            </a:r>
+            <a:r>
               <a:rPr lang="en-US" dirty="0" smtClean="0"/>
-              <a:t>PageRank value in the directed social graph</a:t>
-            </a:r>
-          </a:p>
-          <a:p>
-            <a:r>
-              <a:rPr lang="en-US" dirty="0" smtClean="0"/>
-              <a:t>Badness score</a:t>
-            </a:r>
-          </a:p>
-          <a:p>
-            <a:pPr lvl="1"/>
-            <a:r>
-              <a:rPr lang="en-US" dirty="0" smtClean="0"/>
-              <a:t>PageRank value in the </a:t>
+              <a:t>a </a:t>
+            </a:r>
+            <a:r>
+              <a:rPr lang="en-US" dirty="0">
+                <a:solidFill>
+                  <a:srgbClr val="3366FF"/>
+                </a:solidFill>
+              </a:rPr>
+              <a:t>local</a:t>
+            </a:r>
+            <a:r>
+              <a:rPr lang="en-US" dirty="0"/>
+              <a:t> graph feature that captures the </a:t>
             </a:r>
             <a:r>
               <a:rPr lang="en-US" dirty="0" smtClean="0">
@@ -16321,44 +16789,99 @@
                   <a:srgbClr val="FF0000"/>
                 </a:solidFill>
               </a:rPr>
-              <a:t>reversed</a:t>
+              <a:t>sending/receiving </a:t>
             </a:r>
             <a:r>
               <a:rPr lang="en-US" dirty="0" smtClean="0"/>
-              <a:t> directed social graph</a:t>
-            </a:r>
-          </a:p>
-          <a:p>
-            <a:r>
-              <a:rPr lang="en-US" dirty="0" smtClean="0"/>
-              <a:t>Adjust </a:t>
-            </a:r>
+              <a:t>behavior of an account</a:t>
+            </a:r>
+          </a:p>
+          <a:p>
+            <a:pPr lvl="1"/>
             <a:r>
               <a:rPr lang="en-US" dirty="0"/>
-              <a:t>edge </a:t>
+              <a:t>PageRank - a </a:t>
             </a:r>
             <a:r>
               <a:rPr lang="en-US" dirty="0">
                 <a:solidFill>
-                  <a:srgbClr val="FF0000"/>
+                  <a:srgbClr val="3366FF"/>
                 </a:solidFill>
               </a:rPr>
-              <a:t>weights</a:t>
+              <a:t>global</a:t>
             </a:r>
             <a:r>
               <a:rPr lang="en-US" dirty="0"/>
-              <a:t> based on </a:t>
+              <a:t> graph feature that calculates </a:t>
             </a:r>
             <a:r>
               <a:rPr lang="en-US" dirty="0" smtClean="0"/>
-              <a:t>email exchange patterns</a:t>
+              <a:t>the weight </a:t>
+            </a:r>
+            <a:r>
+              <a:rPr lang="en-US" dirty="0"/>
+              <a:t>of </a:t>
+            </a:r>
+            <a:r>
+              <a:rPr lang="en-US" dirty="0" smtClean="0"/>
+              <a:t>a node on </a:t>
+            </a:r>
+            <a:r>
+              <a:rPr lang="en-US" dirty="0"/>
+              <a:t>the overall </a:t>
+            </a:r>
+            <a:r>
+              <a:rPr lang="en-US" dirty="0" smtClean="0"/>
+              <a:t>graph</a:t>
+            </a:r>
+          </a:p>
+          <a:p>
+            <a:r>
+              <a:rPr lang="en-US" dirty="0" smtClean="0"/>
+              <a:t>Detection methods</a:t>
             </a:r>
           </a:p>
           <a:p>
             <a:pPr lvl="1"/>
             <a:r>
+              <a:rPr lang="en-US" dirty="0"/>
+              <a:t>Identify aggressive spamming accounts with high </a:t>
+            </a:r>
+            <a:r>
               <a:rPr lang="en-US" dirty="0" smtClean="0"/>
-              <a:t>Propagate more “goodness” to “good” users and more “badness” to “bad” users</a:t>
+              <a:t>out degrees and </a:t>
+            </a:r>
+            <a:r>
+              <a:rPr lang="en-US" dirty="0"/>
+              <a:t>low response </a:t>
+            </a:r>
+            <a:r>
+              <a:rPr lang="en-US" dirty="0" smtClean="0"/>
+              <a:t>rates</a:t>
+            </a:r>
+            <a:endParaRPr lang="en-US" dirty="0"/>
+          </a:p>
+          <a:p>
+            <a:pPr lvl="1"/>
+            <a:r>
+              <a:rPr lang="en-US" dirty="0" smtClean="0"/>
+              <a:t>Identify </a:t>
+            </a:r>
+            <a:r>
+              <a:rPr lang="en-US" dirty="0"/>
+              <a:t>less aggressive spamming accounts using the </a:t>
+            </a:r>
+            <a:r>
+              <a:rPr lang="en-US" dirty="0" smtClean="0"/>
+              <a:t>badness-goodness </a:t>
+            </a:r>
+            <a:r>
+              <a:rPr lang="en-US" dirty="0"/>
+              <a:t>PageRank </a:t>
+            </a:r>
+            <a:r>
+              <a:rPr lang="en-US" dirty="0" smtClean="0"/>
+              <a:t>ratio</a:t>
             </a:r>
             <a:endParaRPr lang="en-US" dirty="0"/>
           </a:p>
@@ -16382,17 +16905,16 @@
           <a:lstStyle/>
           <a:p>
             <a:r>
-              <a:rPr lang="en-US" dirty="0" smtClean="0"/>
-              <a:t>Computing Goodness/Badness PageRank Score</a:t>
-            </a:r>
-            <a:endParaRPr lang="en-US" dirty="0"/>
+              <a:rPr lang="en-US" dirty="0"/>
+              <a:t>Detecting Attacker-created Accounts</a:t>
+            </a:r>
           </a:p>
         </p:txBody>
       </p:sp>
     </p:spTree>
     <p:extLst>
       <p:ext uri="{BB962C8B-B14F-4D97-AF65-F5344CB8AC3E}">
-        <p14:creationId xmlns:p14="http://schemas.microsoft.com/office/powerpoint/2010/main" val="1519427725"/>
+        <p14:creationId xmlns:p14="http://schemas.microsoft.com/office/powerpoint/2010/main" val="2640021754"/>
       </p:ext>
     </p:extLst>
   </p:cSld>

--- a/slides/asiaccs_socialwatch.pptx
+++ b/slides/asiaccs_socialwatch.pptx
@@ -207,7 +207,7 @@
           <a:p>
             <a:fld id="{4219FFEE-BB87-CB45-AB9B-37A2DB816B27}" type="datetimeFigureOut">
               <a:rPr lang="en-US" smtClean="0"/>
-              <a:t>4/30/13</a:t>
+              <a:t>5/6/13</a:t>
             </a:fld>
             <a:endParaRPr lang="en-US"/>
           </a:p>
@@ -535,21 +535,6 @@
           <a:p>
             <a:r>
               <a:rPr lang="en-US" dirty="0" smtClean="0"/>
-              <a:t>(Done during internship) </a:t>
-            </a:r>
-          </a:p>
-          <a:p>
-            <a:r>
-              <a:rPr lang="en-US" dirty="0" smtClean="0"/>
-              <a:t>Do not read name</a:t>
-            </a:r>
-          </a:p>
-          <a:p>
-            <a:endParaRPr lang="en-US" dirty="0" smtClean="0"/>
-          </a:p>
-          <a:p>
-            <a:r>
-              <a:rPr lang="en-US" dirty="0" smtClean="0"/>
               <a:t>Today I’m very happy to present our work “SocialWatch: detection of online</a:t>
             </a:r>
             <a:r>
@@ -560,15 +545,23 @@
           <a:p>
             <a:r>
               <a:rPr lang="en-US" baseline="0" dirty="0" smtClean="0"/>
-              <a:t>This work was joint work with my mentors Yinglian </a:t>
-            </a:r>
-            <a:r>
-              <a:rPr lang="en-US" baseline="0" dirty="0" err="1" smtClean="0"/>
-              <a:t>Xie</a:t>
+              <a:t>This work was </a:t>
             </a:r>
             <a:r>
               <a:rPr lang="en-US" baseline="0" dirty="0" smtClean="0"/>
-              <a:t> and Fang Yu in Microsoft Research Silicon Valley and my advisor Prof. Morley Mao, etc.</a:t>
+              <a:t>mostly </a:t>
+            </a:r>
+            <a:r>
+              <a:rPr lang="en-US" baseline="0" dirty="0" smtClean="0"/>
+              <a:t>done when I’m was an intern in Microsoft Research </a:t>
+            </a:r>
+            <a:r>
+              <a:rPr lang="en-US" baseline="0" smtClean="0"/>
+              <a:t>Silicon </a:t>
+            </a:r>
+            <a:r>
+              <a:rPr lang="en-US" baseline="0" smtClean="0"/>
+              <a:t>Valley.</a:t>
             </a:r>
             <a:endParaRPr lang="en-US" dirty="0"/>
           </a:p>
@@ -655,13 +648,26 @@
           <a:lstStyle/>
           <a:p>
             <a:r>
-              <a:rPr lang="en-US" dirty="0" smtClean="0"/>
-              <a:t>For detecting attacker-created</a:t>
-            </a:r>
-            <a:r>
               <a:rPr lang="en-US" baseline="0" dirty="0" smtClean="0"/>
-              <a:t> accounts, we compute a goodness score and badness score for each account based on PageRank algorithms.</a:t>
-            </a:r>
+              <a:t>The goodness and </a:t>
+            </a:r>
+            <a:r>
+              <a:rPr lang="en-US" baseline="0" dirty="0" smtClean="0"/>
+              <a:t>badness </a:t>
+            </a:r>
+            <a:r>
+              <a:rPr lang="en-US" baseline="0" dirty="0" smtClean="0"/>
+              <a:t>score is calculated based </a:t>
+            </a:r>
+            <a:r>
+              <a:rPr lang="en-US" baseline="0" dirty="0" smtClean="0"/>
+              <a:t>on PageRank </a:t>
+            </a:r>
+            <a:r>
+              <a:rPr lang="en-US" baseline="0" dirty="0" smtClean="0"/>
+              <a:t>algorithm.</a:t>
+            </a:r>
+            <a:endParaRPr lang="en-US" baseline="0" dirty="0" smtClean="0"/>
           </a:p>
           <a:p>
             <a:r>
@@ -880,8 +886,19 @@
           <a:p>
             <a:r>
               <a:rPr lang="en-US" baseline="0" dirty="0" smtClean="0"/>
-              <a:t>Different from the previous feature, this feature quantifies the indirect social connectivity among the recipient set.</a:t>
-            </a:r>
+              <a:t>Different from the previous feature, this feature quantifies the indirect social connectivity among the recipient set</a:t>
+            </a:r>
+            <a:r>
+              <a:rPr lang="en-US" baseline="0" dirty="0" smtClean="0"/>
+              <a:t>. </a:t>
+            </a:r>
+          </a:p>
+          <a:p>
+            <a:r>
+              <a:rPr lang="en-US" baseline="0" dirty="0" smtClean="0"/>
+              <a:t>This is especially important when dealing with external non-Hotmail users, because the direct connections among them are not in our data set.</a:t>
+            </a:r>
+            <a:endParaRPr lang="en-US" baseline="0" dirty="0" smtClean="0"/>
           </a:p>
           <a:p>
             <a:r>
@@ -901,38 +918,13 @@
           <a:p>
             <a:r>
               <a:rPr lang="en-US" baseline="0" dirty="0" smtClean="0"/>
-              <a:t>Notice that computing all pair-wise shortest paths for large-scale graphs is very challenging and in the paper, we talked about how we calculate it with the help of an approximation algorithms.</a:t>
-            </a:r>
-          </a:p>
-          <a:p>
+              <a:t>Notice that computing all pair-wise shortest paths for large-scale graphs is very challenging and in the paper, we talked about how we calculate it with the help of an approximation </a:t>
+            </a:r>
+            <a:r>
+              <a:rPr lang="en-US" baseline="0" dirty="0" smtClean="0"/>
+              <a:t>algorithm</a:t>
+            </a:r>
             <a:endParaRPr lang="en-US" baseline="0" dirty="0" smtClean="0"/>
-          </a:p>
-          <a:p>
-            <a:r>
-              <a:rPr lang="en-US" baseline="0" dirty="0" smtClean="0"/>
-              <a:t>(for non-</a:t>
-            </a:r>
-            <a:r>
-              <a:rPr lang="en-US" baseline="0" dirty="0" err="1" smtClean="0"/>
-              <a:t>hotmail</a:t>
-            </a:r>
-            <a:r>
-              <a:rPr lang="en-US" baseline="0" dirty="0" smtClean="0"/>
-              <a:t> users, there is no direct connection </a:t>
-            </a:r>
-            <a:r>
-              <a:rPr lang="en-US" baseline="0" dirty="0" err="1" smtClean="0"/>
-              <a:t>avaiable</a:t>
-            </a:r>
-            <a:r>
-              <a:rPr lang="en-US" baseline="0" dirty="0" smtClean="0"/>
-              <a:t> in </a:t>
-            </a:r>
-            <a:r>
-              <a:rPr lang="en-US" baseline="0" smtClean="0"/>
-              <a:t>our data set)</a:t>
-            </a:r>
-            <a:endParaRPr lang="en-US" dirty="0"/>
           </a:p>
         </p:txBody>
       </p:sp>
@@ -1049,12 +1041,12 @@
               <a:t>If there is known hijacked accounts, we use a </a:t>
             </a:r>
             <a:r>
-              <a:rPr lang="en-US" baseline="0" dirty="0" err="1" smtClean="0"/>
-              <a:t>bayesian</a:t>
-            </a:r>
-            <a:r>
               <a:rPr lang="en-US" baseline="0" dirty="0" smtClean="0"/>
-              <a:t> decision framework to detect additional hijacked accounts using training data.</a:t>
+              <a:t>Bayesian </a:t>
+            </a:r>
+            <a:r>
+              <a:rPr lang="en-US" baseline="0" dirty="0" smtClean="0"/>
+              <a:t>decision framework to detect additional hijacked accounts using training data.</a:t>
             </a:r>
           </a:p>
         </p:txBody>
@@ -1283,7 +1275,15 @@
           <a:p>
             <a:r>
               <a:rPr lang="en-US" baseline="0" dirty="0" smtClean="0"/>
-              <a:t>We also demonstrate that SocialWatch is practically deployable using parallel algorithms with real implementation.</a:t>
+              <a:t>We also demonstrate that SocialWatch is practically deployable </a:t>
+            </a:r>
+            <a:r>
+              <a:rPr lang="en-US" baseline="0" dirty="0" smtClean="0"/>
+              <a:t>and scalable using </a:t>
+            </a:r>
+            <a:r>
+              <a:rPr lang="en-US" baseline="0" dirty="0" smtClean="0"/>
+              <a:t>parallel algorithms with real implementation.</a:t>
             </a:r>
             <a:endParaRPr lang="en-US" dirty="0"/>
           </a:p>
@@ -1371,11 +1371,15 @@
           <a:p>
             <a:r>
               <a:rPr lang="en-US" dirty="0" smtClean="0"/>
-              <a:t>Thank </a:t>
+              <a:t>Thank you </a:t>
             </a:r>
             <a:r>
               <a:rPr lang="en-US" dirty="0" smtClean="0"/>
-              <a:t>you and I’m glad</a:t>
+              <a:t>and </a:t>
+            </a:r>
+            <a:r>
+              <a:rPr lang="en-US" dirty="0" smtClean="0"/>
+              <a:t>I’m glad</a:t>
             </a:r>
             <a:r>
               <a:rPr lang="en-US" baseline="0" dirty="0" smtClean="0"/>
@@ -1471,10 +1475,12 @@
             </a:r>
             <a:r>
               <a:rPr lang="en-US" baseline="0" dirty="0" smtClean="0"/>
-              <a:t> a long history of arms race between attackers and defenders in various online service system, such as email system, and other social networking systems.</a:t>
-            </a:r>
-          </a:p>
-          <a:p>
+              <a:t> a long history of arms race between attackers and defenders in various online service system, such as email system, and other social networking systems</a:t>
+            </a:r>
+            <a:r>
+              <a:rPr lang="en-US" baseline="0" dirty="0" smtClean="0"/>
+              <a:t>.</a:t>
+            </a:r>
             <a:endParaRPr lang="en-US" baseline="0" dirty="0" smtClean="0"/>
           </a:p>
           <a:p>
@@ -1494,7 +1500,17 @@
           <a:p>
             <a:r>
               <a:rPr lang="en-US" baseline="0" dirty="0" smtClean="0"/>
-              <a:t>There are also many hijacked accounts, that originally belong to legitimate users, and later got compromised by attackers, many of these hijacked remain unknown.</a:t>
+              <a:t>There are also many hijacked accounts, that originally belong to legitimate users, and later got compromised by attackers, many of these hijacked remain unknown</a:t>
+            </a:r>
+            <a:r>
+              <a:rPr lang="en-US" baseline="0" dirty="0" smtClean="0"/>
+              <a:t>.</a:t>
+            </a:r>
+          </a:p>
+          <a:p>
+            <a:r>
+              <a:rPr lang="en-US" baseline="0" dirty="0" smtClean="0"/>
+              <a:t>To make things worse, these attackers, driven by financial incentives, are constantly evolving with more advanced counter-strategies.</a:t>
             </a:r>
           </a:p>
           <a:p>
@@ -1503,8 +1519,47 @@
           <a:p>
             <a:r>
               <a:rPr lang="en-US" baseline="0" dirty="0" smtClean="0"/>
-              <a:t>To detect such malicious accounts is challenge.</a:t>
-            </a:r>
+              <a:t>In this work, we aim at detecting these attackers with the help of the powerful social graph.</a:t>
+            </a:r>
+          </a:p>
+          <a:p>
+            <a:r>
+              <a:rPr lang="en-US" baseline="0" dirty="0" smtClean="0"/>
+              <a:t>For service providers such as Microsoft, Facebook and Google, they are able to build a centralized social graph that can capture both local and global graph features.</a:t>
+            </a:r>
+          </a:p>
+          <a:p>
+            <a:r>
+              <a:rPr lang="en-US" baseline="0" dirty="0" smtClean="0"/>
+              <a:t>Given that it is generally very hard for attackers to manipulate the overall graph pattern, especially for large-scale graph, the graph features are considered to be more robust and harder for attackers to bypass.</a:t>
+            </a:r>
+            <a:endParaRPr lang="en-US" baseline="0" dirty="0" smtClean="0"/>
+          </a:p>
+          <a:p>
+            <a:endParaRPr lang="en-US" baseline="0" dirty="0" smtClean="0"/>
+          </a:p>
+          <a:p>
+            <a:r>
+              <a:rPr lang="en-US" baseline="0" dirty="0" smtClean="0"/>
+              <a:t>However, it is not straightforward to </a:t>
+            </a:r>
+            <a:r>
+              <a:rPr lang="en-US" baseline="0" dirty="0" smtClean="0"/>
+              <a:t>detect </a:t>
+            </a:r>
+            <a:r>
+              <a:rPr lang="en-US" baseline="0" dirty="0" smtClean="0"/>
+              <a:t>malicious </a:t>
+            </a:r>
+            <a:r>
+              <a:rPr lang="en-US" baseline="0" dirty="0" smtClean="0"/>
+              <a:t>accounts </a:t>
+            </a:r>
+            <a:r>
+              <a:rPr lang="en-US" baseline="0" dirty="0" smtClean="0"/>
+              <a:t>via social graphs.</a:t>
+            </a:r>
+            <a:endParaRPr lang="en-US" baseline="0" dirty="0" smtClean="0"/>
           </a:p>
           <a:p>
             <a:pPr marL="0" indent="0">
@@ -1512,7 +1567,15 @@
             </a:pPr>
             <a:r>
               <a:rPr lang="en-US" baseline="0" dirty="0" smtClean="0"/>
-              <a:t>1. Hijacked accounts may have mixed behaviors, as the owner of the accounts are not aware that his/her accounts has been hijacked.</a:t>
+              <a:t>1. Hijacked </a:t>
+            </a:r>
+            <a:r>
+              <a:rPr lang="en-US" baseline="0" dirty="0" smtClean="0"/>
+              <a:t>accounts may have mixed behaviors, as the owner of the accounts are not aware that his/her accounts has been hijacked</a:t>
+            </a:r>
+            <a:r>
+              <a:rPr lang="en-US" baseline="0" dirty="0" smtClean="0"/>
+              <a:t>.</a:t>
             </a:r>
           </a:p>
           <a:p>
@@ -1521,8 +1584,25 @@
             </a:pPr>
             <a:r>
               <a:rPr lang="en-US" baseline="0" dirty="0" smtClean="0"/>
-              <a:t>2. Attackers are also evolving with more and more advanced counter-strategies.</a:t>
-            </a:r>
+              <a:t>2. Take </a:t>
+            </a:r>
+            <a:r>
+              <a:rPr lang="en-US" baseline="0" dirty="0" smtClean="0"/>
+              <a:t>email system for example, </a:t>
+            </a:r>
+            <a:r>
+              <a:rPr lang="en-US" baseline="0" dirty="0" smtClean="0"/>
+              <a:t>the social graph any service provider can build is incomplete, because although </a:t>
+            </a:r>
+            <a:r>
+              <a:rPr lang="en-US" baseline="0" dirty="0" smtClean="0"/>
+              <a:t>we have perfect knowledge about any internal account, there is no information known among external accounts</a:t>
+            </a:r>
+            <a:r>
+              <a:rPr lang="en-US" baseline="0" dirty="0" smtClean="0"/>
+              <a:t>. This problem does not exist for other types of closed social networking systems, such as Facebook and Twitter.</a:t>
+            </a:r>
+            <a:endParaRPr lang="en-US" baseline="0" dirty="0" smtClean="0"/>
           </a:p>
           <a:p>
             <a:pPr marL="0" indent="0">
@@ -1530,16 +1610,19 @@
             </a:pPr>
             <a:r>
               <a:rPr lang="en-US" baseline="0" dirty="0" smtClean="0"/>
-              <a:t>3. Take email system for example, although we have perfect knowledge about any internal account, there is no information known among external accounts.</a:t>
-            </a:r>
-          </a:p>
-          <a:p>
-            <a:pPr marL="0" indent="0">
-              <a:buNone/>
-            </a:pPr>
+              <a:t>3. </a:t>
+            </a:r>
             <a:r>
               <a:rPr lang="en-US" baseline="0" dirty="0" smtClean="0"/>
-              <a:t>4. The enormous scale of the dataset requires efficient parallel algorithms to make any solution practical.</a:t>
+              <a:t>The </a:t>
+            </a:r>
+            <a:r>
+              <a:rPr lang="en-US" baseline="0" dirty="0" smtClean="0"/>
+              <a:t>enormous graph size requires </a:t>
+            </a:r>
+            <a:r>
+              <a:rPr lang="en-US" baseline="0" dirty="0" smtClean="0"/>
+              <a:t>efficient parallel algorithms to make any solution practical.</a:t>
             </a:r>
           </a:p>
           <a:p>
@@ -1632,34 +1715,45 @@
           <a:lstStyle/>
           <a:p>
             <a:r>
+              <a:rPr lang="en-US" baseline="0" dirty="0" smtClean="0"/>
+              <a:t>In this work, we make the following contributions:</a:t>
+            </a:r>
+            <a:endParaRPr lang="en-US" baseline="0" dirty="0" smtClean="0"/>
+          </a:p>
+          <a:p>
+            <a:r>
+              <a:rPr lang="en-US" baseline="0" dirty="0" smtClean="0"/>
+              <a:t>1. In terms of methodology, we uses both local and global graph features for detecting malicious accounts. These graph features are demonstrated to be more robust and more fundamental, making them hard for attackers to bypass.</a:t>
+            </a:r>
+          </a:p>
+          <a:p>
+            <a:endParaRPr lang="en-US" baseline="0" dirty="0" smtClean="0"/>
+          </a:p>
+          <a:p>
+            <a:r>
               <a:rPr lang="en-US" dirty="0" smtClean="0"/>
-              <a:t>The design goal</a:t>
+              <a:t>2</a:t>
+            </a:r>
+            <a:r>
+              <a:rPr lang="en-US" dirty="0" smtClean="0"/>
+              <a:t>. We implement</a:t>
             </a:r>
             <a:r>
               <a:rPr lang="en-US" baseline="0" dirty="0" smtClean="0"/>
-              <a:t> of SocialWatch is to solve all these challenges:</a:t>
-            </a:r>
+              <a:t> the whole SocialWatch system using distributed parallel algorithms. We run SocialWatch on a cluster and demonstrate its practicality and scalability for large-scale social graphs</a:t>
+            </a:r>
+          </a:p>
+          <a:p>
+            <a:endParaRPr lang="en-US" baseline="0" dirty="0" smtClean="0"/>
           </a:p>
           <a:p>
             <a:r>
               <a:rPr lang="en-US" baseline="0" dirty="0" smtClean="0"/>
-              <a:t>1. SocialWatch should be able to detect both attacker-created accounts and hijacked accounts.</a:t>
-            </a:r>
-          </a:p>
-          <a:p>
-            <a:r>
-              <a:rPr lang="en-US" dirty="0" smtClean="0"/>
-              <a:t>2. The features</a:t>
+              <a:t>3. </a:t>
             </a:r>
             <a:r>
               <a:rPr lang="en-US" baseline="0" dirty="0" smtClean="0"/>
-              <a:t> used by SocialWatch should be robust so that attackers could not easily bypass the detection, even if they are aware with our algorithms</a:t>
-            </a:r>
-          </a:p>
-          <a:p>
-            <a:r>
-              <a:rPr lang="en-US" baseline="0" dirty="0" smtClean="0"/>
-              <a:t>3. Last by not least, SocialWatch needs to be practical for large-scale online services.</a:t>
+              <a:t>Last, we evaluate SocialWatch with a representative real-world data set with hundreds of millions of users covering over two years.</a:t>
             </a:r>
             <a:endParaRPr lang="en-US" dirty="0"/>
           </a:p>
@@ -1765,11 +1859,28 @@
             </a:r>
           </a:p>
           <a:p>
+            <a:endParaRPr lang="en-US" baseline="0" dirty="0" smtClean="0"/>
+          </a:p>
+          <a:p>
             <a:r>
               <a:rPr lang="en-US" baseline="0" dirty="0" smtClean="0"/>
-              <a:t>If two users mutually send/receive emails from each other, we use undirected edge to represent their friendship. (at least 2 emails)</a:t>
-            </a:r>
-            <a:endParaRPr lang="en-US" dirty="0"/>
+              <a:t>If </a:t>
+            </a:r>
+            <a:r>
+              <a:rPr lang="en-US" baseline="0" dirty="0" smtClean="0"/>
+              <a:t>two users mutually send/receive emails from each other, we use undirected edge to represent their friendship</a:t>
+            </a:r>
+            <a:r>
+              <a:rPr lang="en-US" baseline="0" dirty="0" smtClean="0"/>
+              <a:t>.</a:t>
+            </a:r>
+          </a:p>
+          <a:p>
+            <a:r>
+              <a:rPr lang="en-US" baseline="0" dirty="0" smtClean="0"/>
+              <a:t>For undirected edge, we conservatively require the a mutual exchange of at least 2 emails considering that some users may accidentally reply to a spamming account.</a:t>
+            </a:r>
+            <a:endParaRPr lang="en-US" baseline="0" dirty="0" smtClean="0"/>
           </a:p>
         </p:txBody>
       </p:sp>
@@ -1880,7 +1991,11 @@
           <a:p>
             <a:r>
               <a:rPr lang="en-US" baseline="0" dirty="0" smtClean="0"/>
-              <a:t>This is a very large-scale graph to handle.</a:t>
+              <a:t>This is a very large-scale graph to handle</a:t>
+            </a:r>
+            <a:r>
+              <a:rPr lang="en-US" baseline="0" dirty="0" smtClean="0"/>
+              <a:t>. It is also a representative data set to evaluate SocialWatch.</a:t>
             </a:r>
             <a:endParaRPr lang="en-US" dirty="0"/>
           </a:p>
@@ -1982,13 +2097,28 @@
           <a:p>
             <a:r>
               <a:rPr lang="en-US" baseline="0" dirty="0" smtClean="0"/>
-              <a:t>Good users usually send emails to other good users. Hence, sending emails to bad users is suspicious.</a:t>
-            </a:r>
+              <a:t>Good users usually send emails to other good users. </a:t>
+            </a:r>
+            <a:endParaRPr lang="en-US" baseline="0" dirty="0" smtClean="0"/>
           </a:p>
           <a:p>
             <a:r>
               <a:rPr lang="en-US" baseline="0" dirty="0" smtClean="0"/>
-              <a:t>If we use graph connectivity to define a good user community, it is hard for bad users to enter the good user community as they can’t make the good users to connect with them</a:t>
+              <a:t>And sending </a:t>
+            </a:r>
+            <a:r>
+              <a:rPr lang="en-US" baseline="0" dirty="0" smtClean="0"/>
+              <a:t>emails to bad users is suspicious</a:t>
+            </a:r>
+            <a:r>
+              <a:rPr lang="en-US" baseline="0" dirty="0" smtClean="0"/>
+              <a:t>.</a:t>
+            </a:r>
+          </a:p>
+          <a:p>
+            <a:r>
+              <a:rPr lang="en-US" baseline="0" dirty="0" smtClean="0"/>
+              <a:t>Good users usually form a community represented by the green circle in the figure. Given that bad users can’t control good users to send email to them, it is relatively hard for bad users to enter good users’ community.</a:t>
             </a:r>
           </a:p>
           <a:p>
@@ -1997,8 +2127,9 @@
           <a:p>
             <a:r>
               <a:rPr lang="en-US" baseline="0" dirty="0" smtClean="0"/>
-              <a:t>Pop up (connect with slide 8)</a:t>
-            </a:r>
+              <a:t>SocialWatch uses degree and PageRank based detection following these intuitions.</a:t>
+            </a:r>
+            <a:endParaRPr lang="en-US" baseline="0" dirty="0" smtClean="0"/>
           </a:p>
         </p:txBody>
       </p:sp>
@@ -2089,14 +2220,70 @@
             </a:r>
             <a:r>
               <a:rPr lang="en-US" baseline="0" dirty="0" smtClean="0"/>
-              <a:t> the recipient set of a good user, represented by the big circle in this figure, the recipient set are more connected</a:t>
-            </a:r>
-          </a:p>
-          <a:p>
+              <a:t> the recipient set of a </a:t>
+            </a:r>
             <a:r>
               <a:rPr lang="en-US" baseline="0" dirty="0" smtClean="0"/>
-              <a:t>than the recipient set of a bad user, because it is hard for attackers to figure out the friendship relationship between any two good users.</a:t>
-            </a:r>
+              <a:t>user</a:t>
+            </a:r>
+            <a:r>
+              <a:rPr lang="en-US" baseline="0" dirty="0" smtClean="0"/>
+              <a:t>, represented by the big circle in this figure, the recipient set </a:t>
+            </a:r>
+            <a:r>
+              <a:rPr lang="en-US" baseline="0" dirty="0" smtClean="0"/>
+              <a:t>of a good user are </a:t>
+            </a:r>
+            <a:r>
+              <a:rPr lang="en-US" baseline="0" dirty="0" smtClean="0"/>
+              <a:t>more connected</a:t>
+            </a:r>
+          </a:p>
+          <a:p>
+            <a:r>
+              <a:rPr lang="en-US" baseline="0" dirty="0" smtClean="0"/>
+              <a:t>than </a:t>
+            </a:r>
+            <a:r>
+              <a:rPr lang="en-US" baseline="0" dirty="0" smtClean="0"/>
+              <a:t>that of </a:t>
+            </a:r>
+            <a:r>
+              <a:rPr lang="en-US" baseline="0" dirty="0" smtClean="0"/>
+              <a:t>a bad user, because it is hard for attackers to figure out the friendship relationship between any two good users</a:t>
+            </a:r>
+            <a:r>
+              <a:rPr lang="en-US" baseline="0" dirty="0" smtClean="0"/>
+              <a:t>.</a:t>
+            </a:r>
+          </a:p>
+          <a:p>
+            <a:endParaRPr lang="en-US" baseline="0" dirty="0" smtClean="0"/>
+          </a:p>
+          <a:p>
+            <a:pPr marL="0" marR="0" indent="0" algn="l" defTabSz="457200" rtl="0" eaLnBrk="1" fontAlgn="auto" latinLnBrk="0" hangingPunct="1">
+              <a:lnSpc>
+                <a:spcPct val="100000"/>
+              </a:lnSpc>
+              <a:spcBef>
+                <a:spcPts val="0"/>
+              </a:spcBef>
+              <a:spcAft>
+                <a:spcPts val="0"/>
+              </a:spcAft>
+              <a:buClrTx/>
+              <a:buSzTx/>
+              <a:buFontTx/>
+              <a:buNone/>
+              <a:tabLst/>
+              <a:defRPr/>
+            </a:pPr>
+            <a:r>
+              <a:rPr lang="en-US" baseline="0" dirty="0" smtClean="0"/>
+              <a:t>SocialWatch uses social-affinity based detection following this intuition</a:t>
+            </a:r>
+          </a:p>
+          <a:p>
             <a:endParaRPr lang="en-US" dirty="0" smtClean="0"/>
           </a:p>
         </p:txBody>
@@ -2184,11 +2371,23 @@
           <a:p>
             <a:r>
               <a:rPr lang="en-US" dirty="0" smtClean="0"/>
-              <a:t>Following these intuitions, we design Social</a:t>
+              <a:t>Following these intuitions, we </a:t>
+            </a:r>
+            <a:r>
+              <a:rPr lang="en-US" dirty="0" smtClean="0"/>
+              <a:t>design </a:t>
+            </a:r>
+            <a:r>
+              <a:rPr lang="en-US" dirty="0" smtClean="0"/>
+              <a:t>SocialWatch</a:t>
             </a:r>
             <a:r>
               <a:rPr lang="en-US" baseline="0" dirty="0" smtClean="0"/>
-              <a:t> illustrated in this figure.</a:t>
+              <a:t> </a:t>
+            </a:r>
+            <a:r>
+              <a:rPr lang="en-US" baseline="0" dirty="0" smtClean="0"/>
+              <a:t>illustrated in this figure.</a:t>
             </a:r>
           </a:p>
           <a:p>
@@ -2206,15 +2405,19 @@
           <a:p>
             <a:r>
               <a:rPr lang="en-US" baseline="0" dirty="0" smtClean="0"/>
-              <a:t>They we use a degree and </a:t>
-            </a:r>
-            <a:r>
-              <a:rPr lang="en-US" baseline="0" dirty="0" err="1" smtClean="0"/>
-              <a:t>pagerank</a:t>
+              <a:t>Then </a:t>
             </a:r>
             <a:r>
               <a:rPr lang="en-US" baseline="0" dirty="0" smtClean="0"/>
-              <a:t> based detection to identify attacker-created accounts. However, hijacked accounts may bypass such detection due to their mixed behavior.</a:t>
+              <a:t>we use a degree and </a:t>
+            </a:r>
+            <a:r>
+              <a:rPr lang="en-US" baseline="0" dirty="0" smtClean="0"/>
+              <a:t>PageRank based </a:t>
+            </a:r>
+            <a:r>
+              <a:rPr lang="en-US" baseline="0" dirty="0" smtClean="0"/>
+              <a:t>detection to identify attacker-created accounts. However, hijacked accounts may bypass such detection due to their mixed behavior.</a:t>
             </a:r>
           </a:p>
           <a:p>
@@ -2330,15 +2533,15 @@
           <a:p>
             <a:r>
               <a:rPr lang="en-US" baseline="0" dirty="0" smtClean="0"/>
-              <a:t>SocialWatch also uses the aforementioned </a:t>
-            </a:r>
-            <a:r>
-              <a:rPr lang="en-US" baseline="0" dirty="0" err="1" smtClean="0"/>
-              <a:t>pagerank</a:t>
+              <a:t>SocialWatch also uses </a:t>
             </a:r>
             <a:r>
               <a:rPr lang="en-US" baseline="0" dirty="0" smtClean="0"/>
-              <a:t> scores to capture the global weight of a node in the overall graph.</a:t>
+              <a:t>PageRank </a:t>
+            </a:r>
+            <a:r>
+              <a:rPr lang="en-US" baseline="0" dirty="0" smtClean="0"/>
+              <a:t>scores to capture the global weight of a node in the overall graph.</a:t>
             </a:r>
           </a:p>
           <a:p>
@@ -2356,12 +2559,12 @@
               <a:t>And then detect </a:t>
             </a:r>
             <a:r>
-              <a:rPr lang="en-US" baseline="0" dirty="0" err="1" smtClean="0"/>
-              <a:t>elss</a:t>
-            </a:r>
-            <a:r>
               <a:rPr lang="en-US" baseline="0" dirty="0" smtClean="0"/>
-              <a:t> aggressive spamming accounts using the badness-goodness ratio</a:t>
+              <a:t>less aggressive </a:t>
+            </a:r>
+            <a:r>
+              <a:rPr lang="en-US" baseline="0" dirty="0" smtClean="0"/>
+              <a:t>spamming accounts using the badness-goodness ratio</a:t>
             </a:r>
             <a:endParaRPr lang="en-US" dirty="0"/>
           </a:p>
@@ -3017,7 +3220,7 @@
           <a:p>
             <a:fld id="{71A92358-5CAB-014B-88B3-D8485239CAB2}" type="datetimeFigureOut">
               <a:rPr lang="en-US" smtClean="0"/>
-              <a:t>4/30/13</a:t>
+              <a:t>5/6/13</a:t>
             </a:fld>
             <a:endParaRPr lang="en-US"/>
           </a:p>
@@ -3205,7 +3408,7 @@
           <a:p>
             <a:fld id="{71A92358-5CAB-014B-88B3-D8485239CAB2}" type="datetimeFigureOut">
               <a:rPr lang="en-US" smtClean="0"/>
-              <a:t>4/30/13</a:t>
+              <a:t>5/6/13</a:t>
             </a:fld>
             <a:endParaRPr lang="en-US"/>
           </a:p>
@@ -3380,7 +3583,7 @@
           <a:p>
             <a:fld id="{71A92358-5CAB-014B-88B3-D8485239CAB2}" type="datetimeFigureOut">
               <a:rPr lang="en-US" smtClean="0"/>
-              <a:t>4/30/13</a:t>
+              <a:t>5/6/13</a:t>
             </a:fld>
             <a:endParaRPr lang="en-US"/>
           </a:p>
@@ -3522,7 +3725,7 @@
           <a:p>
             <a:fld id="{71A92358-5CAB-014B-88B3-D8485239CAB2}" type="datetimeFigureOut">
               <a:rPr lang="en-US" smtClean="0"/>
-              <a:t>4/30/13</a:t>
+              <a:t>5/6/13</a:t>
             </a:fld>
             <a:endParaRPr lang="en-US"/>
           </a:p>
@@ -3767,7 +3970,7 @@
           <a:p>
             <a:fld id="{71A92358-5CAB-014B-88B3-D8485239CAB2}" type="datetimeFigureOut">
               <a:rPr lang="en-US" smtClean="0"/>
-              <a:t>4/30/13</a:t>
+              <a:t>5/6/13</a:t>
             </a:fld>
             <a:endParaRPr lang="en-US"/>
           </a:p>
@@ -4164,7 +4367,7 @@
           <a:p>
             <a:fld id="{71A92358-5CAB-014B-88B3-D8485239CAB2}" type="datetimeFigureOut">
               <a:rPr lang="en-US" smtClean="0"/>
-              <a:t>4/30/13</a:t>
+              <a:t>5/6/13</a:t>
             </a:fld>
             <a:endParaRPr lang="en-US"/>
           </a:p>
@@ -4597,7 +4800,7 @@
           <a:p>
             <a:fld id="{71A92358-5CAB-014B-88B3-D8485239CAB2}" type="datetimeFigureOut">
               <a:rPr lang="en-US" smtClean="0"/>
-              <a:t>4/30/13</a:t>
+              <a:t>5/6/13</a:t>
             </a:fld>
             <a:endParaRPr lang="en-US"/>
           </a:p>
@@ -4692,7 +4895,7 @@
           <a:p>
             <a:fld id="{71A92358-5CAB-014B-88B3-D8485239CAB2}" type="datetimeFigureOut">
               <a:rPr lang="en-US" smtClean="0"/>
-              <a:t>4/30/13</a:t>
+              <a:t>5/6/13</a:t>
             </a:fld>
             <a:endParaRPr lang="en-US"/>
           </a:p>
@@ -4805,7 +5008,7 @@
           <a:p>
             <a:fld id="{71A92358-5CAB-014B-88B3-D8485239CAB2}" type="datetimeFigureOut">
               <a:rPr lang="en-US" smtClean="0"/>
-              <a:t>4/30/13</a:t>
+              <a:t>5/6/13</a:t>
             </a:fld>
             <a:endParaRPr lang="en-US"/>
           </a:p>
@@ -5070,7 +5273,7 @@
           <a:p>
             <a:fld id="{71A92358-5CAB-014B-88B3-D8485239CAB2}" type="datetimeFigureOut">
               <a:rPr lang="en-US" smtClean="0"/>
-              <a:t>4/30/13</a:t>
+              <a:t>5/6/13</a:t>
             </a:fld>
             <a:endParaRPr lang="en-US"/>
           </a:p>
@@ -5268,7 +5471,7 @@
           <a:p>
             <a:fld id="{71A92358-5CAB-014B-88B3-D8485239CAB2}" type="datetimeFigureOut">
               <a:rPr lang="en-US" smtClean="0"/>
-              <a:t>4/30/13</a:t>
+              <a:t>5/6/13</a:t>
             </a:fld>
             <a:endParaRPr lang="en-US"/>
           </a:p>
@@ -6353,7 +6556,7 @@
           <a:p>
             <a:fld id="{71A92358-5CAB-014B-88B3-D8485239CAB2}" type="datetimeFigureOut">
               <a:rPr lang="en-US" smtClean="0"/>
-              <a:t>4/30/13</a:t>
+              <a:t>5/6/13</a:t>
             </a:fld>
             <a:endParaRPr lang="en-US"/>
           </a:p>
@@ -7939,7 +8142,11 @@
           <a:p>
             <a:r>
               <a:rPr lang="en-US" dirty="0" smtClean="0"/>
-              <a:t>Detection Hijacked Accounts</a:t>
+              <a:t>Detecting </a:t>
+            </a:r>
+            <a:r>
+              <a:rPr lang="en-US" dirty="0" smtClean="0"/>
+              <a:t>Hijacked Accounts</a:t>
             </a:r>
             <a:endParaRPr lang="en-US" dirty="0"/>
           </a:p>
@@ -8322,22 +8529,10 @@
             </a:r>
             <a:r>
               <a:rPr lang="en-US" dirty="0"/>
-              <a:t> accounts at a </a:t>
-            </a:r>
-            <a:r>
-              <a:rPr lang="en-US" dirty="0">
-                <a:solidFill>
-                  <a:srgbClr val="3366FF"/>
-                </a:solidFill>
-              </a:rPr>
-              <a:t>large </a:t>
-            </a:r>
-            <a:r>
-              <a:rPr lang="en-US" dirty="0" smtClean="0">
-                <a:solidFill>
-                  <a:srgbClr val="3366FF"/>
-                </a:solidFill>
-              </a:rPr>
+              <a:t> accounts at a large </a:t>
+            </a:r>
+            <a:r>
+              <a:rPr lang="en-US" dirty="0" smtClean="0"/>
               <a:t>scale</a:t>
             </a:r>
           </a:p>
@@ -8360,7 +8555,27 @@
             </a:r>
             <a:r>
               <a:rPr lang="en-US" dirty="0" smtClean="0"/>
-              <a:t> using parallel algorithms</a:t>
+              <a:t> </a:t>
+            </a:r>
+            <a:r>
+              <a:rPr lang="en-US" dirty="0" smtClean="0"/>
+              <a:t>and </a:t>
+            </a:r>
+            <a:r>
+              <a:rPr lang="en-US" dirty="0" smtClean="0">
+                <a:solidFill>
+                  <a:srgbClr val="3366FF"/>
+                </a:solidFill>
+              </a:rPr>
+              <a:t>scalable</a:t>
+            </a:r>
+            <a:r>
+              <a:rPr lang="en-US" dirty="0" smtClean="0"/>
+              <a:t> using </a:t>
+            </a:r>
+            <a:r>
+              <a:rPr lang="en-US" dirty="0" smtClean="0"/>
+              <a:t>parallel algorithms</a:t>
             </a:r>
           </a:p>
         </p:txBody>
@@ -8765,8 +8980,8 @@
         </p:nvSpPr>
         <p:spPr>
           <a:xfrm>
-            <a:off x="152400" y="228600"/>
-            <a:ext cx="8991600" cy="1371600"/>
+            <a:off x="284052" y="44768"/>
+            <a:ext cx="8859947" cy="1371600"/>
           </a:xfrm>
         </p:spPr>
         <p:txBody>
@@ -8777,19 +8992,7 @@
           <a:p>
             <a:r>
               <a:rPr lang="en-US" sz="3800" dirty="0" smtClean="0"/>
-              <a:t>Arms </a:t>
-            </a:r>
-            <a:r>
-              <a:rPr lang="en-US" sz="3800" dirty="0" smtClean="0"/>
-              <a:t>Race between Attackers </a:t>
-            </a:r>
-            <a:r>
-              <a:rPr lang="en-US" sz="3800" dirty="0" smtClean="0"/>
-              <a:t>and </a:t>
-            </a:r>
-            <a:r>
-              <a:rPr lang="en-US" sz="3800" dirty="0" smtClean="0"/>
-              <a:t>Defenders</a:t>
+              <a:t>Arms Race between Attackers and Defenders</a:t>
             </a:r>
             <a:endParaRPr lang="en-US" sz="3800" dirty="0"/>
           </a:p>
@@ -8807,34 +9010,42 @@
         </p:nvSpPr>
         <p:spPr>
           <a:xfrm>
-            <a:off x="152400" y="1770594"/>
-            <a:ext cx="8534400" cy="4236697"/>
+            <a:off x="0" y="1449792"/>
+            <a:ext cx="9144000" cy="4482806"/>
           </a:xfrm>
         </p:spPr>
         <p:txBody>
           <a:bodyPr>
-            <a:normAutofit fontScale="70000" lnSpcReduction="20000"/>
+            <a:normAutofit lnSpcReduction="10000"/>
           </a:bodyPr>
           <a:lstStyle/>
           <a:p>
             <a:r>
               <a:rPr lang="en-US" dirty="0" smtClean="0"/>
-              <a:t>Malicious accounts in </a:t>
-            </a:r>
-            <a:r>
-              <a:rPr lang="en-US" dirty="0" smtClean="0"/>
-              <a:t>Hotmail</a:t>
+              <a:t>Malicious accounts in Hotmail</a:t>
             </a:r>
           </a:p>
           <a:p>
             <a:pPr lvl="1"/>
             <a:r>
-              <a:rPr lang="en-US" dirty="0" smtClean="0"/>
+              <a:rPr lang="en-US" dirty="0" smtClean="0">
+                <a:solidFill>
+                  <a:srgbClr val="FF0000"/>
+                </a:solidFill>
+              </a:rPr>
               <a:t>Attacker</a:t>
             </a:r>
             <a:r>
+              <a:rPr lang="en-US" dirty="0">
+                <a:solidFill>
+                  <a:srgbClr val="FF0000"/>
+                </a:solidFill>
+              </a:rPr>
+              <a:t>-created</a:t>
+            </a:r>
+            <a:r>
               <a:rPr lang="en-US" dirty="0"/>
-              <a:t>-created </a:t>
+              <a:t> </a:t>
             </a:r>
             <a:r>
               <a:rPr lang="en-US" dirty="0" smtClean="0"/>
@@ -8844,15 +9055,35 @@
           <a:p>
             <a:pPr lvl="1"/>
             <a:r>
+              <a:rPr lang="en-US" dirty="0" smtClean="0">
+                <a:solidFill>
+                  <a:srgbClr val="FF0000"/>
+                </a:solidFill>
+              </a:rPr>
+              <a:t>Hijacked</a:t>
+            </a:r>
+            <a:r>
               <a:rPr lang="en-US" dirty="0" smtClean="0"/>
-              <a:t>Hijacked accounts</a:t>
+              <a:t> accounts</a:t>
             </a:r>
           </a:p>
           <a:p>
             <a:pPr lvl="1"/>
             <a:r>
               <a:rPr lang="en-US" dirty="0" smtClean="0"/>
-              <a:t>Attackers are constantly evolving constant strategies</a:t>
+              <a:t>Attackers are constantly </a:t>
+            </a:r>
+            <a:r>
+              <a:rPr lang="en-US" dirty="0" smtClean="0">
+                <a:solidFill>
+                  <a:srgbClr val="3366FF"/>
+                </a:solidFill>
+              </a:rPr>
+              <a:t>evolving</a:t>
+            </a:r>
+            <a:r>
+              <a:rPr lang="en-US" dirty="0" smtClean="0"/>
+              <a:t> with counter-strategies</a:t>
             </a:r>
           </a:p>
           <a:p>
@@ -8865,28 +9096,39 @@
             <a:pPr lvl="1"/>
             <a:r>
               <a:rPr lang="en-US" dirty="0" smtClean="0"/>
-              <a:t>Some people recognize graph</a:t>
-            </a:r>
-          </a:p>
-          <a:p>
+              <a:t>Capture both </a:t>
+            </a:r>
+            <a:r>
+              <a:rPr lang="en-US" dirty="0" smtClean="0">
+                <a:solidFill>
+                  <a:srgbClr val="3366FF"/>
+                </a:solidFill>
+              </a:rPr>
+              <a:t>local</a:t>
+            </a:r>
             <a:r>
               <a:rPr lang="en-US" dirty="0" smtClean="0"/>
-              <a:t>Challenge</a:t>
+              <a:t> and </a:t>
+            </a:r>
+            <a:r>
+              <a:rPr lang="en-US" dirty="0" smtClean="0">
+                <a:solidFill>
+                  <a:srgbClr val="3366FF"/>
+                </a:solidFill>
+              </a:rPr>
+              <a:t>global</a:t>
+            </a:r>
+            <a:r>
+              <a:rPr lang="en-US" dirty="0" smtClean="0"/>
+              <a:t> graph features</a:t>
             </a:r>
           </a:p>
           <a:p>
             <a:pPr lvl="1"/>
-            <a:endParaRPr lang="en-US" dirty="0"/>
-          </a:p>
-          <a:p>
-            <a:endParaRPr lang="en-US" dirty="0" smtClean="0"/>
-          </a:p>
-          <a:p>
             <a:r>
               <a:rPr lang="en-US" dirty="0" smtClean="0"/>
-              <a:t>Highlight using local/global graph features (contribution, our contribution)</a:t>
-            </a:r>
-            <a:endParaRPr lang="en-US" dirty="0" smtClean="0"/>
+              <a:t>Hard for attackers to manipulate the overall graph pattern</a:t>
+            </a:r>
           </a:p>
           <a:p>
             <a:r>
@@ -8905,21 +9147,22 @@
             <a:pPr lvl="1"/>
             <a:r>
               <a:rPr lang="en-US" dirty="0" smtClean="0"/>
-              <a:t>Attackers are evolving with counter-strategies</a:t>
+              <a:t>Incomplete graph – </a:t>
+            </a:r>
+            <a:r>
+              <a:rPr lang="en-US" dirty="0" smtClean="0"/>
+              <a:t>unknown </a:t>
+            </a:r>
+            <a:r>
+              <a:rPr lang="en-US" dirty="0" smtClean="0"/>
+              <a:t>among external accounts</a:t>
             </a:r>
           </a:p>
           <a:p>
             <a:pPr lvl="1"/>
             <a:r>
               <a:rPr lang="en-US" dirty="0" smtClean="0"/>
-              <a:t>No information known among external accounts</a:t>
-            </a:r>
-          </a:p>
-          <a:p>
-            <a:pPr lvl="1"/>
-            <a:r>
-              <a:rPr lang="en-US" dirty="0" smtClean="0"/>
-              <a:t>Large scale data requires efficient parallel algorithms</a:t>
+              <a:t>Large graph scale requires efficient parallel algorithms</a:t>
             </a:r>
             <a:endParaRPr lang="en-US" dirty="0"/>
           </a:p>
@@ -8971,9 +9214,6 @@
                     <p:cTn id="3" fill="hold">
                       <p:stCondLst>
                         <p:cond delay="indefinite"/>
-                        <p:cond evt="onBegin" delay="0">
-                          <p:tn val="2"/>
-                        </p:cond>
                       </p:stCondLst>
                       <p:childTnLst>
                         <p:par>
@@ -8983,7 +9223,7 @@
                             </p:stCondLst>
                             <p:childTnLst>
                               <p:par>
-                                <p:cTn id="5" presetID="10" presetClass="entr" presetSubtype="0" fill="hold" nodeType="withEffect">
+                                <p:cTn id="5" presetID="10" presetClass="entr" presetSubtype="0" fill="hold" nodeType="clickEffect">
                                   <p:stCondLst>
                                     <p:cond delay="0"/>
                                   </p:stCondLst>
@@ -9154,15 +9394,33 @@
                                   </p:childTnLst>
                                 </p:cTn>
                               </p:par>
+                            </p:childTnLst>
+                          </p:cTn>
+                        </p:par>
+                      </p:childTnLst>
+                    </p:cTn>
+                  </p:par>
+                  <p:par>
+                    <p:cTn id="17" fill="hold">
+                      <p:stCondLst>
+                        <p:cond delay="indefinite"/>
+                      </p:stCondLst>
+                      <p:childTnLst>
+                        <p:par>
+                          <p:cTn id="18" fill="hold">
+                            <p:stCondLst>
+                              <p:cond delay="0"/>
+                            </p:stCondLst>
+                            <p:childTnLst>
                               <p:par>
-                                <p:cTn id="17" presetID="10" presetClass="entr" presetSubtype="0" fill="hold" nodeType="withEffect">
+                                <p:cTn id="19" presetID="10" presetClass="entr" presetSubtype="0" fill="hold" nodeType="clickEffect">
                                   <p:stCondLst>
                                     <p:cond delay="0"/>
                                   </p:stCondLst>
                                   <p:childTnLst>
                                     <p:set>
                                       <p:cBhvr>
-                                        <p:cTn id="18" dur="1" fill="hold">
+                                        <p:cTn id="20" dur="1" fill="hold">
                                           <p:stCondLst>
                                             <p:cond delay="0"/>
                                           </p:stCondLst>
@@ -9184,7 +9442,7 @@
                                     </p:set>
                                     <p:animEffect transition="in" filter="fade">
                                       <p:cBhvr>
-                                        <p:cTn id="19" dur="500"/>
+                                        <p:cTn id="21" dur="500"/>
                                         <p:tgtEl>
                                           <p:spTgt spid="3">
                                             <p:txEl>
@@ -9198,14 +9456,14 @@
                                 </p:cTn>
                               </p:par>
                               <p:par>
-                                <p:cTn id="20" presetID="10" presetClass="entr" presetSubtype="0" fill="hold" nodeType="withEffect">
+                                <p:cTn id="22" presetID="10" presetClass="entr" presetSubtype="0" fill="hold" nodeType="withEffect">
                                   <p:stCondLst>
                                     <p:cond delay="0"/>
                                   </p:stCondLst>
                                   <p:childTnLst>
                                     <p:set>
                                       <p:cBhvr>
-                                        <p:cTn id="21" dur="1" fill="hold">
+                                        <p:cTn id="23" dur="1" fill="hold">
                                           <p:stCondLst>
                                             <p:cond delay="0"/>
                                           </p:stCondLst>
@@ -9227,7 +9485,7 @@
                                     </p:set>
                                     <p:animEffect transition="in" filter="fade">
                                       <p:cBhvr>
-                                        <p:cTn id="22" dur="500"/>
+                                        <p:cTn id="24" dur="500"/>
                                         <p:tgtEl>
                                           <p:spTgt spid="3">
                                             <p:txEl>
@@ -9241,14 +9499,14 @@
                                 </p:cTn>
                               </p:par>
                               <p:par>
-                                <p:cTn id="23" presetID="10" presetClass="entr" presetSubtype="0" fill="hold" nodeType="withEffect">
+                                <p:cTn id="25" presetID="10" presetClass="entr" presetSubtype="0" fill="hold" nodeType="withEffect">
                                   <p:stCondLst>
                                     <p:cond delay="0"/>
                                   </p:stCondLst>
                                   <p:childTnLst>
                                     <p:set>
                                       <p:cBhvr>
-                                        <p:cTn id="24" dur="1" fill="hold">
+                                        <p:cTn id="26" dur="1" fill="hold">
                                           <p:stCondLst>
                                             <p:cond delay="0"/>
                                           </p:stCondLst>
@@ -9270,7 +9528,7 @@
                                     </p:set>
                                     <p:animEffect transition="in" filter="fade">
                                       <p:cBhvr>
-                                        <p:cTn id="25" dur="500"/>
+                                        <p:cTn id="27" dur="500"/>
                                         <p:tgtEl>
                                           <p:spTgt spid="3">
                                             <p:txEl>
@@ -9283,15 +9541,119 @@
                                   </p:childTnLst>
                                 </p:cTn>
                               </p:par>
+                            </p:childTnLst>
+                          </p:cTn>
+                        </p:par>
+                      </p:childTnLst>
+                    </p:cTn>
+                  </p:par>
+                  <p:par>
+                    <p:cTn id="28" fill="hold">
+                      <p:stCondLst>
+                        <p:cond delay="indefinite"/>
+                      </p:stCondLst>
+                      <p:childTnLst>
+                        <p:par>
+                          <p:cTn id="29" fill="hold">
+                            <p:stCondLst>
+                              <p:cond delay="0"/>
+                            </p:stCondLst>
+                            <p:childTnLst>
                               <p:par>
-                                <p:cTn id="26" presetID="10" presetClass="entr" presetSubtype="0" fill="hold" nodeType="withEffect">
+                                <p:cTn id="30" presetID="10" presetClass="entr" presetSubtype="0" fill="hold" nodeType="clickEffect">
                                   <p:stCondLst>
                                     <p:cond delay="0"/>
                                   </p:stCondLst>
                                   <p:childTnLst>
                                     <p:set>
                                       <p:cBhvr>
-                                        <p:cTn id="27" dur="1" fill="hold">
+                                        <p:cTn id="31" dur="1" fill="hold">
+                                          <p:stCondLst>
+                                            <p:cond delay="0"/>
+                                          </p:stCondLst>
+                                        </p:cTn>
+                                        <p:tgtEl>
+                                          <p:spTgt spid="3">
+                                            <p:txEl>
+                                              <p:pRg st="7" end="7"/>
+                                            </p:txEl>
+                                          </p:spTgt>
+                                        </p:tgtEl>
+                                        <p:attrNameLst>
+                                          <p:attrName>style.visibility</p:attrName>
+                                        </p:attrNameLst>
+                                      </p:cBhvr>
+                                      <p:to>
+                                        <p:strVal val="visible"/>
+                                      </p:to>
+                                    </p:set>
+                                    <p:animEffect transition="in" filter="fade">
+                                      <p:cBhvr>
+                                        <p:cTn id="32" dur="500"/>
+                                        <p:tgtEl>
+                                          <p:spTgt spid="3">
+                                            <p:txEl>
+                                              <p:pRg st="7" end="7"/>
+                                            </p:txEl>
+                                          </p:spTgt>
+                                        </p:tgtEl>
+                                      </p:cBhvr>
+                                    </p:animEffect>
+                                  </p:childTnLst>
+                                </p:cTn>
+                              </p:par>
+                              <p:par>
+                                <p:cTn id="33" presetID="10" presetClass="entr" presetSubtype="0" fill="hold" nodeType="withEffect">
+                                  <p:stCondLst>
+                                    <p:cond delay="0"/>
+                                  </p:stCondLst>
+                                  <p:childTnLst>
+                                    <p:set>
+                                      <p:cBhvr>
+                                        <p:cTn id="34" dur="1" fill="hold">
+                                          <p:stCondLst>
+                                            <p:cond delay="0"/>
+                                          </p:stCondLst>
+                                        </p:cTn>
+                                        <p:tgtEl>
+                                          <p:spTgt spid="3">
+                                            <p:txEl>
+                                              <p:pRg st="8" end="8"/>
+                                            </p:txEl>
+                                          </p:spTgt>
+                                        </p:tgtEl>
+                                        <p:attrNameLst>
+                                          <p:attrName>style.visibility</p:attrName>
+                                        </p:attrNameLst>
+                                      </p:cBhvr>
+                                      <p:to>
+                                        <p:strVal val="visible"/>
+                                      </p:to>
+                                    </p:set>
+                                    <p:animEffect transition="in" filter="fade">
+                                      <p:cBhvr>
+                                        <p:cTn id="35" dur="500"/>
+                                        <p:tgtEl>
+                                          <p:spTgt spid="3">
+                                            <p:txEl>
+                                              <p:pRg st="8" end="8"/>
+                                            </p:txEl>
+                                          </p:spTgt>
+                                        </p:tgtEl>
+                                      </p:cBhvr>
+                                    </p:animEffect>
+                                  </p:childTnLst>
+                                </p:cTn>
+                              </p:par>
+                              <p:par>
+                                <p:cTn id="36" presetID="10" presetClass="entr" presetSubtype="0" fill="hold" nodeType="withEffect">
+                                  <p:stCondLst>
+                                    <p:cond delay="0"/>
+                                  </p:stCondLst>
+                                  <p:childTnLst>
+                                    <p:set>
+                                      <p:cBhvr>
+                                        <p:cTn id="37" dur="1" fill="hold">
                                           <p:stCondLst>
                                             <p:cond delay="0"/>
                                           </p:stCondLst>
@@ -9313,7 +9675,7 @@
                                     </p:set>
                                     <p:animEffect transition="in" filter="fade">
                                       <p:cBhvr>
-                                        <p:cTn id="28" dur="500"/>
+                                        <p:cTn id="38" dur="500"/>
                                         <p:tgtEl>
                                           <p:spTgt spid="3">
                                             <p:txEl>
@@ -9327,14 +9689,14 @@
                                 </p:cTn>
                               </p:par>
                               <p:par>
-                                <p:cTn id="29" presetID="10" presetClass="entr" presetSubtype="0" fill="hold" nodeType="withEffect">
+                                <p:cTn id="39" presetID="10" presetClass="entr" presetSubtype="0" fill="hold" nodeType="withEffect">
                                   <p:stCondLst>
                                     <p:cond delay="0"/>
                                   </p:stCondLst>
                                   <p:childTnLst>
                                     <p:set>
                                       <p:cBhvr>
-                                        <p:cTn id="30" dur="1" fill="hold">
+                                        <p:cTn id="40" dur="1" fill="hold">
                                           <p:stCondLst>
                                             <p:cond delay="0"/>
                                           </p:stCondLst>
@@ -9356,97 +9718,11 @@
                                     </p:set>
                                     <p:animEffect transition="in" filter="fade">
                                       <p:cBhvr>
-                                        <p:cTn id="31" dur="500"/>
+                                        <p:cTn id="41" dur="500"/>
                                         <p:tgtEl>
                                           <p:spTgt spid="3">
                                             <p:txEl>
                                               <p:pRg st="10" end="10"/>
-                                            </p:txEl>
-                                          </p:spTgt>
-                                        </p:tgtEl>
-                                      </p:cBhvr>
-                                    </p:animEffect>
-                                  </p:childTnLst>
-                                </p:cTn>
-                              </p:par>
-                              <p:par>
-                                <p:cTn id="32" presetID="10" presetClass="entr" presetSubtype="0" fill="hold" nodeType="withEffect">
-                                  <p:stCondLst>
-                                    <p:cond delay="0"/>
-                                  </p:stCondLst>
-                                  <p:childTnLst>
-                                    <p:set>
-                                      <p:cBhvr>
-                                        <p:cTn id="33" dur="1" fill="hold">
-                                          <p:stCondLst>
-                                            <p:cond delay="0"/>
-                                          </p:stCondLst>
-                                        </p:cTn>
-                                        <p:tgtEl>
-                                          <p:spTgt spid="3">
-                                            <p:txEl>
-                                              <p:charRg st="170" end="208"/>
-                                            </p:txEl>
-                                          </p:spTgt>
-                                        </p:tgtEl>
-                                        <p:attrNameLst>
-                                          <p:attrName>style.visibility</p:attrName>
-                                        </p:attrNameLst>
-                                      </p:cBhvr>
-                                      <p:to>
-                                        <p:strVal val="visible"/>
-                                      </p:to>
-                                    </p:set>
-                                    <p:animEffect transition="in" filter="fade">
-                                      <p:cBhvr>
-                                        <p:cTn id="34" dur="500"/>
-                                        <p:tgtEl>
-                                          <p:spTgt spid="3">
-                                            <p:txEl>
-                                              <p:charRg st="170" end="208"/>
-                                            </p:txEl>
-                                          </p:spTgt>
-                                        </p:tgtEl>
-                                      </p:cBhvr>
-                                    </p:animEffect>
-                                  </p:childTnLst>
-                                </p:cTn>
-                              </p:par>
-                              <p:par>
-                                <p:cTn id="35" presetID="10" presetClass="entr" presetSubtype="0" fill="hold" nodeType="withEffect">
-                                  <p:stCondLst>
-                                    <p:cond delay="0"/>
-                                  </p:stCondLst>
-                                  <p:childTnLst>
-                                    <p:set>
-                                      <p:cBhvr>
-                                        <p:cTn id="36" dur="1" fill="hold">
-                                          <p:stCondLst>
-                                            <p:cond delay="0"/>
-                                          </p:stCondLst>
-                                        </p:cTn>
-                                        <p:tgtEl>
-                                          <p:spTgt spid="3">
-                                            <p:txEl>
-                                              <p:charRg st="249" end="292"/>
-                                            </p:txEl>
-                                          </p:spTgt>
-                                        </p:tgtEl>
-                                        <p:attrNameLst>
-                                          <p:attrName>style.visibility</p:attrName>
-                                        </p:attrNameLst>
-                                      </p:cBhvr>
-                                      <p:to>
-                                        <p:strVal val="visible"/>
-                                      </p:to>
-                                    </p:set>
-                                    <p:animEffect transition="in" filter="fade">
-                                      <p:cBhvr>
-                                        <p:cTn id="37" dur="500"/>
-                                        <p:tgtEl>
-                                          <p:spTgt spid="3">
-                                            <p:txEl>
-                                              <p:charRg st="249" end="292"/>
                                             </p:txEl>
                                           </p:spTgt>
                                         </p:tgtEl>
@@ -9546,17 +9822,95 @@
         </p:spPr>
         <p:txBody>
           <a:bodyPr>
-            <a:normAutofit fontScale="92500" lnSpcReduction="20000"/>
+            <a:normAutofit/>
           </a:bodyPr>
           <a:lstStyle/>
           <a:p>
             <a:r>
               <a:rPr lang="en-US" dirty="0" smtClean="0"/>
-              <a:t>Detection methods </a:t>
-            </a:r>
-            <a:r>
-              <a:rPr lang="en-US" dirty="0"/>
-              <a:t>for both </a:t>
+              <a:t>Detection methodology </a:t>
+            </a:r>
+            <a:r>
+              <a:rPr lang="en-US" dirty="0" smtClean="0"/>
+              <a:t>– </a:t>
+            </a:r>
+            <a:r>
+              <a:rPr lang="en-US" dirty="0" smtClean="0">
+                <a:solidFill>
+                  <a:srgbClr val="3366FF"/>
+                </a:solidFill>
+              </a:rPr>
+              <a:t>local</a:t>
+            </a:r>
+            <a:r>
+              <a:rPr lang="en-US" dirty="0" smtClean="0"/>
+              <a:t> and </a:t>
+            </a:r>
+            <a:r>
+              <a:rPr lang="en-US" dirty="0" smtClean="0">
+                <a:solidFill>
+                  <a:srgbClr val="3366FF"/>
+                </a:solidFill>
+              </a:rPr>
+              <a:t>global</a:t>
+            </a:r>
+            <a:r>
+              <a:rPr lang="en-US" dirty="0" smtClean="0"/>
+              <a:t> social graph features for detection</a:t>
+            </a:r>
+          </a:p>
+          <a:p>
+            <a:endParaRPr lang="en-US" dirty="0" smtClean="0"/>
+          </a:p>
+          <a:p>
+            <a:r>
+              <a:rPr lang="en-US" dirty="0" smtClean="0"/>
+              <a:t>Implementation </a:t>
+            </a:r>
+            <a:r>
+              <a:rPr lang="en-US" dirty="0" smtClean="0"/>
+              <a:t>– demonstrate </a:t>
+            </a:r>
+            <a:r>
+              <a:rPr lang="en-US" dirty="0" smtClean="0">
+                <a:solidFill>
+                  <a:srgbClr val="3366FF"/>
+                </a:solidFill>
+              </a:rPr>
+              <a:t>practicality </a:t>
+            </a:r>
+            <a:r>
+              <a:rPr lang="en-US" dirty="0" smtClean="0"/>
+              <a:t>and </a:t>
+            </a:r>
+            <a:r>
+              <a:rPr lang="en-US" dirty="0" smtClean="0">
+                <a:solidFill>
+                  <a:srgbClr val="3366FF"/>
+                </a:solidFill>
+              </a:rPr>
+              <a:t>scalability </a:t>
+            </a:r>
+            <a:r>
+              <a:rPr lang="en-US" dirty="0" smtClean="0"/>
+              <a:t>for </a:t>
+            </a:r>
+            <a:r>
+              <a:rPr lang="en-US" dirty="0" smtClean="0"/>
+              <a:t>large-scale social graphs</a:t>
+            </a:r>
+          </a:p>
+          <a:p>
+            <a:endParaRPr lang="en-US" dirty="0" smtClean="0"/>
+          </a:p>
+          <a:p>
+            <a:r>
+              <a:rPr lang="en-US" dirty="0" smtClean="0"/>
+              <a:t>Evaluation </a:t>
+            </a:r>
+            <a:r>
+              <a:rPr lang="en-US" dirty="0" smtClean="0"/>
+              <a:t>– use a </a:t>
             </a:r>
             <a:r>
               <a:rPr lang="en-US" dirty="0" smtClean="0">
@@ -9564,93 +9918,27 @@
                   <a:srgbClr val="FF0000"/>
                 </a:solidFill>
               </a:rPr>
-              <a:t>attacker-created </a:t>
-            </a:r>
-            <a:r>
-              <a:rPr lang="en-US" dirty="0"/>
-              <a:t>accounts and </a:t>
-            </a:r>
-            <a:r>
-              <a:rPr lang="en-US" dirty="0">
-                <a:solidFill>
-                  <a:srgbClr val="FF0000"/>
-                </a:solidFill>
-              </a:rPr>
-              <a:t>hijacked</a:t>
-            </a:r>
-            <a:r>
-              <a:rPr lang="en-US" dirty="0"/>
+              <a:t>real-world</a:t>
+            </a:r>
+            <a:r>
+              <a:rPr lang="en-US" dirty="0" smtClean="0"/>
               <a:t> </a:t>
             </a:r>
             <a:r>
               <a:rPr lang="en-US" dirty="0" smtClean="0"/>
-              <a:t>accounts</a:t>
-            </a:r>
-          </a:p>
-          <a:p>
-            <a:endParaRPr lang="en-US" dirty="0" smtClean="0">
-              <a:solidFill>
-                <a:srgbClr val="3366FF"/>
-              </a:solidFill>
-            </a:endParaRPr>
-          </a:p>
-          <a:p>
-            <a:r>
-              <a:rPr lang="en-US" dirty="0" smtClean="0">
-                <a:solidFill>
-                  <a:srgbClr val="3366FF"/>
-                </a:solidFill>
-              </a:rPr>
-              <a:t>Robust</a:t>
+              <a:t>data </a:t>
             </a:r>
             <a:r>
               <a:rPr lang="en-US" dirty="0" smtClean="0"/>
-              <a:t> features hard for attackers to bypass</a:t>
-            </a:r>
-          </a:p>
-          <a:p>
-            <a:endParaRPr lang="en-US" dirty="0" smtClean="0">
-              <a:solidFill>
-                <a:srgbClr val="3366FF"/>
-              </a:solidFill>
-            </a:endParaRPr>
-          </a:p>
-          <a:p>
-            <a:r>
-              <a:rPr lang="en-US" dirty="0" smtClean="0">
-                <a:solidFill>
-                  <a:srgbClr val="3366FF"/>
-                </a:solidFill>
-              </a:rPr>
-              <a:t>Practical</a:t>
+              <a:t>set </a:t>
             </a:r>
             <a:r>
               <a:rPr lang="en-US" dirty="0" smtClean="0"/>
-              <a:t> for large-scale online services</a:t>
-            </a:r>
-          </a:p>
-          <a:p>
-            <a:endParaRPr lang="en-US" dirty="0"/>
-          </a:p>
-          <a:p>
-            <a:endParaRPr lang="en-US" dirty="0" smtClean="0"/>
-          </a:p>
-          <a:p>
+              <a:t>with </a:t>
+            </a:r>
             <a:r>
               <a:rPr lang="en-US" dirty="0" smtClean="0"/>
-              <a:t>Methodology: local/global graph features</a:t>
-            </a:r>
-          </a:p>
-          <a:p>
-            <a:r>
-              <a:rPr lang="en-US" dirty="0" smtClean="0"/>
-              <a:t>We demonstrate highly practical and scalable for large-scale</a:t>
-            </a:r>
-          </a:p>
-          <a:p>
-            <a:r>
-              <a:rPr lang="en-US" dirty="0" smtClean="0"/>
-              <a:t>Evaluation using real data set</a:t>
+              <a:t>large scale and long duration</a:t>
             </a:r>
             <a:endParaRPr lang="en-US" dirty="0" smtClean="0"/>
           </a:p>
@@ -9884,189 +10172,6 @@
                       </p:childTnLst>
                     </p:cTn>
                   </p:par>
-                  <p:par>
-                    <p:cTn id="18" fill="hold">
-                      <p:stCondLst>
-                        <p:cond delay="indefinite"/>
-                      </p:stCondLst>
-                      <p:childTnLst>
-                        <p:par>
-                          <p:cTn id="19" fill="hold">
-                            <p:stCondLst>
-                              <p:cond delay="0"/>
-                            </p:stCondLst>
-                            <p:childTnLst>
-                              <p:par>
-                                <p:cTn id="20" presetID="10" presetClass="entr" presetSubtype="0" fill="hold" nodeType="clickEffect">
-                                  <p:stCondLst>
-                                    <p:cond delay="0"/>
-                                  </p:stCondLst>
-                                  <p:childTnLst>
-                                    <p:set>
-                                      <p:cBhvr>
-                                        <p:cTn id="21" dur="1" fill="hold">
-                                          <p:stCondLst>
-                                            <p:cond delay="0"/>
-                                          </p:stCondLst>
-                                        </p:cTn>
-                                        <p:tgtEl>
-                                          <p:spTgt spid="3">
-                                            <p:txEl>
-                                              <p:pRg st="7" end="7"/>
-                                            </p:txEl>
-                                          </p:spTgt>
-                                        </p:tgtEl>
-                                        <p:attrNameLst>
-                                          <p:attrName>style.visibility</p:attrName>
-                                        </p:attrNameLst>
-                                      </p:cBhvr>
-                                      <p:to>
-                                        <p:strVal val="visible"/>
-                                      </p:to>
-                                    </p:set>
-                                    <p:animEffect transition="in" filter="fade">
-                                      <p:cBhvr>
-                                        <p:cTn id="22" dur="500"/>
-                                        <p:tgtEl>
-                                          <p:spTgt spid="3">
-                                            <p:txEl>
-                                              <p:pRg st="7" end="7"/>
-                                            </p:txEl>
-                                          </p:spTgt>
-                                        </p:tgtEl>
-                                      </p:cBhvr>
-                                    </p:animEffect>
-                                  </p:childTnLst>
-                                </p:cTn>
-                              </p:par>
-                            </p:childTnLst>
-                          </p:cTn>
-                        </p:par>
-                      </p:childTnLst>
-                    </p:cTn>
-                  </p:par>
-                  <p:par>
-                    <p:cTn id="23" fill="hold">
-                      <p:stCondLst>
-                        <p:cond delay="indefinite"/>
-                      </p:stCondLst>
-                      <p:childTnLst>
-                        <p:par>
-                          <p:cTn id="24" fill="hold">
-                            <p:stCondLst>
-                              <p:cond delay="0"/>
-                            </p:stCondLst>
-                            <p:childTnLst>
-                              <p:par>
-                                <p:cTn id="25" presetID="10" presetClass="entr" presetSubtype="0" fill="hold" nodeType="clickEffect">
-                                  <p:stCondLst>
-                                    <p:cond delay="0"/>
-                                  </p:stCondLst>
-                                  <p:childTnLst>
-                                    <p:set>
-                                      <p:cBhvr>
-                                        <p:cTn id="26" dur="1" fill="hold">
-                                          <p:stCondLst>
-                                            <p:cond delay="0"/>
-                                          </p:stCondLst>
-                                        </p:cTn>
-                                        <p:tgtEl>
-                                          <p:spTgt spid="3">
-                                            <p:txEl>
-                                              <p:pRg st="8" end="8"/>
-                                            </p:txEl>
-                                          </p:spTgt>
-                                        </p:tgtEl>
-                                        <p:attrNameLst>
-                                          <p:attrName>style.visibility</p:attrName>
-                                        </p:attrNameLst>
-                                      </p:cBhvr>
-                                      <p:to>
-                                        <p:strVal val="visible"/>
-                                      </p:to>
-                                    </p:set>
-                                    <p:animEffect transition="in" filter="fade">
-                                      <p:cBhvr>
-                                        <p:cTn id="27" dur="500"/>
-                                        <p:tgtEl>
-                                          <p:spTgt spid="3">
-                                            <p:txEl>
-                                              <p:pRg st="8" end="8"/>
-                                            </p:txEl>
-                                          </p:spTgt>
-                                        </p:tgtEl>
-                                      </p:cBhvr>
-                                    </p:animEffect>
-                                  </p:childTnLst>
-                                </p:cTn>
-                              </p:par>
-                            </p:childTnLst>
-                          </p:cTn>
-                        </p:par>
-                      </p:childTnLst>
-                    </p:cTn>
-                  </p:par>
-                  <p:par>
-                    <p:cTn id="28" fill="hold">
-                      <p:stCondLst>
-                        <p:cond delay="indefinite"/>
-                      </p:stCondLst>
-                      <p:childTnLst>
-                        <p:par>
-                          <p:cTn id="29" fill="hold">
-                            <p:stCondLst>
-                              <p:cond delay="0"/>
-                            </p:stCondLst>
-                            <p:childTnLst>
-                              <p:par>
-                                <p:cTn id="30" presetID="10" presetClass="entr" presetSubtype="0" fill="hold" nodeType="clickEffect">
-                                  <p:stCondLst>
-                                    <p:cond delay="0"/>
-                                  </p:stCondLst>
-                                  <p:childTnLst>
-                                    <p:set>
-                                      <p:cBhvr>
-                                        <p:cTn id="31" dur="1" fill="hold">
-                                          <p:stCondLst>
-                                            <p:cond delay="0"/>
-                                          </p:stCondLst>
-                                        </p:cTn>
-                                        <p:tgtEl>
-                                          <p:spTgt spid="3">
-                                            <p:txEl>
-                                              <p:pRg st="9" end="9"/>
-                                            </p:txEl>
-                                          </p:spTgt>
-                                        </p:tgtEl>
-                                        <p:attrNameLst>
-                                          <p:attrName>style.visibility</p:attrName>
-                                        </p:attrNameLst>
-                                      </p:cBhvr>
-                                      <p:to>
-                                        <p:strVal val="visible"/>
-                                      </p:to>
-                                    </p:set>
-                                    <p:animEffect transition="in" filter="fade">
-                                      <p:cBhvr>
-                                        <p:cTn id="32" dur="500"/>
-                                        <p:tgtEl>
-                                          <p:spTgt spid="3">
-                                            <p:txEl>
-                                              <p:pRg st="9" end="9"/>
-                                            </p:txEl>
-                                          </p:spTgt>
-                                        </p:tgtEl>
-                                      </p:cBhvr>
-                                    </p:animEffect>
-                                  </p:childTnLst>
-                                </p:cTn>
-                              </p:par>
-                            </p:childTnLst>
-                          </p:cTn>
-                        </p:par>
-                      </p:childTnLst>
-                    </p:cTn>
-                  </p:par>
                 </p:childTnLst>
               </p:cTn>
               <p:prevCondLst>
@@ -10126,15 +10231,7 @@
           <a:p>
             <a:r>
               <a:rPr lang="en-US" dirty="0" smtClean="0"/>
-              <a:t>Social </a:t>
-            </a:r>
-            <a:r>
-              <a:rPr lang="en-US" dirty="0" smtClean="0"/>
-              <a:t>Graph </a:t>
-            </a:r>
-            <a:r>
-              <a:rPr lang="en-US" dirty="0" smtClean="0"/>
-              <a:t>for Hotmail</a:t>
+              <a:t>Social Graph for Hotmail</a:t>
             </a:r>
             <a:endParaRPr lang="en-US" dirty="0"/>
           </a:p>
@@ -11995,15 +12092,7 @@
           <a:p>
             <a:r>
               <a:rPr lang="en-US" dirty="0" smtClean="0"/>
-              <a:t>Social </a:t>
-            </a:r>
-            <a:r>
-              <a:rPr lang="en-US" dirty="0" smtClean="0"/>
-              <a:t>Graph </a:t>
-            </a:r>
-            <a:r>
-              <a:rPr lang="en-US" dirty="0" smtClean="0"/>
-              <a:t>for Hotmail</a:t>
+              <a:t>Social Graph for Hotmail</a:t>
             </a:r>
             <a:endParaRPr lang="en-US" dirty="0"/>
           </a:p>
@@ -12230,7 +12319,6 @@
               <a:rPr lang="en-US" dirty="0" smtClean="0"/>
               <a:t>Vertex</a:t>
             </a:r>
-            <a:endParaRPr lang="en-US" dirty="0" smtClean="0"/>
           </a:p>
           <a:p>
             <a:pPr lvl="1"/>
@@ -12269,7 +12357,6 @@
               <a:rPr lang="en-US" dirty="0" smtClean="0"/>
               <a:t>Edge</a:t>
             </a:r>
-            <a:endParaRPr lang="en-US" dirty="0" smtClean="0"/>
           </a:p>
           <a:p>
             <a:pPr lvl="1"/>
@@ -12297,7 +12384,6 @@
               <a:rPr lang="en-US" dirty="0"/>
               <a:t>)</a:t>
             </a:r>
-            <a:endParaRPr lang="en-US" dirty="0"/>
           </a:p>
           <a:p>
             <a:pPr lvl="2"/>
@@ -13056,11 +13142,7 @@
           <a:p>
             <a:r>
               <a:rPr lang="en-US" dirty="0" smtClean="0"/>
-              <a:t>Intuitions in </a:t>
-            </a:r>
-            <a:r>
-              <a:rPr lang="en-US" dirty="0" smtClean="0"/>
-              <a:t>Leveraging Social Graphs</a:t>
+              <a:t>Intuitions in Leveraging Social Graphs</a:t>
             </a:r>
             <a:endParaRPr lang="en-US" dirty="0"/>
           </a:p>
@@ -13564,11 +13646,7 @@
             <a:pPr lvl="0"/>
             <a:r>
               <a:rPr lang="en-US" dirty="0" smtClean="0"/>
-              <a:t>Good users </a:t>
-            </a:r>
-            <a:r>
-              <a:rPr lang="en-US" dirty="0" smtClean="0"/>
-              <a:t>send emails to other </a:t>
+              <a:t>Good users send emails to other </a:t>
             </a:r>
             <a:r>
               <a:rPr lang="en-US" dirty="0"/>
@@ -14396,6 +14474,56 @@
           </a:fontRef>
         </p:style>
       </p:cxnSp>
+      <p:sp>
+        <p:nvSpPr>
+          <p:cNvPr id="37" name="圆角矩形 4"/>
+          <p:cNvSpPr/>
+          <p:nvPr/>
+        </p:nvSpPr>
+        <p:spPr>
+          <a:xfrm>
+            <a:off x="1370728" y="4618522"/>
+            <a:ext cx="3591845" cy="1137618"/>
+          </a:xfrm>
+          <a:prstGeom prst="roundRect">
+            <a:avLst/>
+          </a:prstGeom>
+          <a:ln w="38100" cmpd="sng"/>
+        </p:spPr>
+        <p:style>
+          <a:lnRef idx="2">
+            <a:schemeClr val="dk1"/>
+          </a:lnRef>
+          <a:fillRef idx="1">
+            <a:schemeClr val="lt1"/>
+          </a:fillRef>
+          <a:effectRef idx="0">
+            <a:schemeClr val="dk1"/>
+          </a:effectRef>
+          <a:fontRef idx="minor">
+            <a:schemeClr val="dk1"/>
+          </a:fontRef>
+        </p:style>
+        <p:txBody>
+          <a:bodyPr rtlCol="0" anchor="ctr"/>
+          <a:lstStyle/>
+          <a:p>
+            <a:r>
+              <a:rPr lang="en-US" sz="2400" dirty="0" smtClean="0">
+                <a:solidFill>
+                  <a:srgbClr val="3366FF"/>
+                </a:solidFill>
+              </a:rPr>
+              <a:t>Degree and PageRank based detection</a:t>
+            </a:r>
+            <a:endParaRPr lang="en-US" sz="2400" dirty="0">
+              <a:solidFill>
+                <a:srgbClr val="3366FF"/>
+              </a:solidFill>
+            </a:endParaRPr>
+          </a:p>
+        </p:txBody>
+      </p:sp>
     </p:spTree>
     <p:extLst>
       <p:ext uri="{BB962C8B-B14F-4D97-AF65-F5344CB8AC3E}">
@@ -15222,33 +15350,15 @@
                                   </p:childTnLst>
                                 </p:cTn>
                               </p:par>
-                            </p:childTnLst>
-                          </p:cTn>
-                        </p:par>
-                      </p:childTnLst>
-                    </p:cTn>
-                  </p:par>
-                  <p:par>
-                    <p:cTn id="73" fill="hold">
-                      <p:stCondLst>
-                        <p:cond delay="indefinite"/>
-                      </p:stCondLst>
-                      <p:childTnLst>
-                        <p:par>
-                          <p:cTn id="74" fill="hold">
-                            <p:stCondLst>
-                              <p:cond delay="0"/>
-                            </p:stCondLst>
-                            <p:childTnLst>
                               <p:par>
-                                <p:cTn id="75" presetID="10" presetClass="entr" presetSubtype="0" fill="hold" grpId="0" nodeType="clickEffect">
+                                <p:cTn id="73" presetID="10" presetClass="entr" presetSubtype="0" fill="hold" grpId="0" nodeType="withEffect">
                                   <p:stCondLst>
                                     <p:cond delay="0"/>
                                   </p:stCondLst>
                                   <p:childTnLst>
                                     <p:set>
                                       <p:cBhvr>
-                                        <p:cTn id="76" dur="1" fill="hold">
+                                        <p:cTn id="74" dur="1" fill="hold">
                                           <p:stCondLst>
                                             <p:cond delay="0"/>
                                           </p:stCondLst>
@@ -15266,7 +15376,7 @@
                                     </p:set>
                                     <p:animEffect transition="in" filter="fade">
                                       <p:cBhvr>
-                                        <p:cTn id="77" dur="500"/>
+                                        <p:cTn id="75" dur="500"/>
                                         <p:tgtEl>
                                           <p:spTgt spid="11"/>
                                         </p:tgtEl>
@@ -15282,26 +15392,26 @@
                     </p:cTn>
                   </p:par>
                   <p:par>
-                    <p:cTn id="78" fill="hold">
+                    <p:cTn id="76" fill="hold">
                       <p:stCondLst>
                         <p:cond delay="indefinite"/>
                       </p:stCondLst>
                       <p:childTnLst>
                         <p:par>
-                          <p:cTn id="79" fill="hold">
+                          <p:cTn id="77" fill="hold">
                             <p:stCondLst>
                               <p:cond delay="0"/>
                             </p:stCondLst>
                             <p:childTnLst>
                               <p:par>
-                                <p:cTn id="80" presetID="10" presetClass="entr" presetSubtype="0" fill="hold" nodeType="clickEffect">
+                                <p:cTn id="78" presetID="10" presetClass="entr" presetSubtype="0" fill="hold" nodeType="clickEffect">
                                   <p:stCondLst>
                                     <p:cond delay="0"/>
                                   </p:stCondLst>
                                   <p:childTnLst>
                                     <p:set>
                                       <p:cBhvr>
-                                        <p:cTn id="81" dur="1" fill="hold">
+                                        <p:cTn id="79" dur="1" fill="hold">
                                           <p:stCondLst>
                                             <p:cond delay="0"/>
                                           </p:stCondLst>
@@ -15319,7 +15429,7 @@
                                     </p:set>
                                     <p:animEffect transition="in" filter="fade">
                                       <p:cBhvr>
-                                        <p:cTn id="82" dur="500"/>
+                                        <p:cTn id="80" dur="500"/>
                                         <p:tgtEl>
                                           <p:spTgt spid="118"/>
                                         </p:tgtEl>
@@ -15329,14 +15439,14 @@
                                 </p:cTn>
                               </p:par>
                               <p:par>
-                                <p:cTn id="83" presetID="10" presetClass="entr" presetSubtype="0" fill="hold" nodeType="withEffect">
+                                <p:cTn id="81" presetID="10" presetClass="entr" presetSubtype="0" fill="hold" nodeType="withEffect">
                                   <p:stCondLst>
                                     <p:cond delay="0"/>
                                   </p:stCondLst>
                                   <p:childTnLst>
                                     <p:set>
                                       <p:cBhvr>
-                                        <p:cTn id="84" dur="1" fill="hold">
+                                        <p:cTn id="82" dur="1" fill="hold">
                                           <p:stCondLst>
                                             <p:cond delay="0"/>
                                           </p:stCondLst>
@@ -15354,7 +15464,7 @@
                                     </p:set>
                                     <p:animEffect transition="in" filter="fade">
                                       <p:cBhvr>
-                                        <p:cTn id="85" dur="500"/>
+                                        <p:cTn id="83" dur="500"/>
                                         <p:tgtEl>
                                           <p:spTgt spid="116"/>
                                         </p:tgtEl>
@@ -15364,14 +15474,14 @@
                                 </p:cTn>
                               </p:par>
                               <p:par>
-                                <p:cTn id="86" presetID="10" presetClass="entr" presetSubtype="0" fill="hold" nodeType="withEffect">
+                                <p:cTn id="84" presetID="10" presetClass="entr" presetSubtype="0" fill="hold" nodeType="withEffect">
                                   <p:stCondLst>
                                     <p:cond delay="0"/>
                                   </p:stCondLst>
                                   <p:childTnLst>
                                     <p:set>
                                       <p:cBhvr>
-                                        <p:cTn id="87" dur="1" fill="hold">
+                                        <p:cTn id="85" dur="1" fill="hold">
                                           <p:stCondLst>
                                             <p:cond delay="0"/>
                                           </p:stCondLst>
@@ -15389,7 +15499,7 @@
                                     </p:set>
                                     <p:animEffect transition="in" filter="fade">
                                       <p:cBhvr>
-                                        <p:cTn id="88" dur="500"/>
+                                        <p:cTn id="86" dur="500"/>
                                         <p:tgtEl>
                                           <p:spTgt spid="113"/>
                                         </p:tgtEl>
@@ -15405,26 +15515,26 @@
                     </p:cTn>
                   </p:par>
                   <p:par>
-                    <p:cTn id="89" fill="hold">
+                    <p:cTn id="87" fill="hold">
                       <p:stCondLst>
                         <p:cond delay="indefinite"/>
                       </p:stCondLst>
                       <p:childTnLst>
                         <p:par>
-                          <p:cTn id="90" fill="hold">
+                          <p:cTn id="88" fill="hold">
                             <p:stCondLst>
                               <p:cond delay="0"/>
                             </p:stCondLst>
                             <p:childTnLst>
                               <p:par>
-                                <p:cTn id="91" presetID="10" presetClass="entr" presetSubtype="0" fill="hold" nodeType="clickEffect">
+                                <p:cTn id="89" presetID="10" presetClass="entr" presetSubtype="0" fill="hold" nodeType="clickEffect">
                                   <p:stCondLst>
                                     <p:cond delay="0"/>
                                   </p:stCondLst>
                                   <p:childTnLst>
                                     <p:set>
                                       <p:cBhvr>
-                                        <p:cTn id="92" dur="1" fill="hold">
+                                        <p:cTn id="90" dur="1" fill="hold">
                                           <p:stCondLst>
                                             <p:cond delay="0"/>
                                           </p:stCondLst>
@@ -15446,7 +15556,7 @@
                                     </p:set>
                                     <p:animEffect transition="in" filter="fade">
                                       <p:cBhvr>
-                                        <p:cTn id="93" dur="500"/>
+                                        <p:cTn id="91" dur="500"/>
                                         <p:tgtEl>
                                           <p:spTgt spid="166">
                                             <p:txEl>
@@ -15459,33 +15569,15 @@
                                   </p:childTnLst>
                                 </p:cTn>
                               </p:par>
-                            </p:childTnLst>
-                          </p:cTn>
-                        </p:par>
-                      </p:childTnLst>
-                    </p:cTn>
-                  </p:par>
-                  <p:par>
-                    <p:cTn id="94" fill="hold">
-                      <p:stCondLst>
-                        <p:cond delay="indefinite"/>
-                      </p:stCondLst>
-                      <p:childTnLst>
-                        <p:par>
-                          <p:cTn id="95" fill="hold">
-                            <p:stCondLst>
-                              <p:cond delay="0"/>
-                            </p:stCondLst>
-                            <p:childTnLst>
                               <p:par>
-                                <p:cTn id="96" presetID="10" presetClass="entr" presetSubtype="0" fill="hold" grpId="0" nodeType="clickEffect">
+                                <p:cTn id="92" presetID="10" presetClass="entr" presetSubtype="0" fill="hold" grpId="0" nodeType="withEffect">
                                   <p:stCondLst>
                                     <p:cond delay="0"/>
                                   </p:stCondLst>
                                   <p:childTnLst>
                                     <p:set>
                                       <p:cBhvr>
-                                        <p:cTn id="97" dur="1" fill="hold">
+                                        <p:cTn id="93" dur="1" fill="hold">
                                           <p:stCondLst>
                                             <p:cond delay="0"/>
                                           </p:stCondLst>
@@ -15503,7 +15595,7 @@
                                     </p:set>
                                     <p:animEffect transition="in" filter="fade">
                                       <p:cBhvr>
-                                        <p:cTn id="98" dur="500"/>
+                                        <p:cTn id="94" dur="500"/>
                                         <p:tgtEl>
                                           <p:spTgt spid="134"/>
                                         </p:tgtEl>
@@ -15519,26 +15611,26 @@
                     </p:cTn>
                   </p:par>
                   <p:par>
-                    <p:cTn id="99" fill="hold">
+                    <p:cTn id="95" fill="hold">
                       <p:stCondLst>
                         <p:cond delay="indefinite"/>
                       </p:stCondLst>
                       <p:childTnLst>
                         <p:par>
-                          <p:cTn id="100" fill="hold">
+                          <p:cTn id="96" fill="hold">
                             <p:stCondLst>
                               <p:cond delay="0"/>
                             </p:stCondLst>
                             <p:childTnLst>
                               <p:par>
-                                <p:cTn id="101" presetID="10" presetClass="entr" presetSubtype="0" fill="hold" nodeType="clickEffect">
+                                <p:cTn id="97" presetID="10" presetClass="entr" presetSubtype="0" fill="hold" nodeType="clickEffect">
                                   <p:stCondLst>
                                     <p:cond delay="0"/>
                                   </p:stCondLst>
                                   <p:childTnLst>
                                     <p:set>
                                       <p:cBhvr>
-                                        <p:cTn id="102" dur="1" fill="hold">
+                                        <p:cTn id="98" dur="1" fill="hold">
                                           <p:stCondLst>
                                             <p:cond delay="0"/>
                                           </p:stCondLst>
@@ -15556,7 +15648,7 @@
                                     </p:set>
                                     <p:animEffect transition="in" filter="fade">
                                       <p:cBhvr>
-                                        <p:cTn id="103" dur="500"/>
+                                        <p:cTn id="99" dur="500"/>
                                         <p:tgtEl>
                                           <p:spTgt spid="140"/>
                                         </p:tgtEl>
@@ -15566,14 +15658,14 @@
                                 </p:cTn>
                               </p:par>
                               <p:par>
-                                <p:cTn id="104" presetID="10" presetClass="entr" presetSubtype="0" fill="hold" nodeType="withEffect">
+                                <p:cTn id="100" presetID="10" presetClass="entr" presetSubtype="0" fill="hold" nodeType="withEffect">
                                   <p:stCondLst>
                                     <p:cond delay="0"/>
                                   </p:stCondLst>
                                   <p:childTnLst>
                                     <p:set>
                                       <p:cBhvr>
-                                        <p:cTn id="105" dur="1" fill="hold">
+                                        <p:cTn id="101" dur="1" fill="hold">
                                           <p:stCondLst>
                                             <p:cond delay="0"/>
                                           </p:stCondLst>
@@ -15591,7 +15683,7 @@
                                     </p:set>
                                     <p:animEffect transition="in" filter="fade">
                                       <p:cBhvr>
-                                        <p:cTn id="106" dur="500"/>
+                                        <p:cTn id="102" dur="500"/>
                                         <p:tgtEl>
                                           <p:spTgt spid="136"/>
                                         </p:tgtEl>
@@ -15607,26 +15699,202 @@
                     </p:cTn>
                   </p:par>
                   <p:par>
-                    <p:cTn id="107" fill="hold">
+                    <p:cTn id="103" fill="hold">
                       <p:stCondLst>
                         <p:cond delay="indefinite"/>
                       </p:stCondLst>
                       <p:childTnLst>
                         <p:par>
-                          <p:cTn id="108" fill="hold">
+                          <p:cTn id="104" fill="hold">
                             <p:stCondLst>
                               <p:cond delay="0"/>
                             </p:stCondLst>
                             <p:childTnLst>
                               <p:par>
-                                <p:cTn id="109" presetID="10" presetClass="entr" presetSubtype="0" fill="hold" nodeType="clickEffect">
+                                <p:cTn id="105" presetID="10" presetClass="entr" presetSubtype="0" fill="hold" grpId="0" nodeType="clickEffect">
                                   <p:stCondLst>
                                     <p:cond delay="0"/>
                                   </p:stCondLst>
                                   <p:childTnLst>
                                     <p:set>
                                       <p:cBhvr>
-                                        <p:cTn id="110" dur="1" fill="hold">
+                                        <p:cTn id="106" dur="1" fill="hold">
+                                          <p:stCondLst>
+                                            <p:cond delay="0"/>
+                                          </p:stCondLst>
+                                        </p:cTn>
+                                        <p:tgtEl>
+                                          <p:spTgt spid="129"/>
+                                        </p:tgtEl>
+                                        <p:attrNameLst>
+                                          <p:attrName>style.visibility</p:attrName>
+                                        </p:attrNameLst>
+                                      </p:cBhvr>
+                                      <p:to>
+                                        <p:strVal val="visible"/>
+                                      </p:to>
+                                    </p:set>
+                                    <p:animEffect transition="in" filter="fade">
+                                      <p:cBhvr>
+                                        <p:cTn id="107" dur="500"/>
+                                        <p:tgtEl>
+                                          <p:spTgt spid="129"/>
+                                        </p:tgtEl>
+                                      </p:cBhvr>
+                                    </p:animEffect>
+                                  </p:childTnLst>
+                                </p:cTn>
+                              </p:par>
+                            </p:childTnLst>
+                          </p:cTn>
+                        </p:par>
+                      </p:childTnLst>
+                    </p:cTn>
+                  </p:par>
+                  <p:par>
+                    <p:cTn id="108" fill="hold">
+                      <p:stCondLst>
+                        <p:cond delay="indefinite"/>
+                      </p:stCondLst>
+                      <p:childTnLst>
+                        <p:par>
+                          <p:cTn id="109" fill="hold">
+                            <p:stCondLst>
+                              <p:cond delay="0"/>
+                            </p:stCondLst>
+                            <p:childTnLst>
+                              <p:par>
+                                <p:cTn id="110" presetID="10" presetClass="entr" presetSubtype="0" fill="hold" nodeType="clickEffect">
+                                  <p:stCondLst>
+                                    <p:cond delay="0"/>
+                                  </p:stCondLst>
+                                  <p:childTnLst>
+                                    <p:set>
+                                      <p:cBhvr>
+                                        <p:cTn id="111" dur="1" fill="hold">
+                                          <p:stCondLst>
+                                            <p:cond delay="0"/>
+                                          </p:stCondLst>
+                                        </p:cTn>
+                                        <p:tgtEl>
+                                          <p:spTgt spid="40"/>
+                                        </p:tgtEl>
+                                        <p:attrNameLst>
+                                          <p:attrName>style.visibility</p:attrName>
+                                        </p:attrNameLst>
+                                      </p:cBhvr>
+                                      <p:to>
+                                        <p:strVal val="visible"/>
+                                      </p:to>
+                                    </p:set>
+                                    <p:animEffect transition="in" filter="fade">
+                                      <p:cBhvr>
+                                        <p:cTn id="112" dur="500"/>
+                                        <p:tgtEl>
+                                          <p:spTgt spid="40"/>
+                                        </p:tgtEl>
+                                      </p:cBhvr>
+                                    </p:animEffect>
+                                  </p:childTnLst>
+                                </p:cTn>
+                              </p:par>
+                              <p:par>
+                                <p:cTn id="113" presetID="10" presetClass="entr" presetSubtype="0" fill="hold" nodeType="withEffect">
+                                  <p:stCondLst>
+                                    <p:cond delay="0"/>
+                                  </p:stCondLst>
+                                  <p:childTnLst>
+                                    <p:set>
+                                      <p:cBhvr>
+                                        <p:cTn id="114" dur="1" fill="hold">
+                                          <p:stCondLst>
+                                            <p:cond delay="0"/>
+                                          </p:stCondLst>
+                                        </p:cTn>
+                                        <p:tgtEl>
+                                          <p:spTgt spid="43"/>
+                                        </p:tgtEl>
+                                        <p:attrNameLst>
+                                          <p:attrName>style.visibility</p:attrName>
+                                        </p:attrNameLst>
+                                      </p:cBhvr>
+                                      <p:to>
+                                        <p:strVal val="visible"/>
+                                      </p:to>
+                                    </p:set>
+                                    <p:animEffect transition="in" filter="fade">
+                                      <p:cBhvr>
+                                        <p:cTn id="115" dur="500"/>
+                                        <p:tgtEl>
+                                          <p:spTgt spid="43"/>
+                                        </p:tgtEl>
+                                      </p:cBhvr>
+                                    </p:animEffect>
+                                  </p:childTnLst>
+                                </p:cTn>
+                              </p:par>
+                              <p:par>
+                                <p:cTn id="116" presetID="10" presetClass="entr" presetSubtype="0" fill="hold" nodeType="withEffect">
+                                  <p:stCondLst>
+                                    <p:cond delay="0"/>
+                                  </p:stCondLst>
+                                  <p:childTnLst>
+                                    <p:set>
+                                      <p:cBhvr>
+                                        <p:cTn id="117" dur="1" fill="hold">
+                                          <p:stCondLst>
+                                            <p:cond delay="0"/>
+                                          </p:stCondLst>
+                                        </p:cTn>
+                                        <p:tgtEl>
+                                          <p:spTgt spid="162"/>
+                                        </p:tgtEl>
+                                        <p:attrNameLst>
+                                          <p:attrName>style.visibility</p:attrName>
+                                        </p:attrNameLst>
+                                      </p:cBhvr>
+                                      <p:to>
+                                        <p:strVal val="visible"/>
+                                      </p:to>
+                                    </p:set>
+                                    <p:animEffect transition="in" filter="fade">
+                                      <p:cBhvr>
+                                        <p:cTn id="118" dur="500"/>
+                                        <p:tgtEl>
+                                          <p:spTgt spid="162"/>
+                                        </p:tgtEl>
+                                      </p:cBhvr>
+                                    </p:animEffect>
+                                  </p:childTnLst>
+                                </p:cTn>
+                              </p:par>
+                            </p:childTnLst>
+                          </p:cTn>
+                        </p:par>
+                      </p:childTnLst>
+                    </p:cTn>
+                  </p:par>
+                  <p:par>
+                    <p:cTn id="119" fill="hold">
+                      <p:stCondLst>
+                        <p:cond delay="indefinite"/>
+                      </p:stCondLst>
+                      <p:childTnLst>
+                        <p:par>
+                          <p:cTn id="120" fill="hold">
+                            <p:stCondLst>
+                              <p:cond delay="0"/>
+                            </p:stCondLst>
+                            <p:childTnLst>
+                              <p:par>
+                                <p:cTn id="121" presetID="10" presetClass="entr" presetSubtype="0" fill="hold" nodeType="clickEffect">
+                                  <p:stCondLst>
+                                    <p:cond delay="0"/>
+                                  </p:stCondLst>
+                                  <p:childTnLst>
+                                    <p:set>
+                                      <p:cBhvr>
+                                        <p:cTn id="122" dur="1" fill="hold">
                                           <p:stCondLst>
                                             <p:cond delay="0"/>
                                           </p:stCondLst>
@@ -15648,7 +15916,7 @@
                                     </p:set>
                                     <p:animEffect transition="in" filter="fade">
                                       <p:cBhvr>
-                                        <p:cTn id="111" dur="500"/>
+                                        <p:cTn id="123" dur="500"/>
                                         <p:tgtEl>
                                           <p:spTgt spid="166">
                                             <p:txEl>
@@ -15668,32 +15936,32 @@
                     </p:cTn>
                   </p:par>
                   <p:par>
-                    <p:cTn id="112" fill="hold">
+                    <p:cTn id="124" fill="hold">
                       <p:stCondLst>
                         <p:cond delay="indefinite"/>
                       </p:stCondLst>
                       <p:childTnLst>
                         <p:par>
-                          <p:cTn id="113" fill="hold">
+                          <p:cTn id="125" fill="hold">
                             <p:stCondLst>
                               <p:cond delay="0"/>
                             </p:stCondLst>
                             <p:childTnLst>
                               <p:par>
-                                <p:cTn id="114" presetID="10" presetClass="entr" presetSubtype="0" fill="hold" grpId="0" nodeType="clickEffect">
+                                <p:cTn id="126" presetID="10" presetClass="entr" presetSubtype="0" fill="hold" grpId="0" nodeType="clickEffect">
                                   <p:stCondLst>
                                     <p:cond delay="0"/>
                                   </p:stCondLst>
                                   <p:childTnLst>
                                     <p:set>
                                       <p:cBhvr>
-                                        <p:cTn id="115" dur="1" fill="hold">
+                                        <p:cTn id="127" dur="1" fill="hold">
                                           <p:stCondLst>
                                             <p:cond delay="0"/>
                                           </p:stCondLst>
                                         </p:cTn>
                                         <p:tgtEl>
-                                          <p:spTgt spid="129"/>
+                                          <p:spTgt spid="37"/>
                                         </p:tgtEl>
                                         <p:attrNameLst>
                                           <p:attrName>style.visibility</p:attrName>
@@ -15705,132 +15973,9 @@
                                     </p:set>
                                     <p:animEffect transition="in" filter="fade">
                                       <p:cBhvr>
-                                        <p:cTn id="116" dur="500"/>
+                                        <p:cTn id="128" dur="500"/>
                                         <p:tgtEl>
-                                          <p:spTgt spid="129"/>
-                                        </p:tgtEl>
-                                      </p:cBhvr>
-                                    </p:animEffect>
-                                  </p:childTnLst>
-                                </p:cTn>
-                              </p:par>
-                            </p:childTnLst>
-                          </p:cTn>
-                        </p:par>
-                      </p:childTnLst>
-                    </p:cTn>
-                  </p:par>
-                  <p:par>
-                    <p:cTn id="117" fill="hold">
-                      <p:stCondLst>
-                        <p:cond delay="indefinite"/>
-                      </p:stCondLst>
-                      <p:childTnLst>
-                        <p:par>
-                          <p:cTn id="118" fill="hold">
-                            <p:stCondLst>
-                              <p:cond delay="0"/>
-                            </p:stCondLst>
-                            <p:childTnLst>
-                              <p:par>
-                                <p:cTn id="119" presetID="10" presetClass="entr" presetSubtype="0" fill="hold" nodeType="clickEffect">
-                                  <p:stCondLst>
-                                    <p:cond delay="0"/>
-                                  </p:stCondLst>
-                                  <p:childTnLst>
-                                    <p:set>
-                                      <p:cBhvr>
-                                        <p:cTn id="120" dur="1" fill="hold">
-                                          <p:stCondLst>
-                                            <p:cond delay="0"/>
-                                          </p:stCondLst>
-                                        </p:cTn>
-                                        <p:tgtEl>
-                                          <p:spTgt spid="40"/>
-                                        </p:tgtEl>
-                                        <p:attrNameLst>
-                                          <p:attrName>style.visibility</p:attrName>
-                                        </p:attrNameLst>
-                                      </p:cBhvr>
-                                      <p:to>
-                                        <p:strVal val="visible"/>
-                                      </p:to>
-                                    </p:set>
-                                    <p:animEffect transition="in" filter="fade">
-                                      <p:cBhvr>
-                                        <p:cTn id="121" dur="500"/>
-                                        <p:tgtEl>
-                                          <p:spTgt spid="40"/>
-                                        </p:tgtEl>
-                                      </p:cBhvr>
-                                    </p:animEffect>
-                                  </p:childTnLst>
-                                </p:cTn>
-                              </p:par>
-                              <p:par>
-                                <p:cTn id="122" presetID="10" presetClass="entr" presetSubtype="0" fill="hold" nodeType="withEffect">
-                                  <p:stCondLst>
-                                    <p:cond delay="0"/>
-                                  </p:stCondLst>
-                                  <p:childTnLst>
-                                    <p:set>
-                                      <p:cBhvr>
-                                        <p:cTn id="123" dur="1" fill="hold">
-                                          <p:stCondLst>
-                                            <p:cond delay="0"/>
-                                          </p:stCondLst>
-                                        </p:cTn>
-                                        <p:tgtEl>
-                                          <p:spTgt spid="43"/>
-                                        </p:tgtEl>
-                                        <p:attrNameLst>
-                                          <p:attrName>style.visibility</p:attrName>
-                                        </p:attrNameLst>
-                                      </p:cBhvr>
-                                      <p:to>
-                                        <p:strVal val="visible"/>
-                                      </p:to>
-                                    </p:set>
-                                    <p:animEffect transition="in" filter="fade">
-                                      <p:cBhvr>
-                                        <p:cTn id="124" dur="500"/>
-                                        <p:tgtEl>
-                                          <p:spTgt spid="43"/>
-                                        </p:tgtEl>
-                                      </p:cBhvr>
-                                    </p:animEffect>
-                                  </p:childTnLst>
-                                </p:cTn>
-                              </p:par>
-                              <p:par>
-                                <p:cTn id="125" presetID="10" presetClass="entr" presetSubtype="0" fill="hold" nodeType="withEffect">
-                                  <p:stCondLst>
-                                    <p:cond delay="0"/>
-                                  </p:stCondLst>
-                                  <p:childTnLst>
-                                    <p:set>
-                                      <p:cBhvr>
-                                        <p:cTn id="126" dur="1" fill="hold">
-                                          <p:stCondLst>
-                                            <p:cond delay="0"/>
-                                          </p:stCondLst>
-                                        </p:cTn>
-                                        <p:tgtEl>
-                                          <p:spTgt spid="162"/>
-                                        </p:tgtEl>
-                                        <p:attrNameLst>
-                                          <p:attrName>style.visibility</p:attrName>
-                                        </p:attrNameLst>
-                                      </p:cBhvr>
-                                      <p:to>
-                                        <p:strVal val="visible"/>
-                                      </p:to>
-                                    </p:set>
-                                    <p:animEffect transition="in" filter="fade">
-                                      <p:cBhvr>
-                                        <p:cTn id="127" dur="500"/>
-                                        <p:tgtEl>
-                                          <p:spTgt spid="162"/>
+                                          <p:spTgt spid="37"/>
                                         </p:tgtEl>
                                       </p:cBhvr>
                                     </p:animEffect>
@@ -15875,6 +16020,7 @@
       <p:bldP spid="57" grpId="0" animBg="1"/>
       <p:bldP spid="82" grpId="0" animBg="1"/>
       <p:bldP spid="104" grpId="0" animBg="1"/>
+      <p:bldP spid="37" grpId="0" animBg="1"/>
     </p:bldLst>
   </p:timing>
 </p:sld>
@@ -15916,11 +16062,7 @@
           <a:p>
             <a:r>
               <a:rPr lang="en-US" dirty="0" smtClean="0"/>
-              <a:t>Intuitions in </a:t>
-            </a:r>
-            <a:r>
-              <a:rPr lang="en-US" dirty="0" smtClean="0"/>
-              <a:t>Leveraging Social Graphs</a:t>
+              <a:t>Intuitions in Leveraging Social Graphs</a:t>
             </a:r>
             <a:endParaRPr lang="en-US" dirty="0"/>
           </a:p>
@@ -15962,8 +16104,8 @@
         </p:nvSpPr>
         <p:spPr>
           <a:xfrm>
-            <a:off x="195399" y="1697328"/>
-            <a:ext cx="5919450" cy="4779672"/>
+            <a:off x="195399" y="1921828"/>
+            <a:ext cx="5919450" cy="4555172"/>
           </a:xfrm>
         </p:spPr>
         <p:txBody>
@@ -15972,36 +16114,17 @@
           </a:bodyPr>
           <a:lstStyle/>
           <a:p>
-            <a:pPr lvl="0"/>
-            <a:r>
-              <a:rPr lang="en-US" dirty="0"/>
-              <a:t>Good users send emails to other good users</a:t>
-            </a:r>
-          </a:p>
-          <a:p>
             <a:r>
               <a:rPr lang="en-US" dirty="0" smtClean="0"/>
-              <a:t>Sending </a:t>
+              <a:t>Recipient sets </a:t>
             </a:r>
             <a:r>
               <a:rPr lang="en-US" dirty="0" smtClean="0"/>
-              <a:t>emails to bad users is suspicious</a:t>
-            </a:r>
-          </a:p>
-          <a:p>
-            <a:r>
-              <a:rPr lang="en-US" dirty="0"/>
-              <a:t>Difficult for bad users to enter good users’ </a:t>
+              <a:t>of good users are more </a:t>
             </a:r>
             <a:r>
               <a:rPr lang="en-US" dirty="0" smtClean="0"/>
-              <a:t>community</a:t>
-            </a:r>
-          </a:p>
-          <a:p>
-            <a:r>
-              <a:rPr lang="en-US" dirty="0" smtClean="0"/>
-              <a:t>Recipients of good users are more connected</a:t>
+              <a:t>connected than those of bad users</a:t>
             </a:r>
             <a:endParaRPr lang="en-US" dirty="0" smtClean="0"/>
           </a:p>
@@ -16612,6 +16735,56 @@
           </a:fontRef>
         </p:style>
       </p:cxnSp>
+      <p:sp>
+        <p:nvSpPr>
+          <p:cNvPr id="20" name="圆角矩形 4"/>
+          <p:cNvSpPr/>
+          <p:nvPr/>
+        </p:nvSpPr>
+        <p:spPr>
+          <a:xfrm>
+            <a:off x="993324" y="3553930"/>
+            <a:ext cx="3591845" cy="1137618"/>
+          </a:xfrm>
+          <a:prstGeom prst="roundRect">
+            <a:avLst/>
+          </a:prstGeom>
+          <a:ln w="38100" cmpd="sng"/>
+        </p:spPr>
+        <p:style>
+          <a:lnRef idx="2">
+            <a:schemeClr val="dk1"/>
+          </a:lnRef>
+          <a:fillRef idx="1">
+            <a:schemeClr val="lt1"/>
+          </a:fillRef>
+          <a:effectRef idx="0">
+            <a:schemeClr val="dk1"/>
+          </a:effectRef>
+          <a:fontRef idx="minor">
+            <a:schemeClr val="dk1"/>
+          </a:fontRef>
+        </p:style>
+        <p:txBody>
+          <a:bodyPr rtlCol="0" anchor="ctr"/>
+          <a:lstStyle/>
+          <a:p>
+            <a:r>
+              <a:rPr lang="en-US" sz="2400" dirty="0" smtClean="0">
+                <a:solidFill>
+                  <a:srgbClr val="3366FF"/>
+                </a:solidFill>
+              </a:rPr>
+              <a:t>Social-affinity based detection</a:t>
+            </a:r>
+            <a:endParaRPr lang="en-US" sz="2400" dirty="0">
+              <a:solidFill>
+                <a:srgbClr val="3366FF"/>
+              </a:solidFill>
+            </a:endParaRPr>
+          </a:p>
+        </p:txBody>
+      </p:sp>
     </p:spTree>
     <p:extLst>
       <p:ext uri="{BB962C8B-B14F-4D97-AF65-F5344CB8AC3E}">
@@ -16625,9 +16798,88 @@
   <p:timing>
     <p:tnLst>
       <p:par>
-        <p:cTn xmlns:p14="http://schemas.microsoft.com/office/powerpoint/2010/main" id="1" dur="indefinite" restart="never" nodeType="tmRoot"/>
+        <p:cTn xmlns:p14="http://schemas.microsoft.com/office/powerpoint/2010/main" id="1" dur="indefinite" restart="never" nodeType="tmRoot">
+          <p:childTnLst>
+            <p:seq concurrent="1" nextAc="seek">
+              <p:cTn id="2" dur="indefinite" nodeType="mainSeq">
+                <p:childTnLst>
+                  <p:par>
+                    <p:cTn id="3" fill="hold">
+                      <p:stCondLst>
+                        <p:cond delay="indefinite"/>
+                      </p:stCondLst>
+                      <p:childTnLst>
+                        <p:par>
+                          <p:cTn id="4" fill="hold">
+                            <p:stCondLst>
+                              <p:cond delay="0"/>
+                            </p:stCondLst>
+                            <p:childTnLst>
+                              <p:par>
+                                <p:cTn id="5" presetID="10" presetClass="entr" presetSubtype="0" fill="hold" grpId="0" nodeType="clickEffect">
+                                  <p:stCondLst>
+                                    <p:cond delay="0"/>
+                                  </p:stCondLst>
+                                  <p:childTnLst>
+                                    <p:set>
+                                      <p:cBhvr>
+                                        <p:cTn id="6" dur="1" fill="hold">
+                                          <p:stCondLst>
+                                            <p:cond delay="0"/>
+                                          </p:stCondLst>
+                                        </p:cTn>
+                                        <p:tgtEl>
+                                          <p:spTgt spid="20"/>
+                                        </p:tgtEl>
+                                        <p:attrNameLst>
+                                          <p:attrName>style.visibility</p:attrName>
+                                        </p:attrNameLst>
+                                      </p:cBhvr>
+                                      <p:to>
+                                        <p:strVal val="visible"/>
+                                      </p:to>
+                                    </p:set>
+                                    <p:animEffect transition="in" filter="fade">
+                                      <p:cBhvr>
+                                        <p:cTn id="7" dur="500"/>
+                                        <p:tgtEl>
+                                          <p:spTgt spid="20"/>
+                                        </p:tgtEl>
+                                      </p:cBhvr>
+                                    </p:animEffect>
+                                  </p:childTnLst>
+                                </p:cTn>
+                              </p:par>
+                            </p:childTnLst>
+                          </p:cTn>
+                        </p:par>
+                      </p:childTnLst>
+                    </p:cTn>
+                  </p:par>
+                </p:childTnLst>
+              </p:cTn>
+              <p:prevCondLst>
+                <p:cond evt="onPrev" delay="0">
+                  <p:tgtEl>
+                    <p:sldTgt/>
+                  </p:tgtEl>
+                </p:cond>
+              </p:prevCondLst>
+              <p:nextCondLst>
+                <p:cond evt="onNext" delay="0">
+                  <p:tgtEl>
+                    <p:sldTgt/>
+                  </p:tgtEl>
+                </p:cond>
+              </p:nextCondLst>
+            </p:seq>
+          </p:childTnLst>
+        </p:cTn>
       </p:par>
     </p:tnLst>
+    <p:bldLst>
+      <p:bldP spid="20" grpId="0" animBg="1"/>
+    </p:bldLst>
   </p:timing>
 </p:sld>
 </file>

--- a/slides/asiaccs_socialwatch.pptx
+++ b/slides/asiaccs_socialwatch.pptx
@@ -207,7 +207,7 @@
           <a:p>
             <a:fld id="{4219FFEE-BB87-CB45-AB9B-37A2DB816B27}" type="datetimeFigureOut">
               <a:rPr lang="en-US" smtClean="0"/>
-              <a:t>5/6/13</a:t>
+              <a:t>5/8/13</a:t>
             </a:fld>
             <a:endParaRPr lang="en-US"/>
           </a:p>
@@ -545,23 +545,63 @@
           <a:p>
             <a:r>
               <a:rPr lang="en-US" baseline="0" dirty="0" smtClean="0"/>
-              <a:t>This work was </a:t>
+              <a:t>This work was mostly done when I’m was an intern in Microsoft Research Silicon Valley</a:t>
             </a:r>
             <a:r>
               <a:rPr lang="en-US" baseline="0" dirty="0" smtClean="0"/>
-              <a:t>mostly </a:t>
-            </a:r>
+              <a:t>.</a:t>
+            </a:r>
+          </a:p>
+          <a:p>
             <a:r>
               <a:rPr lang="en-US" baseline="0" dirty="0" smtClean="0"/>
-              <a:t>done when I’m was an intern in Microsoft Research </a:t>
-            </a:r>
-            <a:r>
-              <a:rPr lang="en-US" baseline="0" smtClean="0"/>
-              <a:t>Silicon </a:t>
-            </a:r>
-            <a:r>
-              <a:rPr lang="en-US" baseline="0" smtClean="0"/>
-              <a:t>Valley.</a:t>
+              <a:t>It is a joint work by my mentors Yinglian </a:t>
+            </a:r>
+            <a:r>
+              <a:rPr lang="en-US" baseline="0" dirty="0" err="1" smtClean="0"/>
+              <a:t>Xie</a:t>
+            </a:r>
+            <a:r>
+              <a:rPr lang="en-US" baseline="0" dirty="0" smtClean="0"/>
+              <a:t>, Fang Yu, Qifa </a:t>
+            </a:r>
+            <a:r>
+              <a:rPr lang="en-US" baseline="0" dirty="0" err="1" smtClean="0"/>
+              <a:t>Ke</a:t>
+            </a:r>
+            <a:r>
+              <a:rPr lang="en-US" baseline="0" dirty="0" smtClean="0"/>
+              <a:t> and Martin </a:t>
+            </a:r>
+            <a:r>
+              <a:rPr lang="en-US" baseline="0" dirty="0" err="1" smtClean="0"/>
+              <a:t>Abadi</a:t>
+            </a:r>
+            <a:r>
+              <a:rPr lang="en-US" baseline="0" dirty="0" smtClean="0"/>
+              <a:t> from Microsoft Research Silicon Valley, </a:t>
+            </a:r>
+          </a:p>
+          <a:p>
+            <a:r>
+              <a:rPr lang="en-US" baseline="0" dirty="0" smtClean="0"/>
+              <a:t>Eliot </a:t>
+            </a:r>
+            <a:r>
+              <a:rPr lang="en-US" baseline="0" dirty="0" err="1" smtClean="0"/>
+              <a:t>Gillum</a:t>
+            </a:r>
+            <a:r>
+              <a:rPr lang="en-US" baseline="0" dirty="0" smtClean="0"/>
+              <a:t> from Microsoft’s </a:t>
+            </a:r>
+            <a:r>
+              <a:rPr lang="en-US" baseline="0" dirty="0" err="1" smtClean="0"/>
+              <a:t>hotmail</a:t>
+            </a:r>
+            <a:r>
+              <a:rPr lang="en-US" baseline="0" dirty="0" smtClean="0"/>
+              <a:t> team, and my advisor Prof. Z. Morley Mao from University of Michigan.</a:t>
             </a:r>
             <a:endParaRPr lang="en-US" dirty="0"/>
           </a:p>
@@ -649,25 +689,8 @@
           <a:p>
             <a:r>
               <a:rPr lang="en-US" baseline="0" dirty="0" smtClean="0"/>
-              <a:t>The goodness and </a:t>
-            </a:r>
-            <a:r>
-              <a:rPr lang="en-US" baseline="0" dirty="0" smtClean="0"/>
-              <a:t>badness </a:t>
-            </a:r>
-            <a:r>
-              <a:rPr lang="en-US" baseline="0" dirty="0" smtClean="0"/>
-              <a:t>score is calculated based </a:t>
-            </a:r>
-            <a:r>
-              <a:rPr lang="en-US" baseline="0" dirty="0" smtClean="0"/>
-              <a:t>on PageRank </a:t>
-            </a:r>
-            <a:r>
-              <a:rPr lang="en-US" baseline="0" dirty="0" smtClean="0"/>
-              <a:t>algorithm.</a:t>
-            </a:r>
-            <a:endParaRPr lang="en-US" baseline="0" dirty="0" smtClean="0"/>
+              <a:t>The goodness and badness score is calculated based on PageRank algorithm.</a:t>
+            </a:r>
           </a:p>
           <a:p>
             <a:r>
@@ -886,11 +909,7 @@
           <a:p>
             <a:r>
               <a:rPr lang="en-US" baseline="0" dirty="0" smtClean="0"/>
-              <a:t>Different from the previous feature, this feature quantifies the indirect social connectivity among the recipient set</a:t>
-            </a:r>
-            <a:r>
-              <a:rPr lang="en-US" baseline="0" dirty="0" smtClean="0"/>
-              <a:t>. </a:t>
+              <a:t>Different from the previous feature, this feature quantifies the indirect social connectivity among the recipient set. </a:t>
             </a:r>
           </a:p>
           <a:p>
@@ -898,7 +917,6 @@
               <a:rPr lang="en-US" baseline="0" dirty="0" smtClean="0"/>
               <a:t>This is especially important when dealing with external non-Hotmail users, because the direct connections among them are not in our data set.</a:t>
             </a:r>
-            <a:endParaRPr lang="en-US" baseline="0" dirty="0" smtClean="0"/>
           </a:p>
           <a:p>
             <a:r>
@@ -918,13 +936,8 @@
           <a:p>
             <a:r>
               <a:rPr lang="en-US" baseline="0" dirty="0" smtClean="0"/>
-              <a:t>Notice that computing all pair-wise shortest paths for large-scale graphs is very challenging and in the paper, we talked about how we calculate it with the help of an approximation </a:t>
-            </a:r>
-            <a:r>
-              <a:rPr lang="en-US" baseline="0" dirty="0" smtClean="0"/>
-              <a:t>algorithm</a:t>
-            </a:r>
-            <a:endParaRPr lang="en-US" baseline="0" dirty="0" smtClean="0"/>
+              <a:t>Notice that computing all pair-wise shortest paths for large-scale graphs is very challenging and in the paper, we talked about how we calculate it with the help of an approximation algorithm</a:t>
+            </a:r>
           </a:p>
         </p:txBody>
       </p:sp>
@@ -1038,15 +1051,7 @@
           <a:p>
             <a:r>
               <a:rPr lang="en-US" baseline="0" dirty="0" smtClean="0"/>
-              <a:t>If there is known hijacked accounts, we use a </a:t>
-            </a:r>
-            <a:r>
-              <a:rPr lang="en-US" baseline="0" dirty="0" smtClean="0"/>
-              <a:t>Bayesian </a:t>
-            </a:r>
-            <a:r>
-              <a:rPr lang="en-US" baseline="0" dirty="0" smtClean="0"/>
-              <a:t>decision framework to detect additional hijacked accounts using training data.</a:t>
+              <a:t>If there is known hijacked accounts, we use a Bayesian decision framework to detect additional hijacked accounts using training data.</a:t>
             </a:r>
           </a:p>
         </p:txBody>
@@ -1275,15 +1280,7 @@
           <a:p>
             <a:r>
               <a:rPr lang="en-US" baseline="0" dirty="0" smtClean="0"/>
-              <a:t>We also demonstrate that SocialWatch is practically deployable </a:t>
-            </a:r>
-            <a:r>
-              <a:rPr lang="en-US" baseline="0" dirty="0" smtClean="0"/>
-              <a:t>and scalable using </a:t>
-            </a:r>
-            <a:r>
-              <a:rPr lang="en-US" baseline="0" dirty="0" smtClean="0"/>
-              <a:t>parallel algorithms with real implementation.</a:t>
+              <a:t>We also demonstrate that SocialWatch is practically deployable and scalable using parallel algorithms with real implementation.</a:t>
             </a:r>
             <a:endParaRPr lang="en-US" dirty="0"/>
           </a:p>
@@ -1371,15 +1368,7 @@
           <a:p>
             <a:r>
               <a:rPr lang="en-US" dirty="0" smtClean="0"/>
-              <a:t>Thank you </a:t>
-            </a:r>
-            <a:r>
-              <a:rPr lang="en-US" dirty="0" smtClean="0"/>
-              <a:t>and </a:t>
-            </a:r>
-            <a:r>
-              <a:rPr lang="en-US" dirty="0" smtClean="0"/>
-              <a:t>I’m glad</a:t>
+              <a:t>Thank you and I’m glad</a:t>
             </a:r>
             <a:r>
               <a:rPr lang="en-US" baseline="0" dirty="0" smtClean="0"/>
@@ -1475,13 +1464,8 @@
             </a:r>
             <a:r>
               <a:rPr lang="en-US" baseline="0" dirty="0" smtClean="0"/>
-              <a:t> a long history of arms race between attackers and defenders in various online service system, such as email system, and other social networking systems</a:t>
-            </a:r>
-            <a:r>
-              <a:rPr lang="en-US" baseline="0" dirty="0" smtClean="0"/>
-              <a:t>.</a:t>
-            </a:r>
-            <a:endParaRPr lang="en-US" baseline="0" dirty="0" smtClean="0"/>
+              <a:t> a long history of arms race between attackers and defenders in various online service system, such as email system, and other social networking systems.</a:t>
+            </a:r>
           </a:p>
           <a:p>
             <a:r>
@@ -1500,11 +1484,7 @@
           <a:p>
             <a:r>
               <a:rPr lang="en-US" baseline="0" dirty="0" smtClean="0"/>
-              <a:t>There are also many hijacked accounts, that originally belong to legitimate users, and later got compromised by attackers, many of these hijacked remain unknown</a:t>
-            </a:r>
-            <a:r>
-              <a:rPr lang="en-US" baseline="0" dirty="0" smtClean="0"/>
-              <a:t>.</a:t>
+              <a:t>There are also many hijacked accounts, that originally belong to legitimate users, and later got compromised by attackers, many of these hijacked remain unknown.</a:t>
             </a:r>
           </a:p>
           <a:p>
@@ -1533,33 +1513,15 @@
               <a:rPr lang="en-US" baseline="0" dirty="0" smtClean="0"/>
               <a:t>Given that it is generally very hard for attackers to manipulate the overall graph pattern, especially for large-scale graph, the graph features are considered to be more robust and harder for attackers to bypass.</a:t>
             </a:r>
+          </a:p>
+          <a:p>
             <a:endParaRPr lang="en-US" baseline="0" dirty="0" smtClean="0"/>
           </a:p>
           <a:p>
-            <a:endParaRPr lang="en-US" baseline="0" dirty="0" smtClean="0"/>
-          </a:p>
-          <a:p>
             <a:r>
               <a:rPr lang="en-US" baseline="0" dirty="0" smtClean="0"/>
-              <a:t>However, it is not straightforward to </a:t>
-            </a:r>
-            <a:r>
-              <a:rPr lang="en-US" baseline="0" dirty="0" smtClean="0"/>
-              <a:t>detect </a:t>
-            </a:r>
-            <a:r>
-              <a:rPr lang="en-US" baseline="0" dirty="0" smtClean="0"/>
-              <a:t>malicious </a:t>
-            </a:r>
-            <a:r>
-              <a:rPr lang="en-US" baseline="0" dirty="0" smtClean="0"/>
-              <a:t>accounts </a:t>
-            </a:r>
-            <a:r>
-              <a:rPr lang="en-US" baseline="0" dirty="0" smtClean="0"/>
-              <a:t>via social graphs.</a:t>
-            </a:r>
-            <a:endParaRPr lang="en-US" baseline="0" dirty="0" smtClean="0"/>
+              <a:t>However, it is not straightforward to detect malicious accounts via social graphs.</a:t>
+            </a:r>
           </a:p>
           <a:p>
             <a:pPr marL="0" indent="0">
@@ -1567,15 +1529,7 @@
             </a:pPr>
             <a:r>
               <a:rPr lang="en-US" baseline="0" dirty="0" smtClean="0"/>
-              <a:t>1. Hijacked </a:t>
-            </a:r>
-            <a:r>
-              <a:rPr lang="en-US" baseline="0" dirty="0" smtClean="0"/>
-              <a:t>accounts may have mixed behaviors, as the owner of the accounts are not aware that his/her accounts has been hijacked</a:t>
-            </a:r>
-            <a:r>
-              <a:rPr lang="en-US" baseline="0" dirty="0" smtClean="0"/>
-              <a:t>.</a:t>
+              <a:t>1. Hijacked accounts may have mixed behaviors, as the owner of the accounts are not aware that his/her accounts has been hijacked.</a:t>
             </a:r>
           </a:p>
           <a:p>
@@ -1584,25 +1538,8 @@
             </a:pPr>
             <a:r>
               <a:rPr lang="en-US" baseline="0" dirty="0" smtClean="0"/>
-              <a:t>2. Take </a:t>
-            </a:r>
-            <a:r>
-              <a:rPr lang="en-US" baseline="0" dirty="0" smtClean="0"/>
-              <a:t>email system for example, </a:t>
-            </a:r>
-            <a:r>
-              <a:rPr lang="en-US" baseline="0" dirty="0" smtClean="0"/>
-              <a:t>the social graph any service provider can build is incomplete, because although </a:t>
-            </a:r>
-            <a:r>
-              <a:rPr lang="en-US" baseline="0" dirty="0" smtClean="0"/>
-              <a:t>we have perfect knowledge about any internal account, there is no information known among external accounts</a:t>
-            </a:r>
-            <a:r>
-              <a:rPr lang="en-US" baseline="0" dirty="0" smtClean="0"/>
-              <a:t>. This problem does not exist for other types of closed social networking systems, such as Facebook and Twitter.</a:t>
-            </a:r>
-            <a:endParaRPr lang="en-US" baseline="0" dirty="0" smtClean="0"/>
+              <a:t>2. Take email system for example, the social graph any service provider can build is incomplete, because although we have perfect knowledge about any internal account, there is no information known among external accounts. This problem does not exist for other types of closed social networking systems, such as Facebook and Twitter.</a:t>
+            </a:r>
           </a:p>
           <a:p>
             <a:pPr marL="0" indent="0">
@@ -1610,19 +1547,7 @@
             </a:pPr>
             <a:r>
               <a:rPr lang="en-US" baseline="0" dirty="0" smtClean="0"/>
-              <a:t>3. </a:t>
-            </a:r>
-            <a:r>
-              <a:rPr lang="en-US" baseline="0" dirty="0" smtClean="0"/>
-              <a:t>The </a:t>
-            </a:r>
-            <a:r>
-              <a:rPr lang="en-US" baseline="0" dirty="0" smtClean="0"/>
-              <a:t>enormous graph size requires </a:t>
-            </a:r>
-            <a:r>
-              <a:rPr lang="en-US" baseline="0" dirty="0" smtClean="0"/>
-              <a:t>efficient parallel algorithms to make any solution practical.</a:t>
+              <a:t>3. The enormous graph size requires efficient parallel algorithms to make any solution practical.</a:t>
             </a:r>
           </a:p>
           <a:p>
@@ -1718,7 +1643,6 @@
               <a:rPr lang="en-US" baseline="0" dirty="0" smtClean="0"/>
               <a:t>In this work, we make the following contributions:</a:t>
             </a:r>
-            <a:endParaRPr lang="en-US" baseline="0" dirty="0" smtClean="0"/>
           </a:p>
           <a:p>
             <a:r>
@@ -1732,11 +1656,7 @@
           <a:p>
             <a:r>
               <a:rPr lang="en-US" dirty="0" smtClean="0"/>
-              <a:t>2</a:t>
-            </a:r>
-            <a:r>
-              <a:rPr lang="en-US" dirty="0" smtClean="0"/>
-              <a:t>. We implement</a:t>
+              <a:t>2. We implement</a:t>
             </a:r>
             <a:r>
               <a:rPr lang="en-US" baseline="0" dirty="0" smtClean="0"/>
@@ -1749,11 +1669,7 @@
           <a:p>
             <a:r>
               <a:rPr lang="en-US" baseline="0" dirty="0" smtClean="0"/>
-              <a:t>3. </a:t>
-            </a:r>
-            <a:r>
-              <a:rPr lang="en-US" baseline="0" dirty="0" smtClean="0"/>
-              <a:t>Last, we evaluate SocialWatch with a representative real-world data set with hundreds of millions of users covering over two years.</a:t>
+              <a:t>3. Last, we evaluate SocialWatch with a representative real-world data set with hundreds of millions of users covering over two years.</a:t>
             </a:r>
             <a:endParaRPr lang="en-US" dirty="0"/>
           </a:p>
@@ -1864,15 +1780,7 @@
           <a:p>
             <a:r>
               <a:rPr lang="en-US" baseline="0" dirty="0" smtClean="0"/>
-              <a:t>If </a:t>
-            </a:r>
-            <a:r>
-              <a:rPr lang="en-US" baseline="0" dirty="0" smtClean="0"/>
-              <a:t>two users mutually send/receive emails from each other, we use undirected edge to represent their friendship</a:t>
-            </a:r>
-            <a:r>
-              <a:rPr lang="en-US" baseline="0" dirty="0" smtClean="0"/>
-              <a:t>.</a:t>
+              <a:t>If two users mutually send/receive emails from each other, we use undirected edge to represent their friendship.</a:t>
             </a:r>
           </a:p>
           <a:p>
@@ -1880,7 +1788,6 @@
               <a:rPr lang="en-US" baseline="0" dirty="0" smtClean="0"/>
               <a:t>For undirected edge, we conservatively require the a mutual exchange of at least 2 emails considering that some users may accidentally reply to a spamming account.</a:t>
             </a:r>
-            <a:endParaRPr lang="en-US" baseline="0" dirty="0" smtClean="0"/>
           </a:p>
         </p:txBody>
       </p:sp>
@@ -1991,11 +1898,7 @@
           <a:p>
             <a:r>
               <a:rPr lang="en-US" baseline="0" dirty="0" smtClean="0"/>
-              <a:t>This is a very large-scale graph to handle</a:t>
-            </a:r>
-            <a:r>
-              <a:rPr lang="en-US" baseline="0" dirty="0" smtClean="0"/>
-              <a:t>. It is also a representative data set to evaluate SocialWatch.</a:t>
+              <a:t>This is a very large-scale graph to handle. It is also a representative data set to evaluate SocialWatch.</a:t>
             </a:r>
             <a:endParaRPr lang="en-US" dirty="0"/>
           </a:p>
@@ -2099,20 +2002,11 @@
               <a:rPr lang="en-US" baseline="0" dirty="0" smtClean="0"/>
               <a:t>Good users usually send emails to other good users. </a:t>
             </a:r>
-            <a:endParaRPr lang="en-US" baseline="0" dirty="0" smtClean="0"/>
           </a:p>
           <a:p>
             <a:r>
               <a:rPr lang="en-US" baseline="0" dirty="0" smtClean="0"/>
-              <a:t>And sending </a:t>
-            </a:r>
-            <a:r>
-              <a:rPr lang="en-US" baseline="0" dirty="0" smtClean="0"/>
-              <a:t>emails to bad users is suspicious</a:t>
-            </a:r>
-            <a:r>
-              <a:rPr lang="en-US" baseline="0" dirty="0" smtClean="0"/>
-              <a:t>.</a:t>
+              <a:t>And sending emails to bad users is suspicious.</a:t>
             </a:r>
           </a:p>
           <a:p>
@@ -2129,7 +2023,6 @@
               <a:rPr lang="en-US" baseline="0" dirty="0" smtClean="0"/>
               <a:t>SocialWatch uses degree and PageRank based detection following these intuitions.</a:t>
             </a:r>
-            <a:endParaRPr lang="en-US" baseline="0" dirty="0" smtClean="0"/>
           </a:p>
         </p:txBody>
       </p:sp>
@@ -2220,41 +2113,13 @@
             </a:r>
             <a:r>
               <a:rPr lang="en-US" baseline="0" dirty="0" smtClean="0"/>
-              <a:t> the recipient set of a </a:t>
-            </a:r>
+              <a:t> the recipient set of a user, represented by the big circle in this figure, the recipient set of a good user are more connected</a:t>
+            </a:r>
+          </a:p>
+          <a:p>
             <a:r>
               <a:rPr lang="en-US" baseline="0" dirty="0" smtClean="0"/>
-              <a:t>user</a:t>
-            </a:r>
-            <a:r>
-              <a:rPr lang="en-US" baseline="0" dirty="0" smtClean="0"/>
-              <a:t>, represented by the big circle in this figure, the recipient set </a:t>
-            </a:r>
-            <a:r>
-              <a:rPr lang="en-US" baseline="0" dirty="0" smtClean="0"/>
-              <a:t>of a good user are </a:t>
-            </a:r>
-            <a:r>
-              <a:rPr lang="en-US" baseline="0" dirty="0" smtClean="0"/>
-              <a:t>more connected</a:t>
-            </a:r>
-          </a:p>
-          <a:p>
-            <a:r>
-              <a:rPr lang="en-US" baseline="0" dirty="0" smtClean="0"/>
-              <a:t>than </a:t>
-            </a:r>
-            <a:r>
-              <a:rPr lang="en-US" baseline="0" dirty="0" smtClean="0"/>
-              <a:t>that of </a:t>
-            </a:r>
-            <a:r>
-              <a:rPr lang="en-US" baseline="0" dirty="0" smtClean="0"/>
-              <a:t>a bad user, because it is hard for attackers to figure out the friendship relationship between any two good users</a:t>
-            </a:r>
-            <a:r>
-              <a:rPr lang="en-US" baseline="0" dirty="0" smtClean="0"/>
-              <a:t>.</a:t>
+              <a:t>than that of a bad user, because it is hard for attackers to figure out the friendship relationship between any two good users.</a:t>
             </a:r>
           </a:p>
           <a:p>
@@ -2371,23 +2236,11 @@
           <a:p>
             <a:r>
               <a:rPr lang="en-US" dirty="0" smtClean="0"/>
-              <a:t>Following these intuitions, we </a:t>
-            </a:r>
-            <a:r>
-              <a:rPr lang="en-US" dirty="0" smtClean="0"/>
-              <a:t>design </a:t>
-            </a:r>
-            <a:r>
-              <a:rPr lang="en-US" dirty="0" smtClean="0"/>
-              <a:t>SocialWatch</a:t>
+              <a:t>Following these intuitions, we design SocialWatch</a:t>
             </a:r>
             <a:r>
               <a:rPr lang="en-US" baseline="0" dirty="0" smtClean="0"/>
-              <a:t> </a:t>
-            </a:r>
-            <a:r>
-              <a:rPr lang="en-US" baseline="0" dirty="0" smtClean="0"/>
-              <a:t>illustrated in this figure.</a:t>
+              <a:t> illustrated in this figure.</a:t>
             </a:r>
           </a:p>
           <a:p>
@@ -2405,19 +2258,7 @@
           <a:p>
             <a:r>
               <a:rPr lang="en-US" baseline="0" dirty="0" smtClean="0"/>
-              <a:t>Then </a:t>
-            </a:r>
-            <a:r>
-              <a:rPr lang="en-US" baseline="0" dirty="0" smtClean="0"/>
-              <a:t>we use a degree and </a:t>
-            </a:r>
-            <a:r>
-              <a:rPr lang="en-US" baseline="0" dirty="0" smtClean="0"/>
-              <a:t>PageRank based </a:t>
-            </a:r>
-            <a:r>
-              <a:rPr lang="en-US" baseline="0" dirty="0" smtClean="0"/>
-              <a:t>detection to identify attacker-created accounts. However, hijacked accounts may bypass such detection due to their mixed behavior.</a:t>
+              <a:t>Then we use a degree and PageRank based detection to identify attacker-created accounts. However, hijacked accounts may bypass such detection due to their mixed behavior.</a:t>
             </a:r>
           </a:p>
           <a:p>
@@ -2533,15 +2374,7 @@
           <a:p>
             <a:r>
               <a:rPr lang="en-US" baseline="0" dirty="0" smtClean="0"/>
-              <a:t>SocialWatch also uses </a:t>
-            </a:r>
-            <a:r>
-              <a:rPr lang="en-US" baseline="0" dirty="0" smtClean="0"/>
-              <a:t>PageRank </a:t>
-            </a:r>
-            <a:r>
-              <a:rPr lang="en-US" baseline="0" dirty="0" smtClean="0"/>
-              <a:t>scores to capture the global weight of a node in the overall graph.</a:t>
+              <a:t>SocialWatch also uses PageRank scores to capture the global weight of a node in the overall graph.</a:t>
             </a:r>
           </a:p>
           <a:p>
@@ -2556,15 +2389,7 @@
           <a:p>
             <a:r>
               <a:rPr lang="en-US" baseline="0" dirty="0" smtClean="0"/>
-              <a:t>And then detect </a:t>
-            </a:r>
-            <a:r>
-              <a:rPr lang="en-US" baseline="0" dirty="0" smtClean="0"/>
-              <a:t>less aggressive </a:t>
-            </a:r>
-            <a:r>
-              <a:rPr lang="en-US" baseline="0" dirty="0" smtClean="0"/>
-              <a:t>spamming accounts using the badness-goodness ratio</a:t>
+              <a:t>And then detect less aggressive spamming accounts using the badness-goodness ratio</a:t>
             </a:r>
             <a:endParaRPr lang="en-US" dirty="0"/>
           </a:p>
@@ -3220,7 +3045,7 @@
           <a:p>
             <a:fld id="{71A92358-5CAB-014B-88B3-D8485239CAB2}" type="datetimeFigureOut">
               <a:rPr lang="en-US" smtClean="0"/>
-              <a:t>5/6/13</a:t>
+              <a:t>5/8/13</a:t>
             </a:fld>
             <a:endParaRPr lang="en-US"/>
           </a:p>
@@ -3408,7 +3233,7 @@
           <a:p>
             <a:fld id="{71A92358-5CAB-014B-88B3-D8485239CAB2}" type="datetimeFigureOut">
               <a:rPr lang="en-US" smtClean="0"/>
-              <a:t>5/6/13</a:t>
+              <a:t>5/8/13</a:t>
             </a:fld>
             <a:endParaRPr lang="en-US"/>
           </a:p>
@@ -3583,7 +3408,7 @@
           <a:p>
             <a:fld id="{71A92358-5CAB-014B-88B3-D8485239CAB2}" type="datetimeFigureOut">
               <a:rPr lang="en-US" smtClean="0"/>
-              <a:t>5/6/13</a:t>
+              <a:t>5/8/13</a:t>
             </a:fld>
             <a:endParaRPr lang="en-US"/>
           </a:p>
@@ -3725,7 +3550,7 @@
           <a:p>
             <a:fld id="{71A92358-5CAB-014B-88B3-D8485239CAB2}" type="datetimeFigureOut">
               <a:rPr lang="en-US" smtClean="0"/>
-              <a:t>5/6/13</a:t>
+              <a:t>5/8/13</a:t>
             </a:fld>
             <a:endParaRPr lang="en-US"/>
           </a:p>
@@ -3970,7 +3795,7 @@
           <a:p>
             <a:fld id="{71A92358-5CAB-014B-88B3-D8485239CAB2}" type="datetimeFigureOut">
               <a:rPr lang="en-US" smtClean="0"/>
-              <a:t>5/6/13</a:t>
+              <a:t>5/8/13</a:t>
             </a:fld>
             <a:endParaRPr lang="en-US"/>
           </a:p>
@@ -4367,7 +4192,7 @@
           <a:p>
             <a:fld id="{71A92358-5CAB-014B-88B3-D8485239CAB2}" type="datetimeFigureOut">
               <a:rPr lang="en-US" smtClean="0"/>
-              <a:t>5/6/13</a:t>
+              <a:t>5/8/13</a:t>
             </a:fld>
             <a:endParaRPr lang="en-US"/>
           </a:p>
@@ -4800,7 +4625,7 @@
           <a:p>
             <a:fld id="{71A92358-5CAB-014B-88B3-D8485239CAB2}" type="datetimeFigureOut">
               <a:rPr lang="en-US" smtClean="0"/>
-              <a:t>5/6/13</a:t>
+              <a:t>5/8/13</a:t>
             </a:fld>
             <a:endParaRPr lang="en-US"/>
           </a:p>
@@ -4895,7 +4720,7 @@
           <a:p>
             <a:fld id="{71A92358-5CAB-014B-88B3-D8485239CAB2}" type="datetimeFigureOut">
               <a:rPr lang="en-US" smtClean="0"/>
-              <a:t>5/6/13</a:t>
+              <a:t>5/8/13</a:t>
             </a:fld>
             <a:endParaRPr lang="en-US"/>
           </a:p>
@@ -5008,7 +4833,7 @@
           <a:p>
             <a:fld id="{71A92358-5CAB-014B-88B3-D8485239CAB2}" type="datetimeFigureOut">
               <a:rPr lang="en-US" smtClean="0"/>
-              <a:t>5/6/13</a:t>
+              <a:t>5/8/13</a:t>
             </a:fld>
             <a:endParaRPr lang="en-US"/>
           </a:p>
@@ -5273,7 +5098,7 @@
           <a:p>
             <a:fld id="{71A92358-5CAB-014B-88B3-D8485239CAB2}" type="datetimeFigureOut">
               <a:rPr lang="en-US" smtClean="0"/>
-              <a:t>5/6/13</a:t>
+              <a:t>5/8/13</a:t>
             </a:fld>
             <a:endParaRPr lang="en-US"/>
           </a:p>
@@ -5471,7 +5296,7 @@
           <a:p>
             <a:fld id="{71A92358-5CAB-014B-88B3-D8485239CAB2}" type="datetimeFigureOut">
               <a:rPr lang="en-US" smtClean="0"/>
-              <a:t>5/6/13</a:t>
+              <a:t>5/8/13</a:t>
             </a:fld>
             <a:endParaRPr lang="en-US"/>
           </a:p>
@@ -6556,7 +6381,7 @@
           <a:p>
             <a:fld id="{71A92358-5CAB-014B-88B3-D8485239CAB2}" type="datetimeFigureOut">
               <a:rPr lang="en-US" smtClean="0"/>
-              <a:t>5/6/13</a:t>
+              <a:t>5/8/13</a:t>
             </a:fld>
             <a:endParaRPr lang="en-US"/>
           </a:p>
@@ -8142,11 +7967,7 @@
           <a:p>
             <a:r>
               <a:rPr lang="en-US" dirty="0" smtClean="0"/>
-              <a:t>Detecting </a:t>
-            </a:r>
-            <a:r>
-              <a:rPr lang="en-US" dirty="0" smtClean="0"/>
-              <a:t>Hijacked Accounts</a:t>
+              <a:t>Detecting Hijacked Accounts</a:t>
             </a:r>
             <a:endParaRPr lang="en-US" dirty="0"/>
           </a:p>
@@ -8555,11 +8376,7 @@
             </a:r>
             <a:r>
               <a:rPr lang="en-US" dirty="0" smtClean="0"/>
-              <a:t> </a:t>
-            </a:r>
-            <a:r>
-              <a:rPr lang="en-US" dirty="0" smtClean="0"/>
-              <a:t>and </a:t>
+              <a:t> and </a:t>
             </a:r>
             <a:r>
               <a:rPr lang="en-US" dirty="0" smtClean="0">
@@ -8571,11 +8388,7 @@
             </a:r>
             <a:r>
               <a:rPr lang="en-US" dirty="0" smtClean="0"/>
-              <a:t> using </a:t>
-            </a:r>
-            <a:r>
-              <a:rPr lang="en-US" dirty="0" smtClean="0"/>
-              <a:t>parallel algorithms</a:t>
+              <a:t> using parallel algorithms</a:t>
             </a:r>
           </a:p>
         </p:txBody>
@@ -9147,15 +8960,7 @@
             <a:pPr lvl="1"/>
             <a:r>
               <a:rPr lang="en-US" dirty="0" smtClean="0"/>
-              <a:t>Incomplete graph – </a:t>
-            </a:r>
-            <a:r>
-              <a:rPr lang="en-US" dirty="0" smtClean="0"/>
-              <a:t>unknown </a:t>
-            </a:r>
-            <a:r>
-              <a:rPr lang="en-US" dirty="0" smtClean="0"/>
-              <a:t>among external accounts</a:t>
+              <a:t>Incomplete graph – unknown among external accounts</a:t>
             </a:r>
           </a:p>
           <a:p>
@@ -9828,11 +9633,7 @@
           <a:p>
             <a:r>
               <a:rPr lang="en-US" dirty="0" smtClean="0"/>
-              <a:t>Detection methodology </a:t>
-            </a:r>
-            <a:r>
-              <a:rPr lang="en-US" dirty="0" smtClean="0"/>
-              <a:t>– </a:t>
+              <a:t>Detection methodology – </a:t>
             </a:r>
             <a:r>
               <a:rPr lang="en-US" dirty="0" smtClean="0">
@@ -9865,11 +9666,7 @@
           <a:p>
             <a:r>
               <a:rPr lang="en-US" dirty="0" smtClean="0"/>
-              <a:t>Implementation </a:t>
-            </a:r>
-            <a:r>
-              <a:rPr lang="en-US" dirty="0" smtClean="0"/>
-              <a:t>– demonstrate </a:t>
+              <a:t>Implementation – demonstrate </a:t>
             </a:r>
             <a:r>
               <a:rPr lang="en-US" dirty="0" smtClean="0">
@@ -9893,24 +9690,16 @@
             </a:r>
             <a:r>
               <a:rPr lang="en-US" dirty="0" smtClean="0"/>
-              <a:t>for </a:t>
-            </a:r>
+              <a:t>for large-scale social graphs</a:t>
+            </a:r>
+          </a:p>
+          <a:p>
+            <a:endParaRPr lang="en-US" dirty="0" smtClean="0"/>
+          </a:p>
+          <a:p>
             <a:r>
               <a:rPr lang="en-US" dirty="0" smtClean="0"/>
-              <a:t>large-scale social graphs</a:t>
-            </a:r>
-          </a:p>
-          <a:p>
-            <a:endParaRPr lang="en-US" dirty="0" smtClean="0"/>
-          </a:p>
-          <a:p>
-            <a:r>
-              <a:rPr lang="en-US" dirty="0" smtClean="0"/>
-              <a:t>Evaluation </a:t>
-            </a:r>
-            <a:r>
-              <a:rPr lang="en-US" dirty="0" smtClean="0"/>
-              <a:t>– use a </a:t>
+              <a:t>Evaluation – use a </a:t>
             </a:r>
             <a:r>
               <a:rPr lang="en-US" dirty="0" smtClean="0">
@@ -9922,25 +9711,8 @@
             </a:r>
             <a:r>
               <a:rPr lang="en-US" dirty="0" smtClean="0"/>
-              <a:t> </a:t>
-            </a:r>
-            <a:r>
-              <a:rPr lang="en-US" dirty="0" smtClean="0"/>
-              <a:t>data </a:t>
-            </a:r>
-            <a:r>
-              <a:rPr lang="en-US" dirty="0" smtClean="0"/>
-              <a:t>set </a:t>
-            </a:r>
-            <a:r>
-              <a:rPr lang="en-US" dirty="0" smtClean="0"/>
-              <a:t>with </a:t>
-            </a:r>
-            <a:r>
-              <a:rPr lang="en-US" dirty="0" smtClean="0"/>
-              <a:t>large scale and long duration</a:t>
-            </a:r>
-            <a:endParaRPr lang="en-US" dirty="0" smtClean="0"/>
+              <a:t> data set with large scale and long duration</a:t>
+            </a:r>
           </a:p>
           <a:p>
             <a:endParaRPr lang="en-US" dirty="0"/>
@@ -16116,17 +15888,8 @@
           <a:p>
             <a:r>
               <a:rPr lang="en-US" dirty="0" smtClean="0"/>
-              <a:t>Recipient sets </a:t>
-            </a:r>
-            <a:r>
-              <a:rPr lang="en-US" dirty="0" smtClean="0"/>
-              <a:t>of good users are more </a:t>
-            </a:r>
-            <a:r>
-              <a:rPr lang="en-US" dirty="0" smtClean="0"/>
-              <a:t>connected than those of bad users</a:t>
-            </a:r>
-            <a:endParaRPr lang="en-US" dirty="0" smtClean="0"/>
+              <a:t>Recipient sets of good users are more connected than those of bad users</a:t>
+            </a:r>
           </a:p>
         </p:txBody>
       </p:sp>

--- a/slides/asiaccs_socialwatch.pptx
+++ b/slides/asiaccs_socialwatch.pptx
@@ -525,7 +525,19 @@
             </a:r>
             <a:r>
               <a:rPr lang="en-US" baseline="0" dirty="0" smtClean="0"/>
-              <a:t> and I’m from University of Michigan</a:t>
+              <a:t> and I’m </a:t>
+            </a:r>
+            <a:r>
+              <a:rPr lang="en-US" baseline="0" dirty="0" smtClean="0"/>
+              <a:t>a 5-year Ph.D. </a:t>
+            </a:r>
+            <a:r>
+              <a:rPr lang="en-US" baseline="0" smtClean="0"/>
+              <a:t>student from University </a:t>
+            </a:r>
+            <a:r>
+              <a:rPr lang="en-US" baseline="0" dirty="0" smtClean="0"/>
+              <a:t>of Michigan</a:t>
             </a:r>
             <a:endParaRPr lang="en-US" dirty="0" smtClean="0"/>
           </a:p>
@@ -545,11 +557,7 @@
           <a:p>
             <a:r>
               <a:rPr lang="en-US" baseline="0" dirty="0" smtClean="0"/>
-              <a:t>This work was mostly done when I’m was an intern in Microsoft Research Silicon Valley</a:t>
-            </a:r>
-            <a:r>
-              <a:rPr lang="en-US" baseline="0" dirty="0" smtClean="0"/>
-              <a:t>.</a:t>
+              <a:t>This work was mostly done when I’m was an intern in Microsoft Research Silicon Valley.</a:t>
             </a:r>
           </a:p>
           <a:p>

--- a/slides/asiaccs_socialwatch.pptx
+++ b/slides/asiaccs_socialwatch.pptx
@@ -525,19 +525,19 @@
             </a:r>
             <a:r>
               <a:rPr lang="en-US" baseline="0" dirty="0" smtClean="0"/>
-              <a:t> and I’m </a:t>
+              <a:t> and </a:t>
             </a:r>
             <a:r>
               <a:rPr lang="en-US" baseline="0" dirty="0" smtClean="0"/>
-              <a:t>a 5-year Ph.D. </a:t>
-            </a:r>
-            <a:r>
-              <a:rPr lang="en-US" baseline="0" smtClean="0"/>
-              <a:t>student from University </a:t>
+              <a:t>I just graduated from University </a:t>
             </a:r>
             <a:r>
               <a:rPr lang="en-US" baseline="0" dirty="0" smtClean="0"/>
-              <a:t>of Michigan</a:t>
+              <a:t>of </a:t>
+            </a:r>
+            <a:r>
+              <a:rPr lang="en-US" baseline="0" dirty="0" smtClean="0"/>
+              <a:t>Michigan with Ph.D.</a:t>
             </a:r>
             <a:endParaRPr lang="en-US" dirty="0" smtClean="0"/>
           </a:p>
@@ -563,7 +563,11 @@
           <a:p>
             <a:r>
               <a:rPr lang="en-US" baseline="0" dirty="0" smtClean="0"/>
-              <a:t>It is a joint work by my mentors Yinglian </a:t>
+              <a:t>It is a joint work by my </a:t>
+            </a:r>
+            <a:r>
+              <a:rPr lang="en-US" baseline="0" dirty="0" smtClean="0"/>
+              <a:t>mentors Yinglian </a:t>
             </a:r>
             <a:r>
               <a:rPr lang="en-US" baseline="0" dirty="0" err="1" smtClean="0"/>
@@ -587,7 +591,11 @@
             </a:r>
             <a:r>
               <a:rPr lang="en-US" baseline="0" dirty="0" smtClean="0"/>
-              <a:t> from Microsoft Research Silicon Valley, </a:t>
+              <a:t> from </a:t>
+            </a:r>
+            <a:r>
+              <a:rPr lang="en-US" baseline="0" dirty="0" smtClean="0"/>
+              <a:t>Microsoft Research Silicon Valley, </a:t>
             </a:r>
           </a:p>
           <a:p>
@@ -601,7 +609,11 @@
             </a:r>
             <a:r>
               <a:rPr lang="en-US" baseline="0" dirty="0" smtClean="0"/>
-              <a:t> from Microsoft’s </a:t>
+              <a:t> from </a:t>
+            </a:r>
+            <a:r>
+              <a:rPr lang="en-US" baseline="0" dirty="0" smtClean="0"/>
+              <a:t>Microsoft’s </a:t>
             </a:r>
             <a:r>
               <a:rPr lang="en-US" baseline="0" dirty="0" err="1" smtClean="0"/>
@@ -7120,7 +7132,7 @@
         </p:blipFill>
         <p:spPr>
           <a:xfrm>
-            <a:off x="6032901" y="36634"/>
+            <a:off x="6018630" y="50903"/>
             <a:ext cx="3086674" cy="861146"/>
           </a:xfrm>
           <a:prstGeom prst="rect">
@@ -7144,7 +7156,7 @@
         </p:blipFill>
         <p:spPr>
           <a:xfrm>
-            <a:off x="0" y="12212"/>
+            <a:off x="14271" y="26481"/>
             <a:ext cx="1365897" cy="1314630"/>
           </a:xfrm>
           <a:prstGeom prst="rect">

--- a/slides/asiaccs_socialwatch.pptx
+++ b/slides/asiaccs_socialwatch.pptx
@@ -525,19 +525,7 @@
             </a:r>
             <a:r>
               <a:rPr lang="en-US" baseline="0" dirty="0" smtClean="0"/>
-              <a:t> and </a:t>
-            </a:r>
-            <a:r>
-              <a:rPr lang="en-US" baseline="0" dirty="0" smtClean="0"/>
-              <a:t>I just graduated from University </a:t>
-            </a:r>
-            <a:r>
-              <a:rPr lang="en-US" baseline="0" dirty="0" smtClean="0"/>
-              <a:t>of </a:t>
-            </a:r>
-            <a:r>
-              <a:rPr lang="en-US" baseline="0" dirty="0" smtClean="0"/>
-              <a:t>Michigan with Ph.D.</a:t>
+              <a:t> and I just graduated from University of Michigan with Ph.D.</a:t>
             </a:r>
             <a:endParaRPr lang="en-US" dirty="0" smtClean="0"/>
           </a:p>
@@ -559,71 +547,6 @@
               <a:rPr lang="en-US" baseline="0" dirty="0" smtClean="0"/>
               <a:t>This work was mostly done when I’m was an intern in Microsoft Research Silicon Valley.</a:t>
             </a:r>
-          </a:p>
-          <a:p>
-            <a:r>
-              <a:rPr lang="en-US" baseline="0" dirty="0" smtClean="0"/>
-              <a:t>It is a joint work by my </a:t>
-            </a:r>
-            <a:r>
-              <a:rPr lang="en-US" baseline="0" dirty="0" smtClean="0"/>
-              <a:t>mentors Yinglian </a:t>
-            </a:r>
-            <a:r>
-              <a:rPr lang="en-US" baseline="0" dirty="0" err="1" smtClean="0"/>
-              <a:t>Xie</a:t>
-            </a:r>
-            <a:r>
-              <a:rPr lang="en-US" baseline="0" dirty="0" smtClean="0"/>
-              <a:t>, Fang Yu, Qifa </a:t>
-            </a:r>
-            <a:r>
-              <a:rPr lang="en-US" baseline="0" dirty="0" err="1" smtClean="0"/>
-              <a:t>Ke</a:t>
-            </a:r>
-            <a:r>
-              <a:rPr lang="en-US" baseline="0" dirty="0" smtClean="0"/>
-              <a:t> and Martin </a:t>
-            </a:r>
-            <a:r>
-              <a:rPr lang="en-US" baseline="0" dirty="0" err="1" smtClean="0"/>
-              <a:t>Abadi</a:t>
-            </a:r>
-            <a:r>
-              <a:rPr lang="en-US" baseline="0" dirty="0" smtClean="0"/>
-              <a:t> from </a:t>
-            </a:r>
-            <a:r>
-              <a:rPr lang="en-US" baseline="0" dirty="0" smtClean="0"/>
-              <a:t>Microsoft Research Silicon Valley, </a:t>
-            </a:r>
-          </a:p>
-          <a:p>
-            <a:r>
-              <a:rPr lang="en-US" baseline="0" dirty="0" smtClean="0"/>
-              <a:t>Eliot </a:t>
-            </a:r>
-            <a:r>
-              <a:rPr lang="en-US" baseline="0" dirty="0" err="1" smtClean="0"/>
-              <a:t>Gillum</a:t>
-            </a:r>
-            <a:r>
-              <a:rPr lang="en-US" baseline="0" dirty="0" smtClean="0"/>
-              <a:t> from </a:t>
-            </a:r>
-            <a:r>
-              <a:rPr lang="en-US" baseline="0" dirty="0" smtClean="0"/>
-              <a:t>Microsoft’s </a:t>
-            </a:r>
-            <a:r>
-              <a:rPr lang="en-US" baseline="0" dirty="0" err="1" smtClean="0"/>
-              <a:t>hotmail</a:t>
-            </a:r>
-            <a:r>
-              <a:rPr lang="en-US" baseline="0" dirty="0" smtClean="0"/>
-              <a:t> team, and my advisor Prof. Z. Morley Mao from University of Michigan.</a:t>
-            </a:r>
-            <a:endParaRPr lang="en-US" dirty="0"/>
           </a:p>
         </p:txBody>
       </p:sp>
